--- a/gemPpt/gemPpt/Created Chart.pptx
+++ b/gemPpt/gemPpt/Created Chart.pptx
@@ -1895,12 +1895,20 @@
         </p:nvSpPr>
         <p:spPr>
           <a:xfrm>
-            <a:off x="7200000" y="4320000"/>
-            <a:ext cx="3600000" cy="252000"/>
-          </a:xfrm>
-          <a:prstGeom prst="rect">
-            <a:avLst/>
-          </a:prstGeom>
+            <a:off x="8640000" y="3600000"/>
+            <a:ext cx="720000" cy="252000"/>
+          </a:xfrm>
+          <a:prstGeom prst="rect">
+            <a:avLst/>
+          </a:prstGeom>
+          <a:solidFill>
+            <a:prstClr val="brown"/>
+          </a:solidFill>
+          <a:ln>
+            <a:solidFill>
+              <a:prstClr val="brown"/>
+            </a:solidFill>
+          </a:ln>
         </p:spPr>
         <p:style>
           <a:lnRef idx="2">
@@ -1928,111 +1936,18 @@
       </p:sp>
       <p:sp>
         <p:nvSpPr>
-          <p:cNvPr id="29" name="TextBox 28"/>
-          <p:cNvSpPr txBox="true"/>
-          <p:nvPr/>
-        </p:nvSpPr>
-        <p:spPr>
-          <a:xfrm>
-            <a:off x="7200000" y="3960000"/>
-            <a:ext cx="1692000" cy="252000"/>
-          </a:xfrm>
-          <a:prstGeom prst="rect">
-            <a:avLst/>
-          </a:prstGeom>
-          <a:noFill/>
-        </p:spPr>
-        <p:txBody>
-          <a:bodyPr wrap="square" rtlCol="false">
-            <a:spAutoFit/>
-          </a:bodyPr>
-          <a:lstStyle/>
-          <a:p>
-            <a:r>
-              <a:t>sentiment adı </a:t>
-            </a:r>
-          </a:p>
-        </p:txBody>
-      </p:sp>
-      <p:sp>
-        <p:nvSpPr>
-          <p:cNvPr id="30" name="TextBox 29"/>
-          <p:cNvSpPr txBox="true"/>
-          <p:nvPr/>
-        </p:nvSpPr>
-        <p:spPr>
-          <a:xfrm>
-            <a:off x="9000000" y="3960000"/>
-            <a:ext cx="1080000" cy="252000"/>
-          </a:xfrm>
-          <a:prstGeom prst="rect">
-            <a:avLst/>
-          </a:prstGeom>
-          <a:noFill/>
-        </p:spPr>
-        <p:txBody>
-          <a:bodyPr wrap="square" rtlCol="false">
-            <a:spAutoFit/>
-          </a:bodyPr>
-          <a:lstStyle/>
-          <a:p>
-            <a:r>
-              <a:t>silik yazı </a:t>
-            </a:r>
-          </a:p>
-        </p:txBody>
-      </p:sp>
-      <p:sp>
-        <p:nvSpPr>
-          <p:cNvPr id="31" name="TextBox 30"/>
-          <p:cNvSpPr txBox="true"/>
-          <p:nvPr/>
-        </p:nvSpPr>
-        <p:spPr>
-          <a:xfrm>
-            <a:off x="10800000" y="4266000"/>
-            <a:ext cx="900000" cy="360000"/>
-          </a:xfrm>
-          <a:prstGeom prst="rect">
-            <a:avLst/>
-          </a:prstGeom>
-          <a:noFill/>
-        </p:spPr>
-        <p:txBody>
-          <a:bodyPr wrap="square" rtlCol="false">
-            <a:spAutoFit/>
-          </a:bodyPr>
-          <a:lstStyle/>
-          <a:p>
-            <a:r>
-              <a:rPr sz="1600"/>
-              <a:t>%43 </a:t>
-            </a:r>
-          </a:p>
-        </p:txBody>
-      </p:sp>
-      <p:sp>
-        <p:nvSpPr>
-          <p:cNvPr id="32" name="Rectangle 31"/>
+          <p:cNvPr id="29" name="Rectangle 28"/>
           <p:cNvSpPr/>
           <p:nvPr/>
         </p:nvSpPr>
         <p:spPr>
           <a:xfrm>
             <a:off x="7200000" y="4320000"/>
-            <a:ext cx="1440000" cy="252000"/>
-          </a:xfrm>
-          <a:prstGeom prst="rect">
-            <a:avLst/>
-          </a:prstGeom>
-          <a:solidFill>
-            <a:prstClr val="yellow"/>
-          </a:solidFill>
-          <a:ln>
-            <a:solidFill>
-              <a:prstClr val="green"/>
-            </a:solidFill>
-          </a:ln>
+            <a:ext cx="3600000" cy="252000"/>
+          </a:xfrm>
+          <a:prstGeom prst="rect">
+            <a:avLst/>
+          </a:prstGeom>
         </p:spPr>
         <p:style>
           <a:lnRef idx="2">
@@ -2060,18 +1975,111 @@
       </p:sp>
       <p:sp>
         <p:nvSpPr>
+          <p:cNvPr id="30" name="TextBox 29"/>
+          <p:cNvSpPr txBox="true"/>
+          <p:nvPr/>
+        </p:nvSpPr>
+        <p:spPr>
+          <a:xfrm>
+            <a:off x="7200000" y="3960000"/>
+            <a:ext cx="1692000" cy="252000"/>
+          </a:xfrm>
+          <a:prstGeom prst="rect">
+            <a:avLst/>
+          </a:prstGeom>
+          <a:noFill/>
+        </p:spPr>
+        <p:txBody>
+          <a:bodyPr wrap="square" rtlCol="false">
+            <a:spAutoFit/>
+          </a:bodyPr>
+          <a:lstStyle/>
+          <a:p>
+            <a:r>
+              <a:t>sentiment adı </a:t>
+            </a:r>
+          </a:p>
+        </p:txBody>
+      </p:sp>
+      <p:sp>
+        <p:nvSpPr>
+          <p:cNvPr id="31" name="TextBox 30"/>
+          <p:cNvSpPr txBox="true"/>
+          <p:nvPr/>
+        </p:nvSpPr>
+        <p:spPr>
+          <a:xfrm>
+            <a:off x="9000000" y="3960000"/>
+            <a:ext cx="1080000" cy="252000"/>
+          </a:xfrm>
+          <a:prstGeom prst="rect">
+            <a:avLst/>
+          </a:prstGeom>
+          <a:noFill/>
+        </p:spPr>
+        <p:txBody>
+          <a:bodyPr wrap="square" rtlCol="false">
+            <a:spAutoFit/>
+          </a:bodyPr>
+          <a:lstStyle/>
+          <a:p>
+            <a:r>
+              <a:t>silik yazı </a:t>
+            </a:r>
+          </a:p>
+        </p:txBody>
+      </p:sp>
+      <p:sp>
+        <p:nvSpPr>
+          <p:cNvPr id="32" name="TextBox 31"/>
+          <p:cNvSpPr txBox="true"/>
+          <p:nvPr/>
+        </p:nvSpPr>
+        <p:spPr>
+          <a:xfrm>
+            <a:off x="10800000" y="4266000"/>
+            <a:ext cx="900000" cy="360000"/>
+          </a:xfrm>
+          <a:prstGeom prst="rect">
+            <a:avLst/>
+          </a:prstGeom>
+          <a:noFill/>
+        </p:spPr>
+        <p:txBody>
+          <a:bodyPr wrap="square" rtlCol="false">
+            <a:spAutoFit/>
+          </a:bodyPr>
+          <a:lstStyle/>
+          <a:p>
+            <a:r>
+              <a:rPr sz="1600"/>
+              <a:t>%43 </a:t>
+            </a:r>
+          </a:p>
+        </p:txBody>
+      </p:sp>
+      <p:sp>
+        <p:nvSpPr>
           <p:cNvPr id="33" name="Rectangle 32"/>
           <p:cNvSpPr/>
           <p:nvPr/>
         </p:nvSpPr>
         <p:spPr>
           <a:xfrm>
-            <a:off x="7200000" y="5040000"/>
-            <a:ext cx="3600000" cy="252000"/>
-          </a:xfrm>
-          <a:prstGeom prst="rect">
-            <a:avLst/>
-          </a:prstGeom>
+            <a:off x="7200000" y="4320000"/>
+            <a:ext cx="1440000" cy="252000"/>
+          </a:xfrm>
+          <a:prstGeom prst="rect">
+            <a:avLst/>
+          </a:prstGeom>
+          <a:solidFill>
+            <a:prstClr val="yellow"/>
+          </a:solidFill>
+          <a:ln>
+            <a:solidFill>
+              <a:prstClr val="green"/>
+            </a:solidFill>
+          </a:ln>
         </p:spPr>
         <p:style>
           <a:lnRef idx="2">
@@ -2099,109 +2107,24 @@
       </p:sp>
       <p:sp>
         <p:nvSpPr>
-          <p:cNvPr id="34" name="TextBox 33"/>
-          <p:cNvSpPr txBox="true"/>
-          <p:nvPr/>
-        </p:nvSpPr>
-        <p:spPr>
-          <a:xfrm>
-            <a:off x="7200000" y="4680000"/>
-            <a:ext cx="1692000" cy="252000"/>
-          </a:xfrm>
-          <a:prstGeom prst="rect">
-            <a:avLst/>
-          </a:prstGeom>
-          <a:noFill/>
-        </p:spPr>
-        <p:txBody>
-          <a:bodyPr wrap="square" rtlCol="false">
-            <a:spAutoFit/>
-          </a:bodyPr>
-          <a:lstStyle/>
-          <a:p>
-            <a:r>
-              <a:t>sentiment adı </a:t>
-            </a:r>
-          </a:p>
-        </p:txBody>
-      </p:sp>
-      <p:sp>
-        <p:nvSpPr>
-          <p:cNvPr id="35" name="TextBox 34"/>
-          <p:cNvSpPr txBox="true"/>
-          <p:nvPr/>
-        </p:nvSpPr>
-        <p:spPr>
-          <a:xfrm>
-            <a:off x="9000000" y="4680000"/>
-            <a:ext cx="1080000" cy="252000"/>
-          </a:xfrm>
-          <a:prstGeom prst="rect">
-            <a:avLst/>
-          </a:prstGeom>
-          <a:noFill/>
-        </p:spPr>
-        <p:txBody>
-          <a:bodyPr wrap="square" rtlCol="false">
-            <a:spAutoFit/>
-          </a:bodyPr>
-          <a:lstStyle/>
-          <a:p>
-            <a:r>
-              <a:t>silik yazı </a:t>
-            </a:r>
-          </a:p>
-        </p:txBody>
-      </p:sp>
-      <p:sp>
-        <p:nvSpPr>
-          <p:cNvPr id="36" name="TextBox 35"/>
-          <p:cNvSpPr txBox="true"/>
-          <p:nvPr/>
-        </p:nvSpPr>
-        <p:spPr>
-          <a:xfrm>
-            <a:off x="10800000" y="4986000"/>
-            <a:ext cx="900000" cy="360000"/>
-          </a:xfrm>
-          <a:prstGeom prst="rect">
-            <a:avLst/>
-          </a:prstGeom>
-          <a:noFill/>
-        </p:spPr>
-        <p:txBody>
-          <a:bodyPr wrap="square" rtlCol="false">
-            <a:spAutoFit/>
-          </a:bodyPr>
-          <a:lstStyle/>
-          <a:p>
-            <a:r>
-              <a:rPr sz="1600"/>
-              <a:t>%43 </a:t>
-            </a:r>
-          </a:p>
-        </p:txBody>
-      </p:sp>
-      <p:sp>
-        <p:nvSpPr>
-          <p:cNvPr id="37" name="Rectangle 36"/>
+          <p:cNvPr id="34" name="Rectangle 33"/>
           <p:cNvSpPr/>
           <p:nvPr/>
         </p:nvSpPr>
         <p:spPr>
           <a:xfrm>
-            <a:off x="7200000" y="5040000"/>
-            <a:ext cx="1440000" cy="252000"/>
-          </a:xfrm>
-          <a:prstGeom prst="rect">
-            <a:avLst/>
-          </a:prstGeom>
-          <a:solidFill>
-            <a:prstClr val="yellow"/>
+            <a:off x="8640000" y="4320000"/>
+            <a:ext cx="720000" cy="252000"/>
+          </a:xfrm>
+          <a:prstGeom prst="rect">
+            <a:avLst/>
+          </a:prstGeom>
+          <a:solidFill>
+            <a:prstClr val="brown"/>
           </a:solidFill>
           <a:ln>
             <a:solidFill>
-              <a:prstClr val="green"/>
+              <a:prstClr val="brown"/>
             </a:solidFill>
           </a:ln>
         </p:spPr>
@@ -2231,13 +2154,13 @@
       </p:sp>
       <p:sp>
         <p:nvSpPr>
-          <p:cNvPr id="38" name="Rectangle 37"/>
+          <p:cNvPr id="35" name="Rectangle 34"/>
           <p:cNvSpPr/>
           <p:nvPr/>
         </p:nvSpPr>
         <p:spPr>
           <a:xfrm>
-            <a:off x="7200000" y="5760000"/>
+            <a:off x="7200000" y="5040000"/>
             <a:ext cx="3600000" cy="252000"/>
           </a:xfrm>
           <a:prstGeom prst="rect">
@@ -2270,13 +2193,13 @@
       </p:sp>
       <p:sp>
         <p:nvSpPr>
-          <p:cNvPr id="39" name="TextBox 38"/>
-          <p:cNvSpPr txBox="true"/>
-          <p:nvPr/>
-        </p:nvSpPr>
-        <p:spPr>
-          <a:xfrm>
-            <a:off x="7200000" y="5400000"/>
+          <p:cNvPr id="36" name="TextBox 35"/>
+          <p:cNvSpPr txBox="true"/>
+          <p:nvPr/>
+        </p:nvSpPr>
+        <p:spPr>
+          <a:xfrm>
+            <a:off x="7200000" y="4680000"/>
             <a:ext cx="1692000" cy="252000"/>
           </a:xfrm>
           <a:prstGeom prst="rect">
@@ -2298,13 +2221,13 @@
       </p:sp>
       <p:sp>
         <p:nvSpPr>
-          <p:cNvPr id="40" name="TextBox 39"/>
-          <p:cNvSpPr txBox="true"/>
-          <p:nvPr/>
-        </p:nvSpPr>
-        <p:spPr>
-          <a:xfrm>
-            <a:off x="9000000" y="5400000"/>
+          <p:cNvPr id="37" name="TextBox 36"/>
+          <p:cNvSpPr txBox="true"/>
+          <p:nvPr/>
+        </p:nvSpPr>
+        <p:spPr>
+          <a:xfrm>
+            <a:off x="9000000" y="4680000"/>
             <a:ext cx="1080000" cy="252000"/>
           </a:xfrm>
           <a:prstGeom prst="rect">
@@ -2326,13 +2249,13 @@
       </p:sp>
       <p:sp>
         <p:nvSpPr>
-          <p:cNvPr id="41" name="TextBox 40"/>
-          <p:cNvSpPr txBox="true"/>
-          <p:nvPr/>
-        </p:nvSpPr>
-        <p:spPr>
-          <a:xfrm>
-            <a:off x="10800000" y="5706000"/>
+          <p:cNvPr id="38" name="TextBox 37"/>
+          <p:cNvSpPr txBox="true"/>
+          <p:nvPr/>
+        </p:nvSpPr>
+        <p:spPr>
+          <a:xfrm>
+            <a:off x="10800000" y="4986000"/>
             <a:ext cx="900000" cy="360000"/>
           </a:xfrm>
           <a:prstGeom prst="rect">
@@ -2355,13 +2278,13 @@
       </p:sp>
       <p:sp>
         <p:nvSpPr>
-          <p:cNvPr id="42" name="Rectangle 41"/>
+          <p:cNvPr id="39" name="Rectangle 38"/>
           <p:cNvSpPr/>
           <p:nvPr/>
         </p:nvSpPr>
         <p:spPr>
           <a:xfrm>
-            <a:off x="7200000" y="5760000"/>
+            <a:off x="7200000" y="5040000"/>
             <a:ext cx="1440000" cy="252000"/>
           </a:xfrm>
           <a:prstGeom prst="rect">
@@ -2373,6 +2296,271 @@
           <a:ln>
             <a:solidFill>
               <a:prstClr val="green"/>
+            </a:solidFill>
+          </a:ln>
+        </p:spPr>
+        <p:style>
+          <a:lnRef idx="2">
+            <a:schemeClr val="accent1">
+              <a:shade val="50000"/>
+            </a:schemeClr>
+          </a:lnRef>
+          <a:fillRef idx="1">
+            <a:schemeClr val="accent1"/>
+          </a:fillRef>
+          <a:effectRef idx="0">
+            <a:schemeClr val="accent1"/>
+          </a:effectRef>
+          <a:fontRef idx="minor">
+            <a:schemeClr val="lt1"/>
+          </a:fontRef>
+        </p:style>
+        <p:txBody>
+          <a:bodyPr anchor="ctr" rtlCol="false"/>
+          <a:lstStyle/>
+          <a:p>
+            <a:pPr algn="ctr"/>
+          </a:p>
+        </p:txBody>
+      </p:sp>
+      <p:sp>
+        <p:nvSpPr>
+          <p:cNvPr id="40" name="Rectangle 39"/>
+          <p:cNvSpPr/>
+          <p:nvPr/>
+        </p:nvSpPr>
+        <p:spPr>
+          <a:xfrm>
+            <a:off x="8640000" y="5040000"/>
+            <a:ext cx="720000" cy="252000"/>
+          </a:xfrm>
+          <a:prstGeom prst="rect">
+            <a:avLst/>
+          </a:prstGeom>
+          <a:solidFill>
+            <a:prstClr val="brown"/>
+          </a:solidFill>
+          <a:ln>
+            <a:solidFill>
+              <a:prstClr val="brown"/>
+            </a:solidFill>
+          </a:ln>
+        </p:spPr>
+        <p:style>
+          <a:lnRef idx="2">
+            <a:schemeClr val="accent1">
+              <a:shade val="50000"/>
+            </a:schemeClr>
+          </a:lnRef>
+          <a:fillRef idx="1">
+            <a:schemeClr val="accent1"/>
+          </a:fillRef>
+          <a:effectRef idx="0">
+            <a:schemeClr val="accent1"/>
+          </a:effectRef>
+          <a:fontRef idx="minor">
+            <a:schemeClr val="lt1"/>
+          </a:fontRef>
+        </p:style>
+        <p:txBody>
+          <a:bodyPr anchor="ctr" rtlCol="false"/>
+          <a:lstStyle/>
+          <a:p>
+            <a:pPr algn="ctr"/>
+          </a:p>
+        </p:txBody>
+      </p:sp>
+      <p:sp>
+        <p:nvSpPr>
+          <p:cNvPr id="41" name="Rectangle 40"/>
+          <p:cNvSpPr/>
+          <p:nvPr/>
+        </p:nvSpPr>
+        <p:spPr>
+          <a:xfrm>
+            <a:off x="7200000" y="5760000"/>
+            <a:ext cx="3600000" cy="252000"/>
+          </a:xfrm>
+          <a:prstGeom prst="rect">
+            <a:avLst/>
+          </a:prstGeom>
+        </p:spPr>
+        <p:style>
+          <a:lnRef idx="2">
+            <a:schemeClr val="accent1">
+              <a:shade val="50000"/>
+            </a:schemeClr>
+          </a:lnRef>
+          <a:fillRef idx="1">
+            <a:schemeClr val="accent1"/>
+          </a:fillRef>
+          <a:effectRef idx="0">
+            <a:schemeClr val="accent1"/>
+          </a:effectRef>
+          <a:fontRef idx="minor">
+            <a:schemeClr val="lt1"/>
+          </a:fontRef>
+        </p:style>
+        <p:txBody>
+          <a:bodyPr anchor="ctr" rtlCol="false"/>
+          <a:lstStyle/>
+          <a:p>
+            <a:pPr algn="ctr"/>
+          </a:p>
+        </p:txBody>
+      </p:sp>
+      <p:sp>
+        <p:nvSpPr>
+          <p:cNvPr id="42" name="TextBox 41"/>
+          <p:cNvSpPr txBox="true"/>
+          <p:nvPr/>
+        </p:nvSpPr>
+        <p:spPr>
+          <a:xfrm>
+            <a:off x="7200000" y="5400000"/>
+            <a:ext cx="1692000" cy="252000"/>
+          </a:xfrm>
+          <a:prstGeom prst="rect">
+            <a:avLst/>
+          </a:prstGeom>
+          <a:noFill/>
+        </p:spPr>
+        <p:txBody>
+          <a:bodyPr wrap="square" rtlCol="false">
+            <a:spAutoFit/>
+          </a:bodyPr>
+          <a:lstStyle/>
+          <a:p>
+            <a:r>
+              <a:t>sentiment adı </a:t>
+            </a:r>
+          </a:p>
+        </p:txBody>
+      </p:sp>
+      <p:sp>
+        <p:nvSpPr>
+          <p:cNvPr id="43" name="TextBox 42"/>
+          <p:cNvSpPr txBox="true"/>
+          <p:nvPr/>
+        </p:nvSpPr>
+        <p:spPr>
+          <a:xfrm>
+            <a:off x="9000000" y="5400000"/>
+            <a:ext cx="1080000" cy="252000"/>
+          </a:xfrm>
+          <a:prstGeom prst="rect">
+            <a:avLst/>
+          </a:prstGeom>
+          <a:noFill/>
+        </p:spPr>
+        <p:txBody>
+          <a:bodyPr wrap="square" rtlCol="false">
+            <a:spAutoFit/>
+          </a:bodyPr>
+          <a:lstStyle/>
+          <a:p>
+            <a:r>
+              <a:t>silik yazı </a:t>
+            </a:r>
+          </a:p>
+        </p:txBody>
+      </p:sp>
+      <p:sp>
+        <p:nvSpPr>
+          <p:cNvPr id="44" name="TextBox 43"/>
+          <p:cNvSpPr txBox="true"/>
+          <p:nvPr/>
+        </p:nvSpPr>
+        <p:spPr>
+          <a:xfrm>
+            <a:off x="10800000" y="5706000"/>
+            <a:ext cx="900000" cy="360000"/>
+          </a:xfrm>
+          <a:prstGeom prst="rect">
+            <a:avLst/>
+          </a:prstGeom>
+          <a:noFill/>
+        </p:spPr>
+        <p:txBody>
+          <a:bodyPr wrap="square" rtlCol="false">
+            <a:spAutoFit/>
+          </a:bodyPr>
+          <a:lstStyle/>
+          <a:p>
+            <a:r>
+              <a:rPr sz="1600"/>
+              <a:t>%43 </a:t>
+            </a:r>
+          </a:p>
+        </p:txBody>
+      </p:sp>
+      <p:sp>
+        <p:nvSpPr>
+          <p:cNvPr id="45" name="Rectangle 44"/>
+          <p:cNvSpPr/>
+          <p:nvPr/>
+        </p:nvSpPr>
+        <p:spPr>
+          <a:xfrm>
+            <a:off x="7200000" y="5760000"/>
+            <a:ext cx="1440000" cy="252000"/>
+          </a:xfrm>
+          <a:prstGeom prst="rect">
+            <a:avLst/>
+          </a:prstGeom>
+          <a:solidFill>
+            <a:prstClr val="yellow"/>
+          </a:solidFill>
+          <a:ln>
+            <a:solidFill>
+              <a:prstClr val="green"/>
+            </a:solidFill>
+          </a:ln>
+        </p:spPr>
+        <p:style>
+          <a:lnRef idx="2">
+            <a:schemeClr val="accent1">
+              <a:shade val="50000"/>
+            </a:schemeClr>
+          </a:lnRef>
+          <a:fillRef idx="1">
+            <a:schemeClr val="accent1"/>
+          </a:fillRef>
+          <a:effectRef idx="0">
+            <a:schemeClr val="accent1"/>
+          </a:effectRef>
+          <a:fontRef idx="minor">
+            <a:schemeClr val="lt1"/>
+          </a:fontRef>
+        </p:style>
+        <p:txBody>
+          <a:bodyPr anchor="ctr" rtlCol="false"/>
+          <a:lstStyle/>
+          <a:p>
+            <a:pPr algn="ctr"/>
+          </a:p>
+        </p:txBody>
+      </p:sp>
+      <p:sp>
+        <p:nvSpPr>
+          <p:cNvPr id="46" name="Rectangle 45"/>
+          <p:cNvSpPr/>
+          <p:nvPr/>
+        </p:nvSpPr>
+        <p:spPr>
+          <a:xfrm>
+            <a:off x="8640000" y="5760000"/>
+            <a:ext cx="720000" cy="252000"/>
+          </a:xfrm>
+          <a:prstGeom prst="rect">
+            <a:avLst/>
+          </a:prstGeom>
+          <a:solidFill>
+            <a:prstClr val="brown"/>
+          </a:solidFill>
+          <a:ln>
+            <a:solidFill>
+              <a:prstClr val="brown"/>
             </a:solidFill>
           </a:ln>
         </p:spPr>

--- a/gemPpt/gemPpt/Created Chart.pptx
+++ b/gemPpt/gemPpt/Created Chart.pptx
@@ -1724,12 +1724,20 @@
         </p:nvSpPr>
         <p:spPr>
           <a:xfrm>
-            <a:off x="7200000" y="3600000"/>
-            <a:ext cx="3600000" cy="252000"/>
-          </a:xfrm>
-          <a:prstGeom prst="rect">
-            <a:avLst/>
-          </a:prstGeom>
+            <a:off x="5940000" y="3240000"/>
+            <a:ext cx="3600" cy="3240000"/>
+          </a:xfrm>
+          <a:prstGeom prst="rect">
+            <a:avLst/>
+          </a:prstGeom>
+          <a:solidFill>
+            <a:prstClr val="gray"/>
+          </a:solidFill>
+          <a:ln>
+            <a:solidFill>
+              <a:prstClr val="darkGray"/>
+            </a:solidFill>
+          </a:ln>
         </p:spPr>
         <p:style>
           <a:lnRef idx="2">
@@ -1757,111 +1765,18 @@
       </p:sp>
       <p:sp>
         <p:nvSpPr>
-          <p:cNvPr id="24" name="TextBox 23"/>
-          <p:cNvSpPr txBox="true"/>
-          <p:nvPr/>
-        </p:nvSpPr>
-        <p:spPr>
-          <a:xfrm>
-            <a:off x="7200000" y="3240000"/>
-            <a:ext cx="1692000" cy="252000"/>
-          </a:xfrm>
-          <a:prstGeom prst="rect">
-            <a:avLst/>
-          </a:prstGeom>
-          <a:noFill/>
-        </p:spPr>
-        <p:txBody>
-          <a:bodyPr wrap="square" rtlCol="false">
-            <a:spAutoFit/>
-          </a:bodyPr>
-          <a:lstStyle/>
-          <a:p>
-            <a:r>
-              <a:t>sentiment adı </a:t>
-            </a:r>
-          </a:p>
-        </p:txBody>
-      </p:sp>
-      <p:sp>
-        <p:nvSpPr>
-          <p:cNvPr id="25" name="TextBox 24"/>
-          <p:cNvSpPr txBox="true"/>
-          <p:nvPr/>
-        </p:nvSpPr>
-        <p:spPr>
-          <a:xfrm>
-            <a:off x="9000000" y="3240000"/>
-            <a:ext cx="1080000" cy="252000"/>
-          </a:xfrm>
-          <a:prstGeom prst="rect">
-            <a:avLst/>
-          </a:prstGeom>
-          <a:noFill/>
-        </p:spPr>
-        <p:txBody>
-          <a:bodyPr wrap="square" rtlCol="false">
-            <a:spAutoFit/>
-          </a:bodyPr>
-          <a:lstStyle/>
-          <a:p>
-            <a:r>
-              <a:t>silik yazı </a:t>
-            </a:r>
-          </a:p>
-        </p:txBody>
-      </p:sp>
-      <p:sp>
-        <p:nvSpPr>
-          <p:cNvPr id="26" name="TextBox 25"/>
-          <p:cNvSpPr txBox="true"/>
-          <p:nvPr/>
-        </p:nvSpPr>
-        <p:spPr>
-          <a:xfrm>
-            <a:off x="10800000" y="3546000"/>
-            <a:ext cx="900000" cy="360000"/>
-          </a:xfrm>
-          <a:prstGeom prst="rect">
-            <a:avLst/>
-          </a:prstGeom>
-          <a:noFill/>
-        </p:spPr>
-        <p:txBody>
-          <a:bodyPr wrap="square" rtlCol="false">
-            <a:spAutoFit/>
-          </a:bodyPr>
-          <a:lstStyle/>
-          <a:p>
-            <a:r>
-              <a:rPr sz="1600"/>
-              <a:t>%43 </a:t>
-            </a:r>
-          </a:p>
-        </p:txBody>
-      </p:sp>
-      <p:sp>
-        <p:nvSpPr>
-          <p:cNvPr id="27" name="Rectangle 26"/>
+          <p:cNvPr id="24" name="Rectangle 23"/>
           <p:cNvSpPr/>
           <p:nvPr/>
         </p:nvSpPr>
         <p:spPr>
           <a:xfrm>
             <a:off x="7200000" y="3600000"/>
-            <a:ext cx="1440000" cy="252000"/>
-          </a:xfrm>
-          <a:prstGeom prst="rect">
-            <a:avLst/>
-          </a:prstGeom>
-          <a:solidFill>
-            <a:prstClr val="yellow"/>
-          </a:solidFill>
-          <a:ln>
-            <a:solidFill>
-              <a:prstClr val="green"/>
-            </a:solidFill>
-          </a:ln>
+            <a:ext cx="3600000" cy="252000"/>
+          </a:xfrm>
+          <a:prstGeom prst="rect">
+            <a:avLst/>
+          </a:prstGeom>
         </p:spPr>
         <p:style>
           <a:lnRef idx="2">
@@ -1889,24 +1804,109 @@
       </p:sp>
       <p:sp>
         <p:nvSpPr>
+          <p:cNvPr id="25" name="TextBox 24"/>
+          <p:cNvSpPr txBox="true"/>
+          <p:nvPr/>
+        </p:nvSpPr>
+        <p:spPr>
+          <a:xfrm>
+            <a:off x="7200000" y="3240000"/>
+            <a:ext cx="1692000" cy="252000"/>
+          </a:xfrm>
+          <a:prstGeom prst="rect">
+            <a:avLst/>
+          </a:prstGeom>
+          <a:noFill/>
+        </p:spPr>
+        <p:txBody>
+          <a:bodyPr wrap="square" rtlCol="false">
+            <a:spAutoFit/>
+          </a:bodyPr>
+          <a:lstStyle/>
+          <a:p>
+            <a:r>
+              <a:t>sentiment adı </a:t>
+            </a:r>
+          </a:p>
+        </p:txBody>
+      </p:sp>
+      <p:sp>
+        <p:nvSpPr>
+          <p:cNvPr id="26" name="TextBox 25"/>
+          <p:cNvSpPr txBox="true"/>
+          <p:nvPr/>
+        </p:nvSpPr>
+        <p:spPr>
+          <a:xfrm>
+            <a:off x="9000000" y="3240000"/>
+            <a:ext cx="1080000" cy="252000"/>
+          </a:xfrm>
+          <a:prstGeom prst="rect">
+            <a:avLst/>
+          </a:prstGeom>
+          <a:noFill/>
+        </p:spPr>
+        <p:txBody>
+          <a:bodyPr wrap="square" rtlCol="false">
+            <a:spAutoFit/>
+          </a:bodyPr>
+          <a:lstStyle/>
+          <a:p>
+            <a:r>
+              <a:t>silik yazı </a:t>
+            </a:r>
+          </a:p>
+        </p:txBody>
+      </p:sp>
+      <p:sp>
+        <p:nvSpPr>
+          <p:cNvPr id="27" name="TextBox 26"/>
+          <p:cNvSpPr txBox="true"/>
+          <p:nvPr/>
+        </p:nvSpPr>
+        <p:spPr>
+          <a:xfrm>
+            <a:off x="10800000" y="3546000"/>
+            <a:ext cx="900000" cy="360000"/>
+          </a:xfrm>
+          <a:prstGeom prst="rect">
+            <a:avLst/>
+          </a:prstGeom>
+          <a:noFill/>
+        </p:spPr>
+        <p:txBody>
+          <a:bodyPr wrap="square" rtlCol="false">
+            <a:spAutoFit/>
+          </a:bodyPr>
+          <a:lstStyle/>
+          <a:p>
+            <a:r>
+              <a:rPr sz="1600"/>
+              <a:t>%43 </a:t>
+            </a:r>
+          </a:p>
+        </p:txBody>
+      </p:sp>
+      <p:sp>
+        <p:nvSpPr>
           <p:cNvPr id="28" name="Rectangle 27"/>
           <p:cNvSpPr/>
           <p:nvPr/>
         </p:nvSpPr>
         <p:spPr>
           <a:xfrm>
-            <a:off x="8640000" y="3600000"/>
-            <a:ext cx="720000" cy="252000"/>
-          </a:xfrm>
-          <a:prstGeom prst="rect">
-            <a:avLst/>
-          </a:prstGeom>
-          <a:solidFill>
-            <a:prstClr val="brown"/>
+            <a:off x="7200000" y="3600000"/>
+            <a:ext cx="1440000" cy="252000"/>
+          </a:xfrm>
+          <a:prstGeom prst="rect">
+            <a:avLst/>
+          </a:prstGeom>
+          <a:solidFill>
+            <a:prstClr val="yellow"/>
           </a:solidFill>
           <a:ln>
             <a:solidFill>
-              <a:prstClr val="brown"/>
+              <a:prstClr val="green"/>
             </a:solidFill>
           </a:ln>
         </p:spPr>
@@ -1942,12 +1942,20 @@
         </p:nvSpPr>
         <p:spPr>
           <a:xfrm>
-            <a:off x="7200000" y="4320000"/>
-            <a:ext cx="3600000" cy="252000"/>
-          </a:xfrm>
-          <a:prstGeom prst="rect">
-            <a:avLst/>
-          </a:prstGeom>
+            <a:off x="8640000" y="3600000"/>
+            <a:ext cx="720000" cy="252000"/>
+          </a:xfrm>
+          <a:prstGeom prst="rect">
+            <a:avLst/>
+          </a:prstGeom>
+          <a:solidFill>
+            <a:prstClr val="brown"/>
+          </a:solidFill>
+          <a:ln>
+            <a:solidFill>
+              <a:prstClr val="brown"/>
+            </a:solidFill>
+          </a:ln>
         </p:spPr>
         <p:style>
           <a:lnRef idx="2">
@@ -1975,111 +1983,18 @@
       </p:sp>
       <p:sp>
         <p:nvSpPr>
-          <p:cNvPr id="30" name="TextBox 29"/>
-          <p:cNvSpPr txBox="true"/>
-          <p:nvPr/>
-        </p:nvSpPr>
-        <p:spPr>
-          <a:xfrm>
-            <a:off x="7200000" y="3960000"/>
-            <a:ext cx="1692000" cy="252000"/>
-          </a:xfrm>
-          <a:prstGeom prst="rect">
-            <a:avLst/>
-          </a:prstGeom>
-          <a:noFill/>
-        </p:spPr>
-        <p:txBody>
-          <a:bodyPr wrap="square" rtlCol="false">
-            <a:spAutoFit/>
-          </a:bodyPr>
-          <a:lstStyle/>
-          <a:p>
-            <a:r>
-              <a:t>sentiment adı </a:t>
-            </a:r>
-          </a:p>
-        </p:txBody>
-      </p:sp>
-      <p:sp>
-        <p:nvSpPr>
-          <p:cNvPr id="31" name="TextBox 30"/>
-          <p:cNvSpPr txBox="true"/>
-          <p:nvPr/>
-        </p:nvSpPr>
-        <p:spPr>
-          <a:xfrm>
-            <a:off x="9000000" y="3960000"/>
-            <a:ext cx="1080000" cy="252000"/>
-          </a:xfrm>
-          <a:prstGeom prst="rect">
-            <a:avLst/>
-          </a:prstGeom>
-          <a:noFill/>
-        </p:spPr>
-        <p:txBody>
-          <a:bodyPr wrap="square" rtlCol="false">
-            <a:spAutoFit/>
-          </a:bodyPr>
-          <a:lstStyle/>
-          <a:p>
-            <a:r>
-              <a:t>silik yazı </a:t>
-            </a:r>
-          </a:p>
-        </p:txBody>
-      </p:sp>
-      <p:sp>
-        <p:nvSpPr>
-          <p:cNvPr id="32" name="TextBox 31"/>
-          <p:cNvSpPr txBox="true"/>
-          <p:nvPr/>
-        </p:nvSpPr>
-        <p:spPr>
-          <a:xfrm>
-            <a:off x="10800000" y="4266000"/>
-            <a:ext cx="900000" cy="360000"/>
-          </a:xfrm>
-          <a:prstGeom prst="rect">
-            <a:avLst/>
-          </a:prstGeom>
-          <a:noFill/>
-        </p:spPr>
-        <p:txBody>
-          <a:bodyPr wrap="square" rtlCol="false">
-            <a:spAutoFit/>
-          </a:bodyPr>
-          <a:lstStyle/>
-          <a:p>
-            <a:r>
-              <a:rPr sz="1600"/>
-              <a:t>%43 </a:t>
-            </a:r>
-          </a:p>
-        </p:txBody>
-      </p:sp>
-      <p:sp>
-        <p:nvSpPr>
-          <p:cNvPr id="33" name="Rectangle 32"/>
+          <p:cNvPr id="30" name="Rectangle 29"/>
           <p:cNvSpPr/>
           <p:nvPr/>
         </p:nvSpPr>
         <p:spPr>
           <a:xfrm>
             <a:off x="7200000" y="4320000"/>
-            <a:ext cx="1440000" cy="252000"/>
-          </a:xfrm>
-          <a:prstGeom prst="rect">
-            <a:avLst/>
-          </a:prstGeom>
-          <a:solidFill>
-            <a:prstClr val="yellow"/>
-          </a:solidFill>
-          <a:ln>
-            <a:solidFill>
-              <a:prstClr val="green"/>
-            </a:solidFill>
-          </a:ln>
+            <a:ext cx="3600000" cy="252000"/>
+          </a:xfrm>
+          <a:prstGeom prst="rect">
+            <a:avLst/>
+          </a:prstGeom>
         </p:spPr>
         <p:style>
           <a:lnRef idx="2">
@@ -2107,24 +2022,109 @@
       </p:sp>
       <p:sp>
         <p:nvSpPr>
+          <p:cNvPr id="31" name="TextBox 30"/>
+          <p:cNvSpPr txBox="true"/>
+          <p:nvPr/>
+        </p:nvSpPr>
+        <p:spPr>
+          <a:xfrm>
+            <a:off x="7200000" y="3960000"/>
+            <a:ext cx="1692000" cy="252000"/>
+          </a:xfrm>
+          <a:prstGeom prst="rect">
+            <a:avLst/>
+          </a:prstGeom>
+          <a:noFill/>
+        </p:spPr>
+        <p:txBody>
+          <a:bodyPr wrap="square" rtlCol="false">
+            <a:spAutoFit/>
+          </a:bodyPr>
+          <a:lstStyle/>
+          <a:p>
+            <a:r>
+              <a:t>sentiment adı </a:t>
+            </a:r>
+          </a:p>
+        </p:txBody>
+      </p:sp>
+      <p:sp>
+        <p:nvSpPr>
+          <p:cNvPr id="32" name="TextBox 31"/>
+          <p:cNvSpPr txBox="true"/>
+          <p:nvPr/>
+        </p:nvSpPr>
+        <p:spPr>
+          <a:xfrm>
+            <a:off x="9000000" y="3960000"/>
+            <a:ext cx="1080000" cy="252000"/>
+          </a:xfrm>
+          <a:prstGeom prst="rect">
+            <a:avLst/>
+          </a:prstGeom>
+          <a:noFill/>
+        </p:spPr>
+        <p:txBody>
+          <a:bodyPr wrap="square" rtlCol="false">
+            <a:spAutoFit/>
+          </a:bodyPr>
+          <a:lstStyle/>
+          <a:p>
+            <a:r>
+              <a:t>silik yazı </a:t>
+            </a:r>
+          </a:p>
+        </p:txBody>
+      </p:sp>
+      <p:sp>
+        <p:nvSpPr>
+          <p:cNvPr id="33" name="TextBox 32"/>
+          <p:cNvSpPr txBox="true"/>
+          <p:nvPr/>
+        </p:nvSpPr>
+        <p:spPr>
+          <a:xfrm>
+            <a:off x="10800000" y="4266000"/>
+            <a:ext cx="900000" cy="360000"/>
+          </a:xfrm>
+          <a:prstGeom prst="rect">
+            <a:avLst/>
+          </a:prstGeom>
+          <a:noFill/>
+        </p:spPr>
+        <p:txBody>
+          <a:bodyPr wrap="square" rtlCol="false">
+            <a:spAutoFit/>
+          </a:bodyPr>
+          <a:lstStyle/>
+          <a:p>
+            <a:r>
+              <a:rPr sz="1600"/>
+              <a:t>%43 </a:t>
+            </a:r>
+          </a:p>
+        </p:txBody>
+      </p:sp>
+      <p:sp>
+        <p:nvSpPr>
           <p:cNvPr id="34" name="Rectangle 33"/>
           <p:cNvSpPr/>
           <p:nvPr/>
         </p:nvSpPr>
         <p:spPr>
           <a:xfrm>
-            <a:off x="8640000" y="4320000"/>
-            <a:ext cx="720000" cy="252000"/>
-          </a:xfrm>
-          <a:prstGeom prst="rect">
-            <a:avLst/>
-          </a:prstGeom>
-          <a:solidFill>
-            <a:prstClr val="brown"/>
+            <a:off x="7200000" y="4320000"/>
+            <a:ext cx="1440000" cy="252000"/>
+          </a:xfrm>
+          <a:prstGeom prst="rect">
+            <a:avLst/>
+          </a:prstGeom>
+          <a:solidFill>
+            <a:prstClr val="yellow"/>
           </a:solidFill>
           <a:ln>
             <a:solidFill>
-              <a:prstClr val="brown"/>
+              <a:prstClr val="green"/>
             </a:solidFill>
           </a:ln>
         </p:spPr>
@@ -2160,12 +2160,20 @@
         </p:nvSpPr>
         <p:spPr>
           <a:xfrm>
-            <a:off x="7200000" y="5040000"/>
-            <a:ext cx="3600000" cy="252000"/>
-          </a:xfrm>
-          <a:prstGeom prst="rect">
-            <a:avLst/>
-          </a:prstGeom>
+            <a:off x="8640000" y="4320000"/>
+            <a:ext cx="720000" cy="252000"/>
+          </a:xfrm>
+          <a:prstGeom prst="rect">
+            <a:avLst/>
+          </a:prstGeom>
+          <a:solidFill>
+            <a:prstClr val="brown"/>
+          </a:solidFill>
+          <a:ln>
+            <a:solidFill>
+              <a:prstClr val="brown"/>
+            </a:solidFill>
+          </a:ln>
         </p:spPr>
         <p:style>
           <a:lnRef idx="2">
@@ -2193,111 +2201,18 @@
       </p:sp>
       <p:sp>
         <p:nvSpPr>
-          <p:cNvPr id="36" name="TextBox 35"/>
-          <p:cNvSpPr txBox="true"/>
-          <p:nvPr/>
-        </p:nvSpPr>
-        <p:spPr>
-          <a:xfrm>
-            <a:off x="7200000" y="4680000"/>
-            <a:ext cx="1692000" cy="252000"/>
-          </a:xfrm>
-          <a:prstGeom prst="rect">
-            <a:avLst/>
-          </a:prstGeom>
-          <a:noFill/>
-        </p:spPr>
-        <p:txBody>
-          <a:bodyPr wrap="square" rtlCol="false">
-            <a:spAutoFit/>
-          </a:bodyPr>
-          <a:lstStyle/>
-          <a:p>
-            <a:r>
-              <a:t>sentiment adı </a:t>
-            </a:r>
-          </a:p>
-        </p:txBody>
-      </p:sp>
-      <p:sp>
-        <p:nvSpPr>
-          <p:cNvPr id="37" name="TextBox 36"/>
-          <p:cNvSpPr txBox="true"/>
-          <p:nvPr/>
-        </p:nvSpPr>
-        <p:spPr>
-          <a:xfrm>
-            <a:off x="9000000" y="4680000"/>
-            <a:ext cx="1080000" cy="252000"/>
-          </a:xfrm>
-          <a:prstGeom prst="rect">
-            <a:avLst/>
-          </a:prstGeom>
-          <a:noFill/>
-        </p:spPr>
-        <p:txBody>
-          <a:bodyPr wrap="square" rtlCol="false">
-            <a:spAutoFit/>
-          </a:bodyPr>
-          <a:lstStyle/>
-          <a:p>
-            <a:r>
-              <a:t>silik yazı </a:t>
-            </a:r>
-          </a:p>
-        </p:txBody>
-      </p:sp>
-      <p:sp>
-        <p:nvSpPr>
-          <p:cNvPr id="38" name="TextBox 37"/>
-          <p:cNvSpPr txBox="true"/>
-          <p:nvPr/>
-        </p:nvSpPr>
-        <p:spPr>
-          <a:xfrm>
-            <a:off x="10800000" y="4986000"/>
-            <a:ext cx="900000" cy="360000"/>
-          </a:xfrm>
-          <a:prstGeom prst="rect">
-            <a:avLst/>
-          </a:prstGeom>
-          <a:noFill/>
-        </p:spPr>
-        <p:txBody>
-          <a:bodyPr wrap="square" rtlCol="false">
-            <a:spAutoFit/>
-          </a:bodyPr>
-          <a:lstStyle/>
-          <a:p>
-            <a:r>
-              <a:rPr sz="1600"/>
-              <a:t>%43 </a:t>
-            </a:r>
-          </a:p>
-        </p:txBody>
-      </p:sp>
-      <p:sp>
-        <p:nvSpPr>
-          <p:cNvPr id="39" name="Rectangle 38"/>
+          <p:cNvPr id="36" name="Rectangle 35"/>
           <p:cNvSpPr/>
           <p:nvPr/>
         </p:nvSpPr>
         <p:spPr>
           <a:xfrm>
             <a:off x="7200000" y="5040000"/>
-            <a:ext cx="1440000" cy="252000"/>
-          </a:xfrm>
-          <a:prstGeom prst="rect">
-            <a:avLst/>
-          </a:prstGeom>
-          <a:solidFill>
-            <a:prstClr val="yellow"/>
-          </a:solidFill>
-          <a:ln>
-            <a:solidFill>
-              <a:prstClr val="green"/>
-            </a:solidFill>
-          </a:ln>
+            <a:ext cx="3600000" cy="252000"/>
+          </a:xfrm>
+          <a:prstGeom prst="rect">
+            <a:avLst/>
+          </a:prstGeom>
         </p:spPr>
         <p:style>
           <a:lnRef idx="2">
@@ -2325,24 +2240,109 @@
       </p:sp>
       <p:sp>
         <p:nvSpPr>
+          <p:cNvPr id="37" name="TextBox 36"/>
+          <p:cNvSpPr txBox="true"/>
+          <p:nvPr/>
+        </p:nvSpPr>
+        <p:spPr>
+          <a:xfrm>
+            <a:off x="7200000" y="4680000"/>
+            <a:ext cx="1692000" cy="252000"/>
+          </a:xfrm>
+          <a:prstGeom prst="rect">
+            <a:avLst/>
+          </a:prstGeom>
+          <a:noFill/>
+        </p:spPr>
+        <p:txBody>
+          <a:bodyPr wrap="square" rtlCol="false">
+            <a:spAutoFit/>
+          </a:bodyPr>
+          <a:lstStyle/>
+          <a:p>
+            <a:r>
+              <a:t>sentiment adı </a:t>
+            </a:r>
+          </a:p>
+        </p:txBody>
+      </p:sp>
+      <p:sp>
+        <p:nvSpPr>
+          <p:cNvPr id="38" name="TextBox 37"/>
+          <p:cNvSpPr txBox="true"/>
+          <p:nvPr/>
+        </p:nvSpPr>
+        <p:spPr>
+          <a:xfrm>
+            <a:off x="9000000" y="4680000"/>
+            <a:ext cx="1080000" cy="252000"/>
+          </a:xfrm>
+          <a:prstGeom prst="rect">
+            <a:avLst/>
+          </a:prstGeom>
+          <a:noFill/>
+        </p:spPr>
+        <p:txBody>
+          <a:bodyPr wrap="square" rtlCol="false">
+            <a:spAutoFit/>
+          </a:bodyPr>
+          <a:lstStyle/>
+          <a:p>
+            <a:r>
+              <a:t>silik yazı </a:t>
+            </a:r>
+          </a:p>
+        </p:txBody>
+      </p:sp>
+      <p:sp>
+        <p:nvSpPr>
+          <p:cNvPr id="39" name="TextBox 38"/>
+          <p:cNvSpPr txBox="true"/>
+          <p:nvPr/>
+        </p:nvSpPr>
+        <p:spPr>
+          <a:xfrm>
+            <a:off x="10800000" y="4986000"/>
+            <a:ext cx="900000" cy="360000"/>
+          </a:xfrm>
+          <a:prstGeom prst="rect">
+            <a:avLst/>
+          </a:prstGeom>
+          <a:noFill/>
+        </p:spPr>
+        <p:txBody>
+          <a:bodyPr wrap="square" rtlCol="false">
+            <a:spAutoFit/>
+          </a:bodyPr>
+          <a:lstStyle/>
+          <a:p>
+            <a:r>
+              <a:rPr sz="1600"/>
+              <a:t>%43 </a:t>
+            </a:r>
+          </a:p>
+        </p:txBody>
+      </p:sp>
+      <p:sp>
+        <p:nvSpPr>
           <p:cNvPr id="40" name="Rectangle 39"/>
           <p:cNvSpPr/>
           <p:nvPr/>
         </p:nvSpPr>
         <p:spPr>
           <a:xfrm>
-            <a:off x="8640000" y="5040000"/>
-            <a:ext cx="720000" cy="252000"/>
-          </a:xfrm>
-          <a:prstGeom prst="rect">
-            <a:avLst/>
-          </a:prstGeom>
-          <a:solidFill>
-            <a:prstClr val="brown"/>
+            <a:off x="7200000" y="5040000"/>
+            <a:ext cx="1440000" cy="252000"/>
+          </a:xfrm>
+          <a:prstGeom prst="rect">
+            <a:avLst/>
+          </a:prstGeom>
+          <a:solidFill>
+            <a:prstClr val="yellow"/>
           </a:solidFill>
           <a:ln>
             <a:solidFill>
-              <a:prstClr val="brown"/>
+              <a:prstClr val="green"/>
             </a:solidFill>
           </a:ln>
         </p:spPr>
@@ -2378,12 +2378,20 @@
         </p:nvSpPr>
         <p:spPr>
           <a:xfrm>
-            <a:off x="7200000" y="5760000"/>
-            <a:ext cx="3600000" cy="252000"/>
-          </a:xfrm>
-          <a:prstGeom prst="rect">
-            <a:avLst/>
-          </a:prstGeom>
+            <a:off x="8640000" y="5040000"/>
+            <a:ext cx="720000" cy="252000"/>
+          </a:xfrm>
+          <a:prstGeom prst="rect">
+            <a:avLst/>
+          </a:prstGeom>
+          <a:solidFill>
+            <a:prstClr val="brown"/>
+          </a:solidFill>
+          <a:ln>
+            <a:solidFill>
+              <a:prstClr val="brown"/>
+            </a:solidFill>
+          </a:ln>
         </p:spPr>
         <p:style>
           <a:lnRef idx="2">
@@ -2411,111 +2419,18 @@
       </p:sp>
       <p:sp>
         <p:nvSpPr>
-          <p:cNvPr id="42" name="TextBox 41"/>
-          <p:cNvSpPr txBox="true"/>
-          <p:nvPr/>
-        </p:nvSpPr>
-        <p:spPr>
-          <a:xfrm>
-            <a:off x="7200000" y="5400000"/>
-            <a:ext cx="1692000" cy="252000"/>
-          </a:xfrm>
-          <a:prstGeom prst="rect">
-            <a:avLst/>
-          </a:prstGeom>
-          <a:noFill/>
-        </p:spPr>
-        <p:txBody>
-          <a:bodyPr wrap="square" rtlCol="false">
-            <a:spAutoFit/>
-          </a:bodyPr>
-          <a:lstStyle/>
-          <a:p>
-            <a:r>
-              <a:t>sentiment adı </a:t>
-            </a:r>
-          </a:p>
-        </p:txBody>
-      </p:sp>
-      <p:sp>
-        <p:nvSpPr>
-          <p:cNvPr id="43" name="TextBox 42"/>
-          <p:cNvSpPr txBox="true"/>
-          <p:nvPr/>
-        </p:nvSpPr>
-        <p:spPr>
-          <a:xfrm>
-            <a:off x="9000000" y="5400000"/>
-            <a:ext cx="1080000" cy="252000"/>
-          </a:xfrm>
-          <a:prstGeom prst="rect">
-            <a:avLst/>
-          </a:prstGeom>
-          <a:noFill/>
-        </p:spPr>
-        <p:txBody>
-          <a:bodyPr wrap="square" rtlCol="false">
-            <a:spAutoFit/>
-          </a:bodyPr>
-          <a:lstStyle/>
-          <a:p>
-            <a:r>
-              <a:t>silik yazı </a:t>
-            </a:r>
-          </a:p>
-        </p:txBody>
-      </p:sp>
-      <p:sp>
-        <p:nvSpPr>
-          <p:cNvPr id="44" name="TextBox 43"/>
-          <p:cNvSpPr txBox="true"/>
-          <p:nvPr/>
-        </p:nvSpPr>
-        <p:spPr>
-          <a:xfrm>
-            <a:off x="10800000" y="5706000"/>
-            <a:ext cx="900000" cy="360000"/>
-          </a:xfrm>
-          <a:prstGeom prst="rect">
-            <a:avLst/>
-          </a:prstGeom>
-          <a:noFill/>
-        </p:spPr>
-        <p:txBody>
-          <a:bodyPr wrap="square" rtlCol="false">
-            <a:spAutoFit/>
-          </a:bodyPr>
-          <a:lstStyle/>
-          <a:p>
-            <a:r>
-              <a:rPr sz="1600"/>
-              <a:t>%43 </a:t>
-            </a:r>
-          </a:p>
-        </p:txBody>
-      </p:sp>
-      <p:sp>
-        <p:nvSpPr>
-          <p:cNvPr id="45" name="Rectangle 44"/>
+          <p:cNvPr id="42" name="Rectangle 41"/>
           <p:cNvSpPr/>
           <p:nvPr/>
         </p:nvSpPr>
         <p:spPr>
           <a:xfrm>
             <a:off x="7200000" y="5760000"/>
-            <a:ext cx="1440000" cy="252000"/>
-          </a:xfrm>
-          <a:prstGeom prst="rect">
-            <a:avLst/>
-          </a:prstGeom>
-          <a:solidFill>
-            <a:prstClr val="yellow"/>
-          </a:solidFill>
-          <a:ln>
-            <a:solidFill>
-              <a:prstClr val="green"/>
-            </a:solidFill>
-          </a:ln>
+            <a:ext cx="3600000" cy="252000"/>
+          </a:xfrm>
+          <a:prstGeom prst="rect">
+            <a:avLst/>
+          </a:prstGeom>
         </p:spPr>
         <p:style>
           <a:lnRef idx="2">
@@ -2543,7 +2458,139 @@
       </p:sp>
       <p:sp>
         <p:nvSpPr>
+          <p:cNvPr id="43" name="TextBox 42"/>
+          <p:cNvSpPr txBox="true"/>
+          <p:nvPr/>
+        </p:nvSpPr>
+        <p:spPr>
+          <a:xfrm>
+            <a:off x="7200000" y="5400000"/>
+            <a:ext cx="1692000" cy="252000"/>
+          </a:xfrm>
+          <a:prstGeom prst="rect">
+            <a:avLst/>
+          </a:prstGeom>
+          <a:noFill/>
+        </p:spPr>
+        <p:txBody>
+          <a:bodyPr wrap="square" rtlCol="false">
+            <a:spAutoFit/>
+          </a:bodyPr>
+          <a:lstStyle/>
+          <a:p>
+            <a:r>
+              <a:t>sentiment adı </a:t>
+            </a:r>
+          </a:p>
+        </p:txBody>
+      </p:sp>
+      <p:sp>
+        <p:nvSpPr>
+          <p:cNvPr id="44" name="TextBox 43"/>
+          <p:cNvSpPr txBox="true"/>
+          <p:nvPr/>
+        </p:nvSpPr>
+        <p:spPr>
+          <a:xfrm>
+            <a:off x="9000000" y="5400000"/>
+            <a:ext cx="1080000" cy="252000"/>
+          </a:xfrm>
+          <a:prstGeom prst="rect">
+            <a:avLst/>
+          </a:prstGeom>
+          <a:noFill/>
+        </p:spPr>
+        <p:txBody>
+          <a:bodyPr wrap="square" rtlCol="false">
+            <a:spAutoFit/>
+          </a:bodyPr>
+          <a:lstStyle/>
+          <a:p>
+            <a:r>
+              <a:t>silik yazı </a:t>
+            </a:r>
+          </a:p>
+        </p:txBody>
+      </p:sp>
+      <p:sp>
+        <p:nvSpPr>
+          <p:cNvPr id="45" name="TextBox 44"/>
+          <p:cNvSpPr txBox="true"/>
+          <p:nvPr/>
+        </p:nvSpPr>
+        <p:spPr>
+          <a:xfrm>
+            <a:off x="10800000" y="5706000"/>
+            <a:ext cx="900000" cy="360000"/>
+          </a:xfrm>
+          <a:prstGeom prst="rect">
+            <a:avLst/>
+          </a:prstGeom>
+          <a:noFill/>
+        </p:spPr>
+        <p:txBody>
+          <a:bodyPr wrap="square" rtlCol="false">
+            <a:spAutoFit/>
+          </a:bodyPr>
+          <a:lstStyle/>
+          <a:p>
+            <a:r>
+              <a:rPr sz="1600"/>
+              <a:t>%43 </a:t>
+            </a:r>
+          </a:p>
+        </p:txBody>
+      </p:sp>
+      <p:sp>
+        <p:nvSpPr>
           <p:cNvPr id="46" name="Rectangle 45"/>
+          <p:cNvSpPr/>
+          <p:nvPr/>
+        </p:nvSpPr>
+        <p:spPr>
+          <a:xfrm>
+            <a:off x="7200000" y="5760000"/>
+            <a:ext cx="1440000" cy="252000"/>
+          </a:xfrm>
+          <a:prstGeom prst="rect">
+            <a:avLst/>
+          </a:prstGeom>
+          <a:solidFill>
+            <a:prstClr val="yellow"/>
+          </a:solidFill>
+          <a:ln>
+            <a:solidFill>
+              <a:prstClr val="green"/>
+            </a:solidFill>
+          </a:ln>
+        </p:spPr>
+        <p:style>
+          <a:lnRef idx="2">
+            <a:schemeClr val="accent1">
+              <a:shade val="50000"/>
+            </a:schemeClr>
+          </a:lnRef>
+          <a:fillRef idx="1">
+            <a:schemeClr val="accent1"/>
+          </a:fillRef>
+          <a:effectRef idx="0">
+            <a:schemeClr val="accent1"/>
+          </a:effectRef>
+          <a:fontRef idx="minor">
+            <a:schemeClr val="lt1"/>
+          </a:fontRef>
+        </p:style>
+        <p:txBody>
+          <a:bodyPr anchor="ctr" rtlCol="false"/>
+          <a:lstStyle/>
+          <a:p>
+            <a:pPr algn="ctr"/>
+          </a:p>
+        </p:txBody>
+      </p:sp>
+      <p:sp>
+        <p:nvSpPr>
+          <p:cNvPr id="47" name="Rectangle 46"/>
           <p:cNvSpPr/>
           <p:nvPr/>
         </p:nvSpPr>

--- a/gemPpt/gemPpt/Created Chart.pptx
+++ b/gemPpt/gemPpt/Created Chart.pptx
@@ -1127,6 +1127,11 @@
           <a:lstStyle/>
           <a:p>
             <a:r>
+              <a:rPr>
+                <a:solidFill>
+                  <a:prstClr val="gray"/>
+                </a:solidFill>
+              </a:rPr>
               <a:t>silik yazı </a:t>
             </a:r>
           </a:p>
@@ -1293,6 +1298,11 @@
           <a:lstStyle/>
           <a:p>
             <a:r>
+              <a:rPr>
+                <a:solidFill>
+                  <a:prstClr val="gray"/>
+                </a:solidFill>
+              </a:rPr>
               <a:t>silik yazı </a:t>
             </a:r>
           </a:p>
@@ -1464,6 +1474,11 @@
           <a:lstStyle/>
           <a:p>
             <a:r>
+              <a:rPr>
+                <a:solidFill>
+                  <a:prstClr val="gray"/>
+                </a:solidFill>
+              </a:rPr>
               <a:t>silik yazı </a:t>
             </a:r>
           </a:p>
@@ -1635,6 +1650,11 @@
           <a:lstStyle/>
           <a:p>
             <a:r>
+              <a:rPr>
+                <a:solidFill>
+                  <a:prstClr val="gray"/>
+                </a:solidFill>
+              </a:rPr>
               <a:t>silik yazı </a:t>
             </a:r>
           </a:p>
@@ -1853,6 +1873,11 @@
           <a:lstStyle/>
           <a:p>
             <a:r>
+              <a:rPr>
+                <a:solidFill>
+                  <a:prstClr val="gray"/>
+                </a:solidFill>
+              </a:rPr>
               <a:t>silik yazı </a:t>
             </a:r>
           </a:p>
@@ -2071,6 +2096,11 @@
           <a:lstStyle/>
           <a:p>
             <a:r>
+              <a:rPr>
+                <a:solidFill>
+                  <a:prstClr val="gray"/>
+                </a:solidFill>
+              </a:rPr>
               <a:t>silik yazı </a:t>
             </a:r>
           </a:p>
@@ -2289,6 +2319,11 @@
           <a:lstStyle/>
           <a:p>
             <a:r>
+              <a:rPr>
+                <a:solidFill>
+                  <a:prstClr val="gray"/>
+                </a:solidFill>
+              </a:rPr>
               <a:t>silik yazı </a:t>
             </a:r>
           </a:p>
@@ -2507,6 +2542,11 @@
           <a:lstStyle/>
           <a:p>
             <a:r>
+              <a:rPr>
+                <a:solidFill>
+                  <a:prstClr val="gray"/>
+                </a:solidFill>
+              </a:rPr>
               <a:t>silik yazı </a:t>
             </a:r>
           </a:p>

--- a/gemPpt/gemPpt/Created Chart.pptx
+++ b/gemPpt/gemPpt/Created Chart.pptx
@@ -1099,6 +1099,7 @@
           <a:lstStyle/>
           <a:p>
             <a:r>
+              <a:rPr sz="2000"/>
               <a:t>sentiment adı </a:t>
             </a:r>
           </a:p>
@@ -1112,8 +1113,8 @@
         </p:nvSpPr>
         <p:spPr>
           <a:xfrm>
-            <a:off x="2232000" y="3240000"/>
-            <a:ext cx="1080000" cy="252000"/>
+            <a:off x="2232000" y="3294000"/>
+            <a:ext cx="1080000" cy="360000"/>
           </a:xfrm>
           <a:prstGeom prst="rect">
             <a:avLst/>
@@ -1127,7 +1128,7 @@
           <a:lstStyle/>
           <a:p>
             <a:r>
-              <a:rPr>
+              <a:rPr sz="1600">
                 <a:solidFill>
                   <a:prstClr val="gray"/>
                 </a:solidFill>
@@ -1145,8 +1146,8 @@
         </p:nvSpPr>
         <p:spPr>
           <a:xfrm>
-            <a:off x="4500000" y="3564000"/>
-            <a:ext cx="900000" cy="360000"/>
+            <a:off x="4320000" y="3564000"/>
+            <a:ext cx="900000" cy="180000"/>
           </a:xfrm>
           <a:prstGeom prst="rect">
             <a:avLst/>
@@ -1270,6 +1271,7 @@
           <a:lstStyle/>
           <a:p>
             <a:r>
+              <a:rPr sz="2000"/>
               <a:t>sentiment adı </a:t>
             </a:r>
           </a:p>
@@ -1283,8 +1285,8 @@
         </p:nvSpPr>
         <p:spPr>
           <a:xfrm>
-            <a:off x="2232000" y="3960000"/>
-            <a:ext cx="1080000" cy="252000"/>
+            <a:off x="2232000" y="4014000"/>
+            <a:ext cx="1080000" cy="360000"/>
           </a:xfrm>
           <a:prstGeom prst="rect">
             <a:avLst/>
@@ -1298,7 +1300,7 @@
           <a:lstStyle/>
           <a:p>
             <a:r>
-              <a:rPr>
+              <a:rPr sz="1600">
                 <a:solidFill>
                   <a:prstClr val="gray"/>
                 </a:solidFill>
@@ -1316,7 +1318,7 @@
         </p:nvSpPr>
         <p:spPr>
           <a:xfrm>
-            <a:off x="4500000" y="4284000"/>
+            <a:off x="4320000" y="4284000"/>
             <a:ext cx="900000" cy="360000"/>
           </a:xfrm>
           <a:prstGeom prst="rect">
@@ -1446,6 +1448,7 @@
           <a:lstStyle/>
           <a:p>
             <a:r>
+              <a:rPr sz="2000"/>
               <a:t>sentiment adı </a:t>
             </a:r>
           </a:p>
@@ -1459,8 +1462,8 @@
         </p:nvSpPr>
         <p:spPr>
           <a:xfrm>
-            <a:off x="2232000" y="4680000"/>
-            <a:ext cx="1080000" cy="252000"/>
+            <a:off x="2232000" y="4734000"/>
+            <a:ext cx="1080000" cy="360000"/>
           </a:xfrm>
           <a:prstGeom prst="rect">
             <a:avLst/>
@@ -1474,7 +1477,7 @@
           <a:lstStyle/>
           <a:p>
             <a:r>
-              <a:rPr>
+              <a:rPr sz="1600">
                 <a:solidFill>
                   <a:prstClr val="gray"/>
                 </a:solidFill>
@@ -1492,7 +1495,7 @@
         </p:nvSpPr>
         <p:spPr>
           <a:xfrm>
-            <a:off x="4500000" y="5004000"/>
+            <a:off x="4320000" y="5004000"/>
             <a:ext cx="900000" cy="360000"/>
           </a:xfrm>
           <a:prstGeom prst="rect">
@@ -1622,6 +1625,7 @@
           <a:lstStyle/>
           <a:p>
             <a:r>
+              <a:rPr sz="2000"/>
               <a:t>sentiment adı </a:t>
             </a:r>
           </a:p>
@@ -1635,8 +1639,8 @@
         </p:nvSpPr>
         <p:spPr>
           <a:xfrm>
-            <a:off x="2232000" y="5400000"/>
-            <a:ext cx="1080000" cy="252000"/>
+            <a:off x="2232000" y="5454000"/>
+            <a:ext cx="1080000" cy="360000"/>
           </a:xfrm>
           <a:prstGeom prst="rect">
             <a:avLst/>
@@ -1650,7 +1654,7 @@
           <a:lstStyle/>
           <a:p>
             <a:r>
-              <a:rPr>
+              <a:rPr sz="1600">
                 <a:solidFill>
                   <a:prstClr val="gray"/>
                 </a:solidFill>
@@ -1668,7 +1672,7 @@
         </p:nvSpPr>
         <p:spPr>
           <a:xfrm>
-            <a:off x="4500000" y="5724000"/>
+            <a:off x="4320000" y="5724000"/>
             <a:ext cx="900000" cy="360000"/>
           </a:xfrm>
           <a:prstGeom prst="rect">
@@ -1845,6 +1849,7 @@
           <a:lstStyle/>
           <a:p>
             <a:r>
+              <a:rPr sz="2000"/>
               <a:t>sentiment adı </a:t>
             </a:r>
           </a:p>
@@ -1858,8 +1863,8 @@
         </p:nvSpPr>
         <p:spPr>
           <a:xfrm>
-            <a:off x="9000000" y="3240000"/>
-            <a:ext cx="1080000" cy="252000"/>
+            <a:off x="9000000" y="3294000"/>
+            <a:ext cx="1080000" cy="360000"/>
           </a:xfrm>
           <a:prstGeom prst="rect">
             <a:avLst/>
@@ -1873,7 +1878,7 @@
           <a:lstStyle/>
           <a:p>
             <a:r>
-              <a:rPr>
+              <a:rPr sz="1600">
                 <a:solidFill>
                   <a:prstClr val="gray"/>
                 </a:solidFill>
@@ -2068,6 +2073,7 @@
           <a:lstStyle/>
           <a:p>
             <a:r>
+              <a:rPr sz="2000"/>
               <a:t>sentiment adı </a:t>
             </a:r>
           </a:p>
@@ -2081,8 +2087,8 @@
         </p:nvSpPr>
         <p:spPr>
           <a:xfrm>
-            <a:off x="9000000" y="3960000"/>
-            <a:ext cx="1080000" cy="252000"/>
+            <a:off x="9000000" y="4014000"/>
+            <a:ext cx="1080000" cy="360000"/>
           </a:xfrm>
           <a:prstGeom prst="rect">
             <a:avLst/>
@@ -2096,7 +2102,7 @@
           <a:lstStyle/>
           <a:p>
             <a:r>
-              <a:rPr>
+              <a:rPr sz="1600">
                 <a:solidFill>
                   <a:prstClr val="gray"/>
                 </a:solidFill>
@@ -2291,6 +2297,7 @@
           <a:lstStyle/>
           <a:p>
             <a:r>
+              <a:rPr sz="2000"/>
               <a:t>sentiment adı </a:t>
             </a:r>
           </a:p>
@@ -2304,8 +2311,8 @@
         </p:nvSpPr>
         <p:spPr>
           <a:xfrm>
-            <a:off x="9000000" y="4680000"/>
-            <a:ext cx="1080000" cy="252000"/>
+            <a:off x="9000000" y="4734000"/>
+            <a:ext cx="1080000" cy="360000"/>
           </a:xfrm>
           <a:prstGeom prst="rect">
             <a:avLst/>
@@ -2319,7 +2326,7 @@
           <a:lstStyle/>
           <a:p>
             <a:r>
-              <a:rPr>
+              <a:rPr sz="1600">
                 <a:solidFill>
                   <a:prstClr val="gray"/>
                 </a:solidFill>
@@ -2514,6 +2521,7 @@
           <a:lstStyle/>
           <a:p>
             <a:r>
+              <a:rPr sz="2000"/>
               <a:t>sentiment adı </a:t>
             </a:r>
           </a:p>
@@ -2527,7 +2535,7 @@
         </p:nvSpPr>
         <p:spPr>
           <a:xfrm>
-            <a:off x="9000000" y="5400000"/>
+            <a:off x="9000000" y="5454000"/>
             <a:ext cx="1080000" cy="252000"/>
           </a:xfrm>
           <a:prstGeom prst="rect">
@@ -2542,7 +2550,7 @@
           <a:lstStyle/>
           <a:p>
             <a:r>
-              <a:rPr>
+              <a:rPr sz="1600">
                 <a:solidFill>
                   <a:prstClr val="gray"/>
                 </a:solidFill>

--- a/gemPpt/gemPpt/Created Chart.pptx
+++ b/gemPpt/gemPpt/Created Chart.pptx
@@ -1146,7 +1146,7 @@
         </p:nvSpPr>
         <p:spPr>
           <a:xfrm>
-            <a:off x="4320000" y="3564000"/>
+            <a:off x="4320000" y="3546000"/>
             <a:ext cx="900000" cy="180000"/>
           </a:xfrm>
           <a:prstGeom prst="rect">
@@ -1223,6 +1223,11 @@
           <a:prstGeom prst="rect">
             <a:avLst/>
           </a:prstGeom>
+          <a:ln>
+            <a:solidFill>
+              <a:prstClr val="green"/>
+            </a:solidFill>
+          </a:ln>
         </p:spPr>
         <p:style>
           <a:lnRef idx="2">
@@ -1318,8 +1323,8 @@
         </p:nvSpPr>
         <p:spPr>
           <a:xfrm>
-            <a:off x="4320000" y="4284000"/>
-            <a:ext cx="900000" cy="360000"/>
+            <a:off x="4320000" y="4266000"/>
+            <a:ext cx="900000" cy="180000"/>
           </a:xfrm>
           <a:prstGeom prst="rect">
             <a:avLst/>
@@ -1356,11 +1361,6 @@
           <a:solidFill>
             <a:prstClr val="yellow"/>
           </a:solidFill>
-          <a:ln>
-            <a:solidFill>
-              <a:prstClr val="green"/>
-            </a:solidFill>
-          </a:ln>
         </p:spPr>
         <p:style>
           <a:lnRef idx="2">
@@ -1400,6 +1400,11 @@
           <a:prstGeom prst="rect">
             <a:avLst/>
           </a:prstGeom>
+          <a:ln>
+            <a:solidFill>
+              <a:prstClr val="green"/>
+            </a:solidFill>
+          </a:ln>
         </p:spPr>
         <p:style>
           <a:lnRef idx="2">
@@ -1495,8 +1500,8 @@
         </p:nvSpPr>
         <p:spPr>
           <a:xfrm>
-            <a:off x="4320000" y="5004000"/>
-            <a:ext cx="900000" cy="360000"/>
+            <a:off x="4320000" y="4986000"/>
+            <a:ext cx="900000" cy="180000"/>
           </a:xfrm>
           <a:prstGeom prst="rect">
             <a:avLst/>
@@ -1533,11 +1538,6 @@
           <a:solidFill>
             <a:prstClr val="yellow"/>
           </a:solidFill>
-          <a:ln>
-            <a:solidFill>
-              <a:prstClr val="green"/>
-            </a:solidFill>
-          </a:ln>
         </p:spPr>
         <p:style>
           <a:lnRef idx="2">
@@ -1577,6 +1577,11 @@
           <a:prstGeom prst="rect">
             <a:avLst/>
           </a:prstGeom>
+          <a:ln>
+            <a:solidFill>
+              <a:prstClr val="green"/>
+            </a:solidFill>
+          </a:ln>
         </p:spPr>
         <p:style>
           <a:lnRef idx="2">
@@ -1672,8 +1677,8 @@
         </p:nvSpPr>
         <p:spPr>
           <a:xfrm>
-            <a:off x="4320000" y="5724000"/>
-            <a:ext cx="900000" cy="360000"/>
+            <a:off x="4320000" y="5706000"/>
+            <a:ext cx="900000" cy="180000"/>
           </a:xfrm>
           <a:prstGeom prst="rect">
             <a:avLst/>
@@ -1710,11 +1715,6 @@
           <a:solidFill>
             <a:prstClr val="yellow"/>
           </a:solidFill>
-          <a:ln>
-            <a:solidFill>
-              <a:prstClr val="green"/>
-            </a:solidFill>
-          </a:ln>
         </p:spPr>
         <p:style>
           <a:lnRef idx="2">

--- a/gemPpt/gemPpt/Created Chart.pptx
+++ b/gemPpt/gemPpt/Created Chart.pptx
@@ -1863,7 +1863,7 @@
         </p:nvSpPr>
         <p:spPr>
           <a:xfrm>
-            <a:off x="9000000" y="3294000"/>
+            <a:off x="8712000" y="3294000"/>
             <a:ext cx="1080000" cy="360000"/>
           </a:xfrm>
           <a:prstGeom prst="rect">
@@ -2087,7 +2087,7 @@
         </p:nvSpPr>
         <p:spPr>
           <a:xfrm>
-            <a:off x="9000000" y="4014000"/>
+            <a:off x="8712000" y="4014000"/>
             <a:ext cx="1080000" cy="360000"/>
           </a:xfrm>
           <a:prstGeom prst="rect">
@@ -2311,7 +2311,7 @@
         </p:nvSpPr>
         <p:spPr>
           <a:xfrm>
-            <a:off x="9000000" y="4734000"/>
+            <a:off x="8712000" y="4734000"/>
             <a:ext cx="1080000" cy="360000"/>
           </a:xfrm>
           <a:prstGeom prst="rect">
@@ -2535,8 +2535,8 @@
         </p:nvSpPr>
         <p:spPr>
           <a:xfrm>
-            <a:off x="9000000" y="5454000"/>
-            <a:ext cx="1080000" cy="252000"/>
+            <a:off x="8712000" y="5454000"/>
+            <a:ext cx="1080000" cy="360000"/>
           </a:xfrm>
           <a:prstGeom prst="rect">
             <a:avLst/>

--- a/gemPpt/gemPpt/Created Chart.pptx
+++ b/gemPpt/gemPpt/Created Chart.pptx
@@ -1046,11 +1046,9 @@
           <a:prstGeom prst="rect">
             <a:avLst/>
           </a:prstGeom>
-          <a:ln>
-            <a:solidFill>
-              <a:prstClr val="green"/>
-            </a:solidFill>
-          </a:ln>
+          <a:solidFill>
+            <a:srgbClr val="E8E8E8"/>
+          </a:solidFill>
         </p:spPr>
         <p:style>
           <a:lnRef idx="2">
@@ -1182,7 +1180,7 @@
             <a:avLst/>
           </a:prstGeom>
           <a:solidFill>
-            <a:prstClr val="yellow"/>
+            <a:prstClr val="orange"/>
           </a:solidFill>
         </p:spPr>
         <p:style>
@@ -1223,11 +1221,9 @@
           <a:prstGeom prst="rect">
             <a:avLst/>
           </a:prstGeom>
-          <a:ln>
-            <a:solidFill>
-              <a:prstClr val="green"/>
-            </a:solidFill>
-          </a:ln>
+          <a:solidFill>
+            <a:srgbClr val="E8E8E8"/>
+          </a:solidFill>
         </p:spPr>
         <p:style>
           <a:lnRef idx="2">
@@ -1359,7 +1355,7 @@
             <a:avLst/>
           </a:prstGeom>
           <a:solidFill>
-            <a:prstClr val="yellow"/>
+            <a:prstClr val="orange"/>
           </a:solidFill>
         </p:spPr>
         <p:style>
@@ -1400,11 +1396,9 @@
           <a:prstGeom prst="rect">
             <a:avLst/>
           </a:prstGeom>
-          <a:ln>
-            <a:solidFill>
-              <a:prstClr val="green"/>
-            </a:solidFill>
-          </a:ln>
+          <a:solidFill>
+            <a:srgbClr val="E8E8E8"/>
+          </a:solidFill>
         </p:spPr>
         <p:style>
           <a:lnRef idx="2">
@@ -1536,7 +1530,7 @@
             <a:avLst/>
           </a:prstGeom>
           <a:solidFill>
-            <a:prstClr val="yellow"/>
+            <a:prstClr val="orange"/>
           </a:solidFill>
         </p:spPr>
         <p:style>
@@ -1577,11 +1571,9 @@
           <a:prstGeom prst="rect">
             <a:avLst/>
           </a:prstGeom>
-          <a:ln>
-            <a:solidFill>
-              <a:prstClr val="green"/>
-            </a:solidFill>
-          </a:ln>
+          <a:solidFill>
+            <a:srgbClr val="E8E8E8"/>
+          </a:solidFill>
         </p:spPr>
         <p:style>
           <a:lnRef idx="2">
@@ -1713,7 +1705,7 @@
             <a:avLst/>
           </a:prstGeom>
           <a:solidFill>
-            <a:prstClr val="yellow"/>
+            <a:prstClr val="orange"/>
           </a:solidFill>
         </p:spPr>
         <p:style>
@@ -1755,13 +1747,8 @@
             <a:avLst/>
           </a:prstGeom>
           <a:solidFill>
-            <a:prstClr val="gray"/>
-          </a:solidFill>
-          <a:ln>
-            <a:solidFill>
-              <a:prstClr val="darkGray"/>
-            </a:solidFill>
-          </a:ln>
+            <a:prstClr val="ltGrey"/>
+          </a:solidFill>
         </p:spPr>
         <p:style>
           <a:lnRef idx="2">
@@ -1801,6 +1788,9 @@
           <a:prstGeom prst="rect">
             <a:avLst/>
           </a:prstGeom>
+          <a:solidFill>
+            <a:srgbClr val="807D7E"/>
+          </a:solidFill>
         </p:spPr>
         <p:style>
           <a:lnRef idx="2">
@@ -1932,13 +1922,8 @@
             <a:avLst/>
           </a:prstGeom>
           <a:solidFill>
-            <a:prstClr val="yellow"/>
-          </a:solidFill>
-          <a:ln>
-            <a:solidFill>
-              <a:prstClr val="green"/>
-            </a:solidFill>
-          </a:ln>
+            <a:srgbClr val="9BB528"/>
+          </a:solidFill>
         </p:spPr>
         <p:style>
           <a:lnRef idx="2">
@@ -1981,11 +1966,6 @@
           <a:solidFill>
             <a:prstClr val="brown"/>
           </a:solidFill>
-          <a:ln>
-            <a:solidFill>
-              <a:prstClr val="brown"/>
-            </a:solidFill>
-          </a:ln>
         </p:spPr>
         <p:style>
           <a:lnRef idx="2">
@@ -2025,6 +2005,9 @@
           <a:prstGeom prst="rect">
             <a:avLst/>
           </a:prstGeom>
+          <a:solidFill>
+            <a:srgbClr val="807D7E"/>
+          </a:solidFill>
         </p:spPr>
         <p:style>
           <a:lnRef idx="2">
@@ -2156,13 +2139,8 @@
             <a:avLst/>
           </a:prstGeom>
           <a:solidFill>
-            <a:prstClr val="yellow"/>
-          </a:solidFill>
-          <a:ln>
-            <a:solidFill>
-              <a:prstClr val="green"/>
-            </a:solidFill>
-          </a:ln>
+            <a:srgbClr val="9BB528"/>
+          </a:solidFill>
         </p:spPr>
         <p:style>
           <a:lnRef idx="2">
@@ -2205,11 +2183,6 @@
           <a:solidFill>
             <a:prstClr val="brown"/>
           </a:solidFill>
-          <a:ln>
-            <a:solidFill>
-              <a:prstClr val="brown"/>
-            </a:solidFill>
-          </a:ln>
         </p:spPr>
         <p:style>
           <a:lnRef idx="2">
@@ -2249,6 +2222,9 @@
           <a:prstGeom prst="rect">
             <a:avLst/>
           </a:prstGeom>
+          <a:solidFill>
+            <a:srgbClr val="807D7E"/>
+          </a:solidFill>
         </p:spPr>
         <p:style>
           <a:lnRef idx="2">
@@ -2380,13 +2356,8 @@
             <a:avLst/>
           </a:prstGeom>
           <a:solidFill>
-            <a:prstClr val="yellow"/>
-          </a:solidFill>
-          <a:ln>
-            <a:solidFill>
-              <a:prstClr val="green"/>
-            </a:solidFill>
-          </a:ln>
+            <a:srgbClr val="9BB528"/>
+          </a:solidFill>
         </p:spPr>
         <p:style>
           <a:lnRef idx="2">
@@ -2429,11 +2400,6 @@
           <a:solidFill>
             <a:prstClr val="brown"/>
           </a:solidFill>
-          <a:ln>
-            <a:solidFill>
-              <a:prstClr val="brown"/>
-            </a:solidFill>
-          </a:ln>
         </p:spPr>
         <p:style>
           <a:lnRef idx="2">
@@ -2473,6 +2439,9 @@
           <a:prstGeom prst="rect">
             <a:avLst/>
           </a:prstGeom>
+          <a:solidFill>
+            <a:srgbClr val="807D7E"/>
+          </a:solidFill>
         </p:spPr>
         <p:style>
           <a:lnRef idx="2">
@@ -2604,13 +2573,8 @@
             <a:avLst/>
           </a:prstGeom>
           <a:solidFill>
-            <a:prstClr val="yellow"/>
-          </a:solidFill>
-          <a:ln>
-            <a:solidFill>
-              <a:prstClr val="green"/>
-            </a:solidFill>
-          </a:ln>
+            <a:srgbClr val="9BB528"/>
+          </a:solidFill>
         </p:spPr>
         <p:style>
           <a:lnRef idx="2">
@@ -2653,11 +2617,6 @@
           <a:solidFill>
             <a:prstClr val="brown"/>
           </a:solidFill>
-          <a:ln>
-            <a:solidFill>
-              <a:prstClr val="brown"/>
-            </a:solidFill>
-          </a:ln>
         </p:spPr>
         <p:style>
           <a:lnRef idx="2">

--- a/gemPpt/gemPpt/Created Chart.pptx
+++ b/gemPpt/gemPpt/Created Chart.pptx
@@ -469,11 +469,11 @@
             <a:avLst/>
           </a:prstGeom>
           <a:solidFill>
-            <a:prstClr val="ltGrey"/>
+            <a:srgbClr val="737070"/>
           </a:solidFill>
           <a:ln w="12700">
             <a:solidFill>
-              <a:prstClr val="darkGray"/>
+              <a:prstClr val="black"/>
             </a:solidFill>
           </a:ln>
         </p:spPr>
@@ -484,6 +484,11 @@
           <a:lstStyle/>
           <a:p>
             <a:r>
+              <a:rPr>
+                <a:solidFill>
+                  <a:srgbClr val="FFFFFF"/>
+                </a:solidFill>
+              </a:rPr>
               <a:t>baba</a:t>
             </a:r>
           </a:p>
@@ -504,11 +509,11 @@
             <a:avLst/>
           </a:prstGeom>
           <a:solidFill>
-            <a:prstClr val="ltGrey"/>
+            <a:srgbClr val="737070"/>
           </a:solidFill>
           <a:ln w="12700">
             <a:solidFill>
-              <a:prstClr val="darkGray"/>
+              <a:prstClr val="black"/>
             </a:solidFill>
           </a:ln>
         </p:spPr>
@@ -519,6 +524,11 @@
           <a:lstStyle/>
           <a:p>
             <a:r>
+              <a:rPr>
+                <a:solidFill>
+                  <a:srgbClr val="FFFFFF"/>
+                </a:solidFill>
+              </a:rPr>
               <a:t>galaatsaray</a:t>
             </a:r>
           </a:p>
@@ -539,11 +549,11 @@
             <a:avLst/>
           </a:prstGeom>
           <a:solidFill>
-            <a:prstClr val="ltGrey"/>
+            <a:srgbClr val="737070"/>
           </a:solidFill>
           <a:ln w="12700">
             <a:solidFill>
-              <a:prstClr val="darkGray"/>
+              <a:prstClr val="black"/>
             </a:solidFill>
           </a:ln>
         </p:spPr>
@@ -554,6 +564,11 @@
           <a:lstStyle/>
           <a:p>
             <a:r>
+              <a:rPr>
+                <a:solidFill>
+                  <a:srgbClr val="FFFFFF"/>
+                </a:solidFill>
+              </a:rPr>
               <a:t>allaaaaaah</a:t>
             </a:r>
           </a:p>
@@ -574,11 +589,11 @@
             <a:avLst/>
           </a:prstGeom>
           <a:solidFill>
-            <a:prstClr val="ltGrey"/>
+            <a:srgbClr val="737070"/>
           </a:solidFill>
           <a:ln w="12700">
             <a:solidFill>
-              <a:prstClr val="darkGray"/>
+              <a:prstClr val="black"/>
             </a:solidFill>
           </a:ln>
         </p:spPr>
@@ -589,6 +604,11 @@
           <a:lstStyle/>
           <a:p>
             <a:r>
+              <a:rPr>
+                <a:solidFill>
+                  <a:srgbClr val="FFFFFF"/>
+                </a:solidFill>
+              </a:rPr>
               <a:t>ahsdajshdasd</a:t>
             </a:r>
           </a:p>
@@ -609,11 +629,11 @@
             <a:avLst/>
           </a:prstGeom>
           <a:solidFill>
-            <a:prstClr val="ltGrey"/>
+            <a:srgbClr val="737070"/>
           </a:solidFill>
           <a:ln w="12700">
             <a:solidFill>
-              <a:prstClr val="darkGray"/>
+              <a:prstClr val="black"/>
             </a:solidFill>
           </a:ln>
         </p:spPr>
@@ -624,6 +644,11 @@
           <a:lstStyle/>
           <a:p>
             <a:r>
+              <a:rPr>
+                <a:solidFill>
+                  <a:srgbClr val="FFFFFF"/>
+                </a:solidFill>
+              </a:rPr>
               <a:t>buralara yaz günü kar yağıyor canım</a:t>
             </a:r>
           </a:p>
@@ -644,11 +669,11 @@
             <a:avLst/>
           </a:prstGeom>
           <a:solidFill>
-            <a:prstClr val="ltGrey"/>
+            <a:srgbClr val="737070"/>
           </a:solidFill>
           <a:ln w="12700">
             <a:solidFill>
-              <a:prstClr val="darkGray"/>
+              <a:prstClr val="black"/>
             </a:solidFill>
           </a:ln>
         </p:spPr>
@@ -659,6 +684,11 @@
           <a:lstStyle/>
           <a:p>
             <a:r>
+              <a:rPr>
+                <a:solidFill>
+                  <a:srgbClr val="FFFFFF"/>
+                </a:solidFill>
+              </a:rPr>
               <a:t>asasdasdas</a:t>
             </a:r>
           </a:p>
@@ -679,11 +709,11 @@
             <a:avLst/>
           </a:prstGeom>
           <a:solidFill>
-            <a:prstClr val="ltGrey"/>
+            <a:srgbClr val="737070"/>
           </a:solidFill>
           <a:ln w="12700">
             <a:solidFill>
-              <a:prstClr val="darkGray"/>
+              <a:prstClr val="black"/>
             </a:solidFill>
           </a:ln>
         </p:spPr>
@@ -694,6 +724,11 @@
           <a:lstStyle/>
           <a:p>
             <a:r>
+              <a:rPr>
+                <a:solidFill>
+                  <a:srgbClr val="FFFFFF"/>
+                </a:solidFill>
+              </a:rPr>
               <a:t>galaatsaray</a:t>
             </a:r>
           </a:p>
@@ -714,11 +749,11 @@
             <a:avLst/>
           </a:prstGeom>
           <a:solidFill>
-            <a:prstClr val="ltGrey"/>
+            <a:srgbClr val="737070"/>
           </a:solidFill>
           <a:ln w="12700">
             <a:solidFill>
-              <a:prstClr val="darkGray"/>
+              <a:prstClr val="black"/>
             </a:solidFill>
           </a:ln>
         </p:spPr>
@@ -729,6 +764,11 @@
           <a:lstStyle/>
           <a:p>
             <a:r>
+              <a:rPr>
+                <a:solidFill>
+                  <a:srgbClr val="FFFFFF"/>
+                </a:solidFill>
+              </a:rPr>
               <a:t>allaaaaaah</a:t>
             </a:r>
           </a:p>
@@ -749,11 +789,11 @@
             <a:avLst/>
           </a:prstGeom>
           <a:solidFill>
-            <a:prstClr val="ltGrey"/>
+            <a:srgbClr val="737070"/>
           </a:solidFill>
           <a:ln w="12700">
             <a:solidFill>
-              <a:prstClr val="darkGray"/>
+              <a:prstClr val="black"/>
             </a:solidFill>
           </a:ln>
         </p:spPr>
@@ -764,6 +804,11 @@
           <a:lstStyle/>
           <a:p>
             <a:r>
+              <a:rPr>
+                <a:solidFill>
+                  <a:srgbClr val="FFFFFF"/>
+                </a:solidFill>
+              </a:rPr>
               <a:t>ahsdajshdasd</a:t>
             </a:r>
           </a:p>
@@ -784,11 +829,11 @@
             <a:avLst/>
           </a:prstGeom>
           <a:solidFill>
-            <a:prstClr val="ltGrey"/>
+            <a:srgbClr val="737070"/>
           </a:solidFill>
           <a:ln w="12700">
             <a:solidFill>
-              <a:prstClr val="darkGray"/>
+              <a:prstClr val="black"/>
             </a:solidFill>
           </a:ln>
         </p:spPr>
@@ -799,6 +844,11 @@
           <a:lstStyle/>
           <a:p>
             <a:r>
+              <a:rPr>
+                <a:solidFill>
+                  <a:srgbClr val="FFFFFF"/>
+                </a:solidFill>
+              </a:rPr>
               <a:t>galaatsaray</a:t>
             </a:r>
           </a:p>
@@ -819,11 +869,11 @@
             <a:avLst/>
           </a:prstGeom>
           <a:solidFill>
-            <a:prstClr val="ltGrey"/>
+            <a:srgbClr val="737070"/>
           </a:solidFill>
           <a:ln w="12700">
             <a:solidFill>
-              <a:prstClr val="darkGray"/>
+              <a:prstClr val="black"/>
             </a:solidFill>
           </a:ln>
         </p:spPr>
@@ -834,6 +884,11 @@
           <a:lstStyle/>
           <a:p>
             <a:r>
+              <a:rPr>
+                <a:solidFill>
+                  <a:srgbClr val="FFFFFF"/>
+                </a:solidFill>
+              </a:rPr>
               <a:t>allaaaaaah</a:t>
             </a:r>
           </a:p>
@@ -854,11 +909,11 @@
             <a:avLst/>
           </a:prstGeom>
           <a:solidFill>
-            <a:prstClr val="ltGrey"/>
+            <a:srgbClr val="737070"/>
           </a:solidFill>
           <a:ln w="12700">
             <a:solidFill>
-              <a:prstClr val="darkGray"/>
+              <a:prstClr val="black"/>
             </a:solidFill>
           </a:ln>
         </p:spPr>
@@ -869,6 +924,11 @@
           <a:lstStyle/>
           <a:p>
             <a:r>
+              <a:rPr>
+                <a:solidFill>
+                  <a:srgbClr val="FFFFFF"/>
+                </a:solidFill>
+              </a:rPr>
               <a:t>ahsdajshdasd</a:t>
             </a:r>
           </a:p>
@@ -889,11 +949,11 @@
             <a:avLst/>
           </a:prstGeom>
           <a:solidFill>
-            <a:prstClr val="ltGrey"/>
+            <a:srgbClr val="737070"/>
           </a:solidFill>
           <a:ln w="12700">
             <a:solidFill>
-              <a:prstClr val="darkGray"/>
+              <a:prstClr val="black"/>
             </a:solidFill>
           </a:ln>
         </p:spPr>
@@ -904,6 +964,11 @@
           <a:lstStyle/>
           <a:p>
             <a:r>
+              <a:rPr>
+                <a:solidFill>
+                  <a:srgbClr val="FFFFFF"/>
+                </a:solidFill>
+              </a:rPr>
               <a:t>galaatsaray</a:t>
             </a:r>
           </a:p>
@@ -924,11 +989,11 @@
             <a:avLst/>
           </a:prstGeom>
           <a:solidFill>
-            <a:prstClr val="ltGrey"/>
+            <a:srgbClr val="737070"/>
           </a:solidFill>
           <a:ln w="12700">
             <a:solidFill>
-              <a:prstClr val="darkGray"/>
+              <a:prstClr val="black"/>
             </a:solidFill>
           </a:ln>
         </p:spPr>
@@ -939,6 +1004,11 @@
           <a:lstStyle/>
           <a:p>
             <a:r>
+              <a:rPr>
+                <a:solidFill>
+                  <a:srgbClr val="FFFFFF"/>
+                </a:solidFill>
+              </a:rPr>
               <a:t>allaaaaaah</a:t>
             </a:r>
           </a:p>
@@ -959,11 +1029,11 @@
             <a:avLst/>
           </a:prstGeom>
           <a:solidFill>
-            <a:prstClr val="ltGrey"/>
+            <a:srgbClr val="737070"/>
           </a:solidFill>
           <a:ln w="12700">
             <a:solidFill>
-              <a:prstClr val="darkGray"/>
+              <a:prstClr val="black"/>
             </a:solidFill>
           </a:ln>
         </p:spPr>
@@ -974,6 +1044,11 @@
           <a:lstStyle/>
           <a:p>
             <a:r>
+              <a:rPr>
+                <a:solidFill>
+                  <a:srgbClr val="FFFFFF"/>
+                </a:solidFill>
+              </a:rPr>
               <a:t>ahsdajshdasd</a:t>
             </a:r>
           </a:p>

--- a/gemPpt/gemPpt/Created Chart.pptx
+++ b/gemPpt/gemPpt/Created Chart.pptx
@@ -7,6 +7,9 @@
   <p:sldIdLst>
     <p:sldId id="256" r:id="rId3"/>
     <p:sldId id="257" r:id="rId4"/>
+    <p:sldId id="258" r:id="rId5"/>
+    <p:sldId id="259" r:id="rId6"/>
+    <p:sldId id="260" r:id="rId7"/>
   </p:sldIdLst>
   <p:sldSz cx="12192000" cy="6858000"/>
   <p:notesSz cx="6858000" cy="9144000"/>
@@ -2725,6 +2728,4995 @@
 </p:sld>
 </file>
 
+<file path=ppt/slides/slide3.xml><?xml version="1.0" encoding="utf-8"?>
+<p:sld xmlns:r="http://schemas.openxmlformats.org/officeDocument/2006/relationships" xmlns:a="http://schemas.openxmlformats.org/drawingml/2006/main" xmlns:p="http://schemas.openxmlformats.org/presentationml/2006/main">
+  <p:cSld>
+    <p:spTree>
+      <p:nvGrpSpPr>
+        <p:cNvPr id="1" name=""/>
+        <p:cNvGrpSpPr/>
+        <p:nvPr/>
+      </p:nvGrpSpPr>
+      <p:grpSpPr>
+        <a:xfrm>
+          <a:off x="0" y="0"/>
+          <a:ext cx="0" cy="0"/>
+          <a:chOff x="0" y="0"/>
+          <a:chExt cx="0" cy="0"/>
+        </a:xfrm>
+      </p:grpSpPr>
+      <p:sp>
+        <p:nvSpPr>
+          <p:cNvPr id="2" name="TextBox 1"/>
+          <p:cNvSpPr txBox="true"/>
+          <p:nvPr/>
+        </p:nvSpPr>
+        <p:spPr>
+          <a:xfrm>
+            <a:off x="720000" y="720000"/>
+            <a:ext cx="3600000" cy="1080000"/>
+          </a:xfrm>
+          <a:prstGeom prst="rect">
+            <a:avLst/>
+          </a:prstGeom>
+          <a:noFill/>
+        </p:spPr>
+        <p:txBody>
+          <a:bodyPr wrap="square" rtlCol="false">
+            <a:spAutoFit/>
+          </a:bodyPr>
+          <a:lstStyle/>
+          <a:p>
+            <a:r>
+              <a:t>DEĞİŞİR BURALAR </a:t>
+            </a:r>
+          </a:p>
+        </p:txBody>
+      </p:sp>
+      <p:sp>
+        <p:nvSpPr>
+          <p:cNvPr id="3" name="Rectangle 2"/>
+          <p:cNvSpPr/>
+          <p:nvPr/>
+        </p:nvSpPr>
+        <p:spPr>
+          <a:xfrm>
+            <a:off x="720000" y="3600000"/>
+            <a:ext cx="3600000" cy="252000"/>
+          </a:xfrm>
+          <a:prstGeom prst="rect">
+            <a:avLst/>
+          </a:prstGeom>
+          <a:solidFill>
+            <a:srgbClr val="E8E8E8"/>
+          </a:solidFill>
+        </p:spPr>
+        <p:style>
+          <a:lnRef idx="2">
+            <a:schemeClr val="accent1">
+              <a:shade val="50000"/>
+            </a:schemeClr>
+          </a:lnRef>
+          <a:fillRef idx="1">
+            <a:schemeClr val="accent1"/>
+          </a:fillRef>
+          <a:effectRef idx="0">
+            <a:schemeClr val="accent1"/>
+          </a:effectRef>
+          <a:fontRef idx="minor">
+            <a:schemeClr val="lt1"/>
+          </a:fontRef>
+        </p:style>
+        <p:txBody>
+          <a:bodyPr anchor="ctr" rtlCol="false"/>
+          <a:lstStyle/>
+          <a:p>
+            <a:pPr algn="ctr"/>
+          </a:p>
+        </p:txBody>
+      </p:sp>
+      <p:sp>
+        <p:nvSpPr>
+          <p:cNvPr id="4" name="TextBox 3"/>
+          <p:cNvSpPr txBox="true"/>
+          <p:nvPr/>
+        </p:nvSpPr>
+        <p:spPr>
+          <a:xfrm>
+            <a:off x="720000" y="3240000"/>
+            <a:ext cx="1692000" cy="252000"/>
+          </a:xfrm>
+          <a:prstGeom prst="rect">
+            <a:avLst/>
+          </a:prstGeom>
+          <a:noFill/>
+        </p:spPr>
+        <p:txBody>
+          <a:bodyPr wrap="square" rtlCol="false">
+            <a:spAutoFit/>
+          </a:bodyPr>
+          <a:lstStyle/>
+          <a:p>
+            <a:r>
+              <a:rPr sz="2000"/>
+              <a:t>sentiment adı </a:t>
+            </a:r>
+          </a:p>
+        </p:txBody>
+      </p:sp>
+      <p:sp>
+        <p:nvSpPr>
+          <p:cNvPr id="5" name="TextBox 4"/>
+          <p:cNvSpPr txBox="true"/>
+          <p:nvPr/>
+        </p:nvSpPr>
+        <p:spPr>
+          <a:xfrm>
+            <a:off x="2232000" y="3294000"/>
+            <a:ext cx="1080000" cy="360000"/>
+          </a:xfrm>
+          <a:prstGeom prst="rect">
+            <a:avLst/>
+          </a:prstGeom>
+          <a:noFill/>
+        </p:spPr>
+        <p:txBody>
+          <a:bodyPr wrap="square" rtlCol="false">
+            <a:spAutoFit/>
+          </a:bodyPr>
+          <a:lstStyle/>
+          <a:p>
+            <a:r>
+              <a:rPr sz="1600">
+                <a:solidFill>
+                  <a:prstClr val="gray"/>
+                </a:solidFill>
+              </a:rPr>
+              <a:t>silik yazı </a:t>
+            </a:r>
+          </a:p>
+        </p:txBody>
+      </p:sp>
+      <p:sp>
+        <p:nvSpPr>
+          <p:cNvPr id="6" name="TextBox 5"/>
+          <p:cNvSpPr txBox="true"/>
+          <p:nvPr/>
+        </p:nvSpPr>
+        <p:spPr>
+          <a:xfrm>
+            <a:off x="4320000" y="3546000"/>
+            <a:ext cx="900000" cy="180000"/>
+          </a:xfrm>
+          <a:prstGeom prst="rect">
+            <a:avLst/>
+          </a:prstGeom>
+          <a:noFill/>
+        </p:spPr>
+        <p:txBody>
+          <a:bodyPr wrap="square" rtlCol="false">
+            <a:spAutoFit/>
+          </a:bodyPr>
+          <a:lstStyle/>
+          <a:p>
+            <a:r>
+              <a:rPr sz="1600"/>
+              <a:t>%43 </a:t>
+            </a:r>
+          </a:p>
+        </p:txBody>
+      </p:sp>
+      <p:sp>
+        <p:nvSpPr>
+          <p:cNvPr id="7" name="Rectangle 6"/>
+          <p:cNvSpPr/>
+          <p:nvPr/>
+        </p:nvSpPr>
+        <p:spPr>
+          <a:xfrm>
+            <a:off x="720000" y="3600000"/>
+            <a:ext cx="1440000" cy="252000"/>
+          </a:xfrm>
+          <a:prstGeom prst="rect">
+            <a:avLst/>
+          </a:prstGeom>
+          <a:solidFill>
+            <a:prstClr val="orange"/>
+          </a:solidFill>
+        </p:spPr>
+        <p:style>
+          <a:lnRef idx="2">
+            <a:schemeClr val="accent1">
+              <a:shade val="50000"/>
+            </a:schemeClr>
+          </a:lnRef>
+          <a:fillRef idx="1">
+            <a:schemeClr val="accent1"/>
+          </a:fillRef>
+          <a:effectRef idx="0">
+            <a:schemeClr val="accent1"/>
+          </a:effectRef>
+          <a:fontRef idx="minor">
+            <a:schemeClr val="lt1"/>
+          </a:fontRef>
+        </p:style>
+        <p:txBody>
+          <a:bodyPr anchor="ctr" rtlCol="false"/>
+          <a:lstStyle/>
+          <a:p>
+            <a:pPr algn="ctr"/>
+          </a:p>
+        </p:txBody>
+      </p:sp>
+      <p:sp>
+        <p:nvSpPr>
+          <p:cNvPr id="8" name="Rectangle 7"/>
+          <p:cNvSpPr/>
+          <p:nvPr/>
+        </p:nvSpPr>
+        <p:spPr>
+          <a:xfrm>
+            <a:off x="720000" y="4320000"/>
+            <a:ext cx="3600000" cy="252000"/>
+          </a:xfrm>
+          <a:prstGeom prst="rect">
+            <a:avLst/>
+          </a:prstGeom>
+          <a:solidFill>
+            <a:srgbClr val="E8E8E8"/>
+          </a:solidFill>
+        </p:spPr>
+        <p:style>
+          <a:lnRef idx="2">
+            <a:schemeClr val="accent1">
+              <a:shade val="50000"/>
+            </a:schemeClr>
+          </a:lnRef>
+          <a:fillRef idx="1">
+            <a:schemeClr val="accent1"/>
+          </a:fillRef>
+          <a:effectRef idx="0">
+            <a:schemeClr val="accent1"/>
+          </a:effectRef>
+          <a:fontRef idx="minor">
+            <a:schemeClr val="lt1"/>
+          </a:fontRef>
+        </p:style>
+        <p:txBody>
+          <a:bodyPr anchor="ctr" rtlCol="false"/>
+          <a:lstStyle/>
+          <a:p>
+            <a:pPr algn="ctr"/>
+          </a:p>
+        </p:txBody>
+      </p:sp>
+      <p:sp>
+        <p:nvSpPr>
+          <p:cNvPr id="9" name="TextBox 8"/>
+          <p:cNvSpPr txBox="true"/>
+          <p:nvPr/>
+        </p:nvSpPr>
+        <p:spPr>
+          <a:xfrm>
+            <a:off x="720000" y="3960000"/>
+            <a:ext cx="1692000" cy="252000"/>
+          </a:xfrm>
+          <a:prstGeom prst="rect">
+            <a:avLst/>
+          </a:prstGeom>
+          <a:noFill/>
+        </p:spPr>
+        <p:txBody>
+          <a:bodyPr wrap="square" rtlCol="false">
+            <a:spAutoFit/>
+          </a:bodyPr>
+          <a:lstStyle/>
+          <a:p>
+            <a:r>
+              <a:rPr sz="2000"/>
+              <a:t>sentiment adı </a:t>
+            </a:r>
+          </a:p>
+        </p:txBody>
+      </p:sp>
+      <p:sp>
+        <p:nvSpPr>
+          <p:cNvPr id="10" name="TextBox 9"/>
+          <p:cNvSpPr txBox="true"/>
+          <p:nvPr/>
+        </p:nvSpPr>
+        <p:spPr>
+          <a:xfrm>
+            <a:off x="2232000" y="4014000"/>
+            <a:ext cx="1080000" cy="360000"/>
+          </a:xfrm>
+          <a:prstGeom prst="rect">
+            <a:avLst/>
+          </a:prstGeom>
+          <a:noFill/>
+        </p:spPr>
+        <p:txBody>
+          <a:bodyPr wrap="square" rtlCol="false">
+            <a:spAutoFit/>
+          </a:bodyPr>
+          <a:lstStyle/>
+          <a:p>
+            <a:r>
+              <a:rPr sz="1600">
+                <a:solidFill>
+                  <a:prstClr val="gray"/>
+                </a:solidFill>
+              </a:rPr>
+              <a:t>silik yazı </a:t>
+            </a:r>
+          </a:p>
+        </p:txBody>
+      </p:sp>
+      <p:sp>
+        <p:nvSpPr>
+          <p:cNvPr id="11" name="TextBox 10"/>
+          <p:cNvSpPr txBox="true"/>
+          <p:nvPr/>
+        </p:nvSpPr>
+        <p:spPr>
+          <a:xfrm>
+            <a:off x="4320000" y="4266000"/>
+            <a:ext cx="900000" cy="180000"/>
+          </a:xfrm>
+          <a:prstGeom prst="rect">
+            <a:avLst/>
+          </a:prstGeom>
+          <a:noFill/>
+        </p:spPr>
+        <p:txBody>
+          <a:bodyPr wrap="square" rtlCol="false">
+            <a:spAutoFit/>
+          </a:bodyPr>
+          <a:lstStyle/>
+          <a:p>
+            <a:r>
+              <a:rPr sz="1600"/>
+              <a:t>%43 </a:t>
+            </a:r>
+          </a:p>
+        </p:txBody>
+      </p:sp>
+      <p:sp>
+        <p:nvSpPr>
+          <p:cNvPr id="12" name="Rectangle 11"/>
+          <p:cNvSpPr/>
+          <p:nvPr/>
+        </p:nvSpPr>
+        <p:spPr>
+          <a:xfrm>
+            <a:off x="720000" y="4320000"/>
+            <a:ext cx="1440000" cy="252000"/>
+          </a:xfrm>
+          <a:prstGeom prst="rect">
+            <a:avLst/>
+          </a:prstGeom>
+          <a:solidFill>
+            <a:prstClr val="orange"/>
+          </a:solidFill>
+        </p:spPr>
+        <p:style>
+          <a:lnRef idx="2">
+            <a:schemeClr val="accent1">
+              <a:shade val="50000"/>
+            </a:schemeClr>
+          </a:lnRef>
+          <a:fillRef idx="1">
+            <a:schemeClr val="accent1"/>
+          </a:fillRef>
+          <a:effectRef idx="0">
+            <a:schemeClr val="accent1"/>
+          </a:effectRef>
+          <a:fontRef idx="minor">
+            <a:schemeClr val="lt1"/>
+          </a:fontRef>
+        </p:style>
+        <p:txBody>
+          <a:bodyPr anchor="ctr" rtlCol="false"/>
+          <a:lstStyle/>
+          <a:p>
+            <a:pPr algn="ctr"/>
+          </a:p>
+        </p:txBody>
+      </p:sp>
+      <p:sp>
+        <p:nvSpPr>
+          <p:cNvPr id="13" name="Rectangle 12"/>
+          <p:cNvSpPr/>
+          <p:nvPr/>
+        </p:nvSpPr>
+        <p:spPr>
+          <a:xfrm>
+            <a:off x="720000" y="5040000"/>
+            <a:ext cx="3600000" cy="252000"/>
+          </a:xfrm>
+          <a:prstGeom prst="rect">
+            <a:avLst/>
+          </a:prstGeom>
+          <a:solidFill>
+            <a:srgbClr val="E8E8E8"/>
+          </a:solidFill>
+        </p:spPr>
+        <p:style>
+          <a:lnRef idx="2">
+            <a:schemeClr val="accent1">
+              <a:shade val="50000"/>
+            </a:schemeClr>
+          </a:lnRef>
+          <a:fillRef idx="1">
+            <a:schemeClr val="accent1"/>
+          </a:fillRef>
+          <a:effectRef idx="0">
+            <a:schemeClr val="accent1"/>
+          </a:effectRef>
+          <a:fontRef idx="minor">
+            <a:schemeClr val="lt1"/>
+          </a:fontRef>
+        </p:style>
+        <p:txBody>
+          <a:bodyPr anchor="ctr" rtlCol="false"/>
+          <a:lstStyle/>
+          <a:p>
+            <a:pPr algn="ctr"/>
+          </a:p>
+        </p:txBody>
+      </p:sp>
+      <p:sp>
+        <p:nvSpPr>
+          <p:cNvPr id="14" name="TextBox 13"/>
+          <p:cNvSpPr txBox="true"/>
+          <p:nvPr/>
+        </p:nvSpPr>
+        <p:spPr>
+          <a:xfrm>
+            <a:off x="720000" y="4680000"/>
+            <a:ext cx="1692000" cy="252000"/>
+          </a:xfrm>
+          <a:prstGeom prst="rect">
+            <a:avLst/>
+          </a:prstGeom>
+          <a:noFill/>
+        </p:spPr>
+        <p:txBody>
+          <a:bodyPr wrap="square" rtlCol="false">
+            <a:spAutoFit/>
+          </a:bodyPr>
+          <a:lstStyle/>
+          <a:p>
+            <a:r>
+              <a:rPr sz="2000"/>
+              <a:t>sentiment adı </a:t>
+            </a:r>
+          </a:p>
+        </p:txBody>
+      </p:sp>
+      <p:sp>
+        <p:nvSpPr>
+          <p:cNvPr id="15" name="TextBox 14"/>
+          <p:cNvSpPr txBox="true"/>
+          <p:nvPr/>
+        </p:nvSpPr>
+        <p:spPr>
+          <a:xfrm>
+            <a:off x="2232000" y="4734000"/>
+            <a:ext cx="1080000" cy="360000"/>
+          </a:xfrm>
+          <a:prstGeom prst="rect">
+            <a:avLst/>
+          </a:prstGeom>
+          <a:noFill/>
+        </p:spPr>
+        <p:txBody>
+          <a:bodyPr wrap="square" rtlCol="false">
+            <a:spAutoFit/>
+          </a:bodyPr>
+          <a:lstStyle/>
+          <a:p>
+            <a:r>
+              <a:rPr sz="1600">
+                <a:solidFill>
+                  <a:prstClr val="gray"/>
+                </a:solidFill>
+              </a:rPr>
+              <a:t>silik yazı </a:t>
+            </a:r>
+          </a:p>
+        </p:txBody>
+      </p:sp>
+      <p:sp>
+        <p:nvSpPr>
+          <p:cNvPr id="16" name="TextBox 15"/>
+          <p:cNvSpPr txBox="true"/>
+          <p:nvPr/>
+        </p:nvSpPr>
+        <p:spPr>
+          <a:xfrm>
+            <a:off x="4320000" y="4986000"/>
+            <a:ext cx="900000" cy="180000"/>
+          </a:xfrm>
+          <a:prstGeom prst="rect">
+            <a:avLst/>
+          </a:prstGeom>
+          <a:noFill/>
+        </p:spPr>
+        <p:txBody>
+          <a:bodyPr wrap="square" rtlCol="false">
+            <a:spAutoFit/>
+          </a:bodyPr>
+          <a:lstStyle/>
+          <a:p>
+            <a:r>
+              <a:rPr sz="1600"/>
+              <a:t>%43 </a:t>
+            </a:r>
+          </a:p>
+        </p:txBody>
+      </p:sp>
+      <p:sp>
+        <p:nvSpPr>
+          <p:cNvPr id="17" name="Rectangle 16"/>
+          <p:cNvSpPr/>
+          <p:nvPr/>
+        </p:nvSpPr>
+        <p:spPr>
+          <a:xfrm>
+            <a:off x="720000" y="5040000"/>
+            <a:ext cx="1440000" cy="252000"/>
+          </a:xfrm>
+          <a:prstGeom prst="rect">
+            <a:avLst/>
+          </a:prstGeom>
+          <a:solidFill>
+            <a:prstClr val="orange"/>
+          </a:solidFill>
+        </p:spPr>
+        <p:style>
+          <a:lnRef idx="2">
+            <a:schemeClr val="accent1">
+              <a:shade val="50000"/>
+            </a:schemeClr>
+          </a:lnRef>
+          <a:fillRef idx="1">
+            <a:schemeClr val="accent1"/>
+          </a:fillRef>
+          <a:effectRef idx="0">
+            <a:schemeClr val="accent1"/>
+          </a:effectRef>
+          <a:fontRef idx="minor">
+            <a:schemeClr val="lt1"/>
+          </a:fontRef>
+        </p:style>
+        <p:txBody>
+          <a:bodyPr anchor="ctr" rtlCol="false"/>
+          <a:lstStyle/>
+          <a:p>
+            <a:pPr algn="ctr"/>
+          </a:p>
+        </p:txBody>
+      </p:sp>
+      <p:sp>
+        <p:nvSpPr>
+          <p:cNvPr id="18" name="Rectangle 17"/>
+          <p:cNvSpPr/>
+          <p:nvPr/>
+        </p:nvSpPr>
+        <p:spPr>
+          <a:xfrm>
+            <a:off x="720000" y="5760000"/>
+            <a:ext cx="3600000" cy="252000"/>
+          </a:xfrm>
+          <a:prstGeom prst="rect">
+            <a:avLst/>
+          </a:prstGeom>
+          <a:solidFill>
+            <a:srgbClr val="E8E8E8"/>
+          </a:solidFill>
+        </p:spPr>
+        <p:style>
+          <a:lnRef idx="2">
+            <a:schemeClr val="accent1">
+              <a:shade val="50000"/>
+            </a:schemeClr>
+          </a:lnRef>
+          <a:fillRef idx="1">
+            <a:schemeClr val="accent1"/>
+          </a:fillRef>
+          <a:effectRef idx="0">
+            <a:schemeClr val="accent1"/>
+          </a:effectRef>
+          <a:fontRef idx="minor">
+            <a:schemeClr val="lt1"/>
+          </a:fontRef>
+        </p:style>
+        <p:txBody>
+          <a:bodyPr anchor="ctr" rtlCol="false"/>
+          <a:lstStyle/>
+          <a:p>
+            <a:pPr algn="ctr"/>
+          </a:p>
+        </p:txBody>
+      </p:sp>
+      <p:sp>
+        <p:nvSpPr>
+          <p:cNvPr id="19" name="TextBox 18"/>
+          <p:cNvSpPr txBox="true"/>
+          <p:nvPr/>
+        </p:nvSpPr>
+        <p:spPr>
+          <a:xfrm>
+            <a:off x="720000" y="5400000"/>
+            <a:ext cx="1692000" cy="252000"/>
+          </a:xfrm>
+          <a:prstGeom prst="rect">
+            <a:avLst/>
+          </a:prstGeom>
+          <a:noFill/>
+        </p:spPr>
+        <p:txBody>
+          <a:bodyPr wrap="square" rtlCol="false">
+            <a:spAutoFit/>
+          </a:bodyPr>
+          <a:lstStyle/>
+          <a:p>
+            <a:r>
+              <a:rPr sz="2000"/>
+              <a:t>sentiment adı </a:t>
+            </a:r>
+          </a:p>
+        </p:txBody>
+      </p:sp>
+      <p:sp>
+        <p:nvSpPr>
+          <p:cNvPr id="20" name="TextBox 19"/>
+          <p:cNvSpPr txBox="true"/>
+          <p:nvPr/>
+        </p:nvSpPr>
+        <p:spPr>
+          <a:xfrm>
+            <a:off x="2232000" y="5454000"/>
+            <a:ext cx="1080000" cy="360000"/>
+          </a:xfrm>
+          <a:prstGeom prst="rect">
+            <a:avLst/>
+          </a:prstGeom>
+          <a:noFill/>
+        </p:spPr>
+        <p:txBody>
+          <a:bodyPr wrap="square" rtlCol="false">
+            <a:spAutoFit/>
+          </a:bodyPr>
+          <a:lstStyle/>
+          <a:p>
+            <a:r>
+              <a:rPr sz="1600">
+                <a:solidFill>
+                  <a:prstClr val="gray"/>
+                </a:solidFill>
+              </a:rPr>
+              <a:t>silik yazı </a:t>
+            </a:r>
+          </a:p>
+        </p:txBody>
+      </p:sp>
+      <p:sp>
+        <p:nvSpPr>
+          <p:cNvPr id="21" name="TextBox 20"/>
+          <p:cNvSpPr txBox="true"/>
+          <p:nvPr/>
+        </p:nvSpPr>
+        <p:spPr>
+          <a:xfrm>
+            <a:off x="4320000" y="5706000"/>
+            <a:ext cx="900000" cy="180000"/>
+          </a:xfrm>
+          <a:prstGeom prst="rect">
+            <a:avLst/>
+          </a:prstGeom>
+          <a:noFill/>
+        </p:spPr>
+        <p:txBody>
+          <a:bodyPr wrap="square" rtlCol="false">
+            <a:spAutoFit/>
+          </a:bodyPr>
+          <a:lstStyle/>
+          <a:p>
+            <a:r>
+              <a:rPr sz="1600"/>
+              <a:t>%43 </a:t>
+            </a:r>
+          </a:p>
+        </p:txBody>
+      </p:sp>
+      <p:sp>
+        <p:nvSpPr>
+          <p:cNvPr id="22" name="Rectangle 21"/>
+          <p:cNvSpPr/>
+          <p:nvPr/>
+        </p:nvSpPr>
+        <p:spPr>
+          <a:xfrm>
+            <a:off x="720000" y="5760000"/>
+            <a:ext cx="1440000" cy="252000"/>
+          </a:xfrm>
+          <a:prstGeom prst="rect">
+            <a:avLst/>
+          </a:prstGeom>
+          <a:solidFill>
+            <a:prstClr val="orange"/>
+          </a:solidFill>
+        </p:spPr>
+        <p:style>
+          <a:lnRef idx="2">
+            <a:schemeClr val="accent1">
+              <a:shade val="50000"/>
+            </a:schemeClr>
+          </a:lnRef>
+          <a:fillRef idx="1">
+            <a:schemeClr val="accent1"/>
+          </a:fillRef>
+          <a:effectRef idx="0">
+            <a:schemeClr val="accent1"/>
+          </a:effectRef>
+          <a:fontRef idx="minor">
+            <a:schemeClr val="lt1"/>
+          </a:fontRef>
+        </p:style>
+        <p:txBody>
+          <a:bodyPr anchor="ctr" rtlCol="false"/>
+          <a:lstStyle/>
+          <a:p>
+            <a:pPr algn="ctr"/>
+          </a:p>
+        </p:txBody>
+      </p:sp>
+      <p:sp>
+        <p:nvSpPr>
+          <p:cNvPr id="23" name="Rectangle 22"/>
+          <p:cNvSpPr/>
+          <p:nvPr/>
+        </p:nvSpPr>
+        <p:spPr>
+          <a:xfrm>
+            <a:off x="5940000" y="3240000"/>
+            <a:ext cx="3600" cy="3240000"/>
+          </a:xfrm>
+          <a:prstGeom prst="rect">
+            <a:avLst/>
+          </a:prstGeom>
+          <a:solidFill>
+            <a:prstClr val="ltGrey"/>
+          </a:solidFill>
+        </p:spPr>
+        <p:style>
+          <a:lnRef idx="2">
+            <a:schemeClr val="accent1">
+              <a:shade val="50000"/>
+            </a:schemeClr>
+          </a:lnRef>
+          <a:fillRef idx="1">
+            <a:schemeClr val="accent1"/>
+          </a:fillRef>
+          <a:effectRef idx="0">
+            <a:schemeClr val="accent1"/>
+          </a:effectRef>
+          <a:fontRef idx="minor">
+            <a:schemeClr val="lt1"/>
+          </a:fontRef>
+        </p:style>
+        <p:txBody>
+          <a:bodyPr anchor="ctr" rtlCol="false"/>
+          <a:lstStyle/>
+          <a:p>
+            <a:pPr algn="ctr"/>
+          </a:p>
+        </p:txBody>
+      </p:sp>
+      <p:sp>
+        <p:nvSpPr>
+          <p:cNvPr id="24" name="Rectangle 23"/>
+          <p:cNvSpPr/>
+          <p:nvPr/>
+        </p:nvSpPr>
+        <p:spPr>
+          <a:xfrm>
+            <a:off x="7200000" y="3600000"/>
+            <a:ext cx="3600000" cy="252000"/>
+          </a:xfrm>
+          <a:prstGeom prst="rect">
+            <a:avLst/>
+          </a:prstGeom>
+          <a:solidFill>
+            <a:srgbClr val="807D7E"/>
+          </a:solidFill>
+        </p:spPr>
+        <p:style>
+          <a:lnRef idx="2">
+            <a:schemeClr val="accent1">
+              <a:shade val="50000"/>
+            </a:schemeClr>
+          </a:lnRef>
+          <a:fillRef idx="1">
+            <a:schemeClr val="accent1"/>
+          </a:fillRef>
+          <a:effectRef idx="0">
+            <a:schemeClr val="accent1"/>
+          </a:effectRef>
+          <a:fontRef idx="minor">
+            <a:schemeClr val="lt1"/>
+          </a:fontRef>
+        </p:style>
+        <p:txBody>
+          <a:bodyPr anchor="ctr" rtlCol="false"/>
+          <a:lstStyle/>
+          <a:p>
+            <a:pPr algn="ctr"/>
+          </a:p>
+        </p:txBody>
+      </p:sp>
+      <p:sp>
+        <p:nvSpPr>
+          <p:cNvPr id="25" name="TextBox 24"/>
+          <p:cNvSpPr txBox="true"/>
+          <p:nvPr/>
+        </p:nvSpPr>
+        <p:spPr>
+          <a:xfrm>
+            <a:off x="7200000" y="3240000"/>
+            <a:ext cx="1692000" cy="252000"/>
+          </a:xfrm>
+          <a:prstGeom prst="rect">
+            <a:avLst/>
+          </a:prstGeom>
+          <a:noFill/>
+        </p:spPr>
+        <p:txBody>
+          <a:bodyPr wrap="square" rtlCol="false">
+            <a:spAutoFit/>
+          </a:bodyPr>
+          <a:lstStyle/>
+          <a:p>
+            <a:r>
+              <a:rPr sz="2000"/>
+              <a:t>sentiment adı </a:t>
+            </a:r>
+          </a:p>
+        </p:txBody>
+      </p:sp>
+      <p:sp>
+        <p:nvSpPr>
+          <p:cNvPr id="26" name="TextBox 25"/>
+          <p:cNvSpPr txBox="true"/>
+          <p:nvPr/>
+        </p:nvSpPr>
+        <p:spPr>
+          <a:xfrm>
+            <a:off x="8712000" y="3294000"/>
+            <a:ext cx="1080000" cy="360000"/>
+          </a:xfrm>
+          <a:prstGeom prst="rect">
+            <a:avLst/>
+          </a:prstGeom>
+          <a:noFill/>
+        </p:spPr>
+        <p:txBody>
+          <a:bodyPr wrap="square" rtlCol="false">
+            <a:spAutoFit/>
+          </a:bodyPr>
+          <a:lstStyle/>
+          <a:p>
+            <a:r>
+              <a:rPr sz="1600">
+                <a:solidFill>
+                  <a:prstClr val="gray"/>
+                </a:solidFill>
+              </a:rPr>
+              <a:t>silik yazı </a:t>
+            </a:r>
+          </a:p>
+        </p:txBody>
+      </p:sp>
+      <p:sp>
+        <p:nvSpPr>
+          <p:cNvPr id="27" name="TextBox 26"/>
+          <p:cNvSpPr txBox="true"/>
+          <p:nvPr/>
+        </p:nvSpPr>
+        <p:spPr>
+          <a:xfrm>
+            <a:off x="10800000" y="3546000"/>
+            <a:ext cx="900000" cy="360000"/>
+          </a:xfrm>
+          <a:prstGeom prst="rect">
+            <a:avLst/>
+          </a:prstGeom>
+          <a:noFill/>
+        </p:spPr>
+        <p:txBody>
+          <a:bodyPr wrap="square" rtlCol="false">
+            <a:spAutoFit/>
+          </a:bodyPr>
+          <a:lstStyle/>
+          <a:p>
+            <a:r>
+              <a:rPr sz="1600"/>
+              <a:t>%43 </a:t>
+            </a:r>
+          </a:p>
+        </p:txBody>
+      </p:sp>
+      <p:sp>
+        <p:nvSpPr>
+          <p:cNvPr id="28" name="Rectangle 27"/>
+          <p:cNvSpPr/>
+          <p:nvPr/>
+        </p:nvSpPr>
+        <p:spPr>
+          <a:xfrm>
+            <a:off x="7200000" y="3600000"/>
+            <a:ext cx="1440000" cy="252000"/>
+          </a:xfrm>
+          <a:prstGeom prst="rect">
+            <a:avLst/>
+          </a:prstGeom>
+          <a:solidFill>
+            <a:srgbClr val="9BB528"/>
+          </a:solidFill>
+        </p:spPr>
+        <p:style>
+          <a:lnRef idx="2">
+            <a:schemeClr val="accent1">
+              <a:shade val="50000"/>
+            </a:schemeClr>
+          </a:lnRef>
+          <a:fillRef idx="1">
+            <a:schemeClr val="accent1"/>
+          </a:fillRef>
+          <a:effectRef idx="0">
+            <a:schemeClr val="accent1"/>
+          </a:effectRef>
+          <a:fontRef idx="minor">
+            <a:schemeClr val="lt1"/>
+          </a:fontRef>
+        </p:style>
+        <p:txBody>
+          <a:bodyPr anchor="ctr" rtlCol="false"/>
+          <a:lstStyle/>
+          <a:p>
+            <a:pPr algn="ctr"/>
+          </a:p>
+        </p:txBody>
+      </p:sp>
+      <p:sp>
+        <p:nvSpPr>
+          <p:cNvPr id="29" name="Rectangle 28"/>
+          <p:cNvSpPr/>
+          <p:nvPr/>
+        </p:nvSpPr>
+        <p:spPr>
+          <a:xfrm>
+            <a:off x="8640000" y="3600000"/>
+            <a:ext cx="720000" cy="252000"/>
+          </a:xfrm>
+          <a:prstGeom prst="rect">
+            <a:avLst/>
+          </a:prstGeom>
+          <a:solidFill>
+            <a:prstClr val="brown"/>
+          </a:solidFill>
+        </p:spPr>
+        <p:style>
+          <a:lnRef idx="2">
+            <a:schemeClr val="accent1">
+              <a:shade val="50000"/>
+            </a:schemeClr>
+          </a:lnRef>
+          <a:fillRef idx="1">
+            <a:schemeClr val="accent1"/>
+          </a:fillRef>
+          <a:effectRef idx="0">
+            <a:schemeClr val="accent1"/>
+          </a:effectRef>
+          <a:fontRef idx="minor">
+            <a:schemeClr val="lt1"/>
+          </a:fontRef>
+        </p:style>
+        <p:txBody>
+          <a:bodyPr anchor="ctr" rtlCol="false"/>
+          <a:lstStyle/>
+          <a:p>
+            <a:pPr algn="ctr"/>
+          </a:p>
+        </p:txBody>
+      </p:sp>
+      <p:sp>
+        <p:nvSpPr>
+          <p:cNvPr id="30" name="Rectangle 29"/>
+          <p:cNvSpPr/>
+          <p:nvPr/>
+        </p:nvSpPr>
+        <p:spPr>
+          <a:xfrm>
+            <a:off x="7200000" y="4320000"/>
+            <a:ext cx="3600000" cy="252000"/>
+          </a:xfrm>
+          <a:prstGeom prst="rect">
+            <a:avLst/>
+          </a:prstGeom>
+          <a:solidFill>
+            <a:srgbClr val="807D7E"/>
+          </a:solidFill>
+        </p:spPr>
+        <p:style>
+          <a:lnRef idx="2">
+            <a:schemeClr val="accent1">
+              <a:shade val="50000"/>
+            </a:schemeClr>
+          </a:lnRef>
+          <a:fillRef idx="1">
+            <a:schemeClr val="accent1"/>
+          </a:fillRef>
+          <a:effectRef idx="0">
+            <a:schemeClr val="accent1"/>
+          </a:effectRef>
+          <a:fontRef idx="minor">
+            <a:schemeClr val="lt1"/>
+          </a:fontRef>
+        </p:style>
+        <p:txBody>
+          <a:bodyPr anchor="ctr" rtlCol="false"/>
+          <a:lstStyle/>
+          <a:p>
+            <a:pPr algn="ctr"/>
+          </a:p>
+        </p:txBody>
+      </p:sp>
+      <p:sp>
+        <p:nvSpPr>
+          <p:cNvPr id="31" name="TextBox 30"/>
+          <p:cNvSpPr txBox="true"/>
+          <p:nvPr/>
+        </p:nvSpPr>
+        <p:spPr>
+          <a:xfrm>
+            <a:off x="7200000" y="3960000"/>
+            <a:ext cx="1692000" cy="252000"/>
+          </a:xfrm>
+          <a:prstGeom prst="rect">
+            <a:avLst/>
+          </a:prstGeom>
+          <a:noFill/>
+        </p:spPr>
+        <p:txBody>
+          <a:bodyPr wrap="square" rtlCol="false">
+            <a:spAutoFit/>
+          </a:bodyPr>
+          <a:lstStyle/>
+          <a:p>
+            <a:r>
+              <a:rPr sz="2000"/>
+              <a:t>sentiment adı </a:t>
+            </a:r>
+          </a:p>
+        </p:txBody>
+      </p:sp>
+      <p:sp>
+        <p:nvSpPr>
+          <p:cNvPr id="32" name="TextBox 31"/>
+          <p:cNvSpPr txBox="true"/>
+          <p:nvPr/>
+        </p:nvSpPr>
+        <p:spPr>
+          <a:xfrm>
+            <a:off x="8712000" y="4014000"/>
+            <a:ext cx="1080000" cy="360000"/>
+          </a:xfrm>
+          <a:prstGeom prst="rect">
+            <a:avLst/>
+          </a:prstGeom>
+          <a:noFill/>
+        </p:spPr>
+        <p:txBody>
+          <a:bodyPr wrap="square" rtlCol="false">
+            <a:spAutoFit/>
+          </a:bodyPr>
+          <a:lstStyle/>
+          <a:p>
+            <a:r>
+              <a:rPr sz="1600">
+                <a:solidFill>
+                  <a:prstClr val="gray"/>
+                </a:solidFill>
+              </a:rPr>
+              <a:t>silik yazı </a:t>
+            </a:r>
+          </a:p>
+        </p:txBody>
+      </p:sp>
+      <p:sp>
+        <p:nvSpPr>
+          <p:cNvPr id="33" name="TextBox 32"/>
+          <p:cNvSpPr txBox="true"/>
+          <p:nvPr/>
+        </p:nvSpPr>
+        <p:spPr>
+          <a:xfrm>
+            <a:off x="10800000" y="4266000"/>
+            <a:ext cx="900000" cy="360000"/>
+          </a:xfrm>
+          <a:prstGeom prst="rect">
+            <a:avLst/>
+          </a:prstGeom>
+          <a:noFill/>
+        </p:spPr>
+        <p:txBody>
+          <a:bodyPr wrap="square" rtlCol="false">
+            <a:spAutoFit/>
+          </a:bodyPr>
+          <a:lstStyle/>
+          <a:p>
+            <a:r>
+              <a:rPr sz="1600"/>
+              <a:t>%43 </a:t>
+            </a:r>
+          </a:p>
+        </p:txBody>
+      </p:sp>
+      <p:sp>
+        <p:nvSpPr>
+          <p:cNvPr id="34" name="Rectangle 33"/>
+          <p:cNvSpPr/>
+          <p:nvPr/>
+        </p:nvSpPr>
+        <p:spPr>
+          <a:xfrm>
+            <a:off x="7200000" y="4320000"/>
+            <a:ext cx="1440000" cy="252000"/>
+          </a:xfrm>
+          <a:prstGeom prst="rect">
+            <a:avLst/>
+          </a:prstGeom>
+          <a:solidFill>
+            <a:srgbClr val="9BB528"/>
+          </a:solidFill>
+        </p:spPr>
+        <p:style>
+          <a:lnRef idx="2">
+            <a:schemeClr val="accent1">
+              <a:shade val="50000"/>
+            </a:schemeClr>
+          </a:lnRef>
+          <a:fillRef idx="1">
+            <a:schemeClr val="accent1"/>
+          </a:fillRef>
+          <a:effectRef idx="0">
+            <a:schemeClr val="accent1"/>
+          </a:effectRef>
+          <a:fontRef idx="minor">
+            <a:schemeClr val="lt1"/>
+          </a:fontRef>
+        </p:style>
+        <p:txBody>
+          <a:bodyPr anchor="ctr" rtlCol="false"/>
+          <a:lstStyle/>
+          <a:p>
+            <a:pPr algn="ctr"/>
+          </a:p>
+        </p:txBody>
+      </p:sp>
+      <p:sp>
+        <p:nvSpPr>
+          <p:cNvPr id="35" name="Rectangle 34"/>
+          <p:cNvSpPr/>
+          <p:nvPr/>
+        </p:nvSpPr>
+        <p:spPr>
+          <a:xfrm>
+            <a:off x="8640000" y="4320000"/>
+            <a:ext cx="720000" cy="252000"/>
+          </a:xfrm>
+          <a:prstGeom prst="rect">
+            <a:avLst/>
+          </a:prstGeom>
+          <a:solidFill>
+            <a:prstClr val="brown"/>
+          </a:solidFill>
+        </p:spPr>
+        <p:style>
+          <a:lnRef idx="2">
+            <a:schemeClr val="accent1">
+              <a:shade val="50000"/>
+            </a:schemeClr>
+          </a:lnRef>
+          <a:fillRef idx="1">
+            <a:schemeClr val="accent1"/>
+          </a:fillRef>
+          <a:effectRef idx="0">
+            <a:schemeClr val="accent1"/>
+          </a:effectRef>
+          <a:fontRef idx="minor">
+            <a:schemeClr val="lt1"/>
+          </a:fontRef>
+        </p:style>
+        <p:txBody>
+          <a:bodyPr anchor="ctr" rtlCol="false"/>
+          <a:lstStyle/>
+          <a:p>
+            <a:pPr algn="ctr"/>
+          </a:p>
+        </p:txBody>
+      </p:sp>
+      <p:sp>
+        <p:nvSpPr>
+          <p:cNvPr id="36" name="Rectangle 35"/>
+          <p:cNvSpPr/>
+          <p:nvPr/>
+        </p:nvSpPr>
+        <p:spPr>
+          <a:xfrm>
+            <a:off x="7200000" y="5040000"/>
+            <a:ext cx="3600000" cy="252000"/>
+          </a:xfrm>
+          <a:prstGeom prst="rect">
+            <a:avLst/>
+          </a:prstGeom>
+          <a:solidFill>
+            <a:srgbClr val="807D7E"/>
+          </a:solidFill>
+        </p:spPr>
+        <p:style>
+          <a:lnRef idx="2">
+            <a:schemeClr val="accent1">
+              <a:shade val="50000"/>
+            </a:schemeClr>
+          </a:lnRef>
+          <a:fillRef idx="1">
+            <a:schemeClr val="accent1"/>
+          </a:fillRef>
+          <a:effectRef idx="0">
+            <a:schemeClr val="accent1"/>
+          </a:effectRef>
+          <a:fontRef idx="minor">
+            <a:schemeClr val="lt1"/>
+          </a:fontRef>
+        </p:style>
+        <p:txBody>
+          <a:bodyPr anchor="ctr" rtlCol="false"/>
+          <a:lstStyle/>
+          <a:p>
+            <a:pPr algn="ctr"/>
+          </a:p>
+        </p:txBody>
+      </p:sp>
+      <p:sp>
+        <p:nvSpPr>
+          <p:cNvPr id="37" name="TextBox 36"/>
+          <p:cNvSpPr txBox="true"/>
+          <p:nvPr/>
+        </p:nvSpPr>
+        <p:spPr>
+          <a:xfrm>
+            <a:off x="7200000" y="4680000"/>
+            <a:ext cx="1692000" cy="252000"/>
+          </a:xfrm>
+          <a:prstGeom prst="rect">
+            <a:avLst/>
+          </a:prstGeom>
+          <a:noFill/>
+        </p:spPr>
+        <p:txBody>
+          <a:bodyPr wrap="square" rtlCol="false">
+            <a:spAutoFit/>
+          </a:bodyPr>
+          <a:lstStyle/>
+          <a:p>
+            <a:r>
+              <a:rPr sz="2000"/>
+              <a:t>sentiment adı </a:t>
+            </a:r>
+          </a:p>
+        </p:txBody>
+      </p:sp>
+      <p:sp>
+        <p:nvSpPr>
+          <p:cNvPr id="38" name="TextBox 37"/>
+          <p:cNvSpPr txBox="true"/>
+          <p:nvPr/>
+        </p:nvSpPr>
+        <p:spPr>
+          <a:xfrm>
+            <a:off x="8712000" y="4734000"/>
+            <a:ext cx="1080000" cy="360000"/>
+          </a:xfrm>
+          <a:prstGeom prst="rect">
+            <a:avLst/>
+          </a:prstGeom>
+          <a:noFill/>
+        </p:spPr>
+        <p:txBody>
+          <a:bodyPr wrap="square" rtlCol="false">
+            <a:spAutoFit/>
+          </a:bodyPr>
+          <a:lstStyle/>
+          <a:p>
+            <a:r>
+              <a:rPr sz="1600">
+                <a:solidFill>
+                  <a:prstClr val="gray"/>
+                </a:solidFill>
+              </a:rPr>
+              <a:t>silik yazı </a:t>
+            </a:r>
+          </a:p>
+        </p:txBody>
+      </p:sp>
+      <p:sp>
+        <p:nvSpPr>
+          <p:cNvPr id="39" name="TextBox 38"/>
+          <p:cNvSpPr txBox="true"/>
+          <p:nvPr/>
+        </p:nvSpPr>
+        <p:spPr>
+          <a:xfrm>
+            <a:off x="10800000" y="4986000"/>
+            <a:ext cx="900000" cy="360000"/>
+          </a:xfrm>
+          <a:prstGeom prst="rect">
+            <a:avLst/>
+          </a:prstGeom>
+          <a:noFill/>
+        </p:spPr>
+        <p:txBody>
+          <a:bodyPr wrap="square" rtlCol="false">
+            <a:spAutoFit/>
+          </a:bodyPr>
+          <a:lstStyle/>
+          <a:p>
+            <a:r>
+              <a:rPr sz="1600"/>
+              <a:t>%43 </a:t>
+            </a:r>
+          </a:p>
+        </p:txBody>
+      </p:sp>
+      <p:sp>
+        <p:nvSpPr>
+          <p:cNvPr id="40" name="Rectangle 39"/>
+          <p:cNvSpPr/>
+          <p:nvPr/>
+        </p:nvSpPr>
+        <p:spPr>
+          <a:xfrm>
+            <a:off x="7200000" y="5040000"/>
+            <a:ext cx="1440000" cy="252000"/>
+          </a:xfrm>
+          <a:prstGeom prst="rect">
+            <a:avLst/>
+          </a:prstGeom>
+          <a:solidFill>
+            <a:srgbClr val="9BB528"/>
+          </a:solidFill>
+        </p:spPr>
+        <p:style>
+          <a:lnRef idx="2">
+            <a:schemeClr val="accent1">
+              <a:shade val="50000"/>
+            </a:schemeClr>
+          </a:lnRef>
+          <a:fillRef idx="1">
+            <a:schemeClr val="accent1"/>
+          </a:fillRef>
+          <a:effectRef idx="0">
+            <a:schemeClr val="accent1"/>
+          </a:effectRef>
+          <a:fontRef idx="minor">
+            <a:schemeClr val="lt1"/>
+          </a:fontRef>
+        </p:style>
+        <p:txBody>
+          <a:bodyPr anchor="ctr" rtlCol="false"/>
+          <a:lstStyle/>
+          <a:p>
+            <a:pPr algn="ctr"/>
+          </a:p>
+        </p:txBody>
+      </p:sp>
+      <p:sp>
+        <p:nvSpPr>
+          <p:cNvPr id="41" name="Rectangle 40"/>
+          <p:cNvSpPr/>
+          <p:nvPr/>
+        </p:nvSpPr>
+        <p:spPr>
+          <a:xfrm>
+            <a:off x="8640000" y="5040000"/>
+            <a:ext cx="720000" cy="252000"/>
+          </a:xfrm>
+          <a:prstGeom prst="rect">
+            <a:avLst/>
+          </a:prstGeom>
+          <a:solidFill>
+            <a:prstClr val="brown"/>
+          </a:solidFill>
+        </p:spPr>
+        <p:style>
+          <a:lnRef idx="2">
+            <a:schemeClr val="accent1">
+              <a:shade val="50000"/>
+            </a:schemeClr>
+          </a:lnRef>
+          <a:fillRef idx="1">
+            <a:schemeClr val="accent1"/>
+          </a:fillRef>
+          <a:effectRef idx="0">
+            <a:schemeClr val="accent1"/>
+          </a:effectRef>
+          <a:fontRef idx="minor">
+            <a:schemeClr val="lt1"/>
+          </a:fontRef>
+        </p:style>
+        <p:txBody>
+          <a:bodyPr anchor="ctr" rtlCol="false"/>
+          <a:lstStyle/>
+          <a:p>
+            <a:pPr algn="ctr"/>
+          </a:p>
+        </p:txBody>
+      </p:sp>
+      <p:sp>
+        <p:nvSpPr>
+          <p:cNvPr id="42" name="Rectangle 41"/>
+          <p:cNvSpPr/>
+          <p:nvPr/>
+        </p:nvSpPr>
+        <p:spPr>
+          <a:xfrm>
+            <a:off x="7200000" y="5760000"/>
+            <a:ext cx="3600000" cy="252000"/>
+          </a:xfrm>
+          <a:prstGeom prst="rect">
+            <a:avLst/>
+          </a:prstGeom>
+          <a:solidFill>
+            <a:srgbClr val="807D7E"/>
+          </a:solidFill>
+        </p:spPr>
+        <p:style>
+          <a:lnRef idx="2">
+            <a:schemeClr val="accent1">
+              <a:shade val="50000"/>
+            </a:schemeClr>
+          </a:lnRef>
+          <a:fillRef idx="1">
+            <a:schemeClr val="accent1"/>
+          </a:fillRef>
+          <a:effectRef idx="0">
+            <a:schemeClr val="accent1"/>
+          </a:effectRef>
+          <a:fontRef idx="minor">
+            <a:schemeClr val="lt1"/>
+          </a:fontRef>
+        </p:style>
+        <p:txBody>
+          <a:bodyPr anchor="ctr" rtlCol="false"/>
+          <a:lstStyle/>
+          <a:p>
+            <a:pPr algn="ctr"/>
+          </a:p>
+        </p:txBody>
+      </p:sp>
+      <p:sp>
+        <p:nvSpPr>
+          <p:cNvPr id="43" name="TextBox 42"/>
+          <p:cNvSpPr txBox="true"/>
+          <p:nvPr/>
+        </p:nvSpPr>
+        <p:spPr>
+          <a:xfrm>
+            <a:off x="7200000" y="5400000"/>
+            <a:ext cx="1692000" cy="252000"/>
+          </a:xfrm>
+          <a:prstGeom prst="rect">
+            <a:avLst/>
+          </a:prstGeom>
+          <a:noFill/>
+        </p:spPr>
+        <p:txBody>
+          <a:bodyPr wrap="square" rtlCol="false">
+            <a:spAutoFit/>
+          </a:bodyPr>
+          <a:lstStyle/>
+          <a:p>
+            <a:r>
+              <a:rPr sz="2000"/>
+              <a:t>sentiment adı </a:t>
+            </a:r>
+          </a:p>
+        </p:txBody>
+      </p:sp>
+      <p:sp>
+        <p:nvSpPr>
+          <p:cNvPr id="44" name="TextBox 43"/>
+          <p:cNvSpPr txBox="true"/>
+          <p:nvPr/>
+        </p:nvSpPr>
+        <p:spPr>
+          <a:xfrm>
+            <a:off x="8712000" y="5454000"/>
+            <a:ext cx="1080000" cy="360000"/>
+          </a:xfrm>
+          <a:prstGeom prst="rect">
+            <a:avLst/>
+          </a:prstGeom>
+          <a:noFill/>
+        </p:spPr>
+        <p:txBody>
+          <a:bodyPr wrap="square" rtlCol="false">
+            <a:spAutoFit/>
+          </a:bodyPr>
+          <a:lstStyle/>
+          <a:p>
+            <a:r>
+              <a:rPr sz="1600">
+                <a:solidFill>
+                  <a:prstClr val="gray"/>
+                </a:solidFill>
+              </a:rPr>
+              <a:t>silik yazı </a:t>
+            </a:r>
+          </a:p>
+        </p:txBody>
+      </p:sp>
+      <p:sp>
+        <p:nvSpPr>
+          <p:cNvPr id="45" name="TextBox 44"/>
+          <p:cNvSpPr txBox="true"/>
+          <p:nvPr/>
+        </p:nvSpPr>
+        <p:spPr>
+          <a:xfrm>
+            <a:off x="10800000" y="5706000"/>
+            <a:ext cx="900000" cy="360000"/>
+          </a:xfrm>
+          <a:prstGeom prst="rect">
+            <a:avLst/>
+          </a:prstGeom>
+          <a:noFill/>
+        </p:spPr>
+        <p:txBody>
+          <a:bodyPr wrap="square" rtlCol="false">
+            <a:spAutoFit/>
+          </a:bodyPr>
+          <a:lstStyle/>
+          <a:p>
+            <a:r>
+              <a:rPr sz="1600"/>
+              <a:t>%43 </a:t>
+            </a:r>
+          </a:p>
+        </p:txBody>
+      </p:sp>
+      <p:sp>
+        <p:nvSpPr>
+          <p:cNvPr id="46" name="Rectangle 45"/>
+          <p:cNvSpPr/>
+          <p:nvPr/>
+        </p:nvSpPr>
+        <p:spPr>
+          <a:xfrm>
+            <a:off x="7200000" y="5760000"/>
+            <a:ext cx="1440000" cy="252000"/>
+          </a:xfrm>
+          <a:prstGeom prst="rect">
+            <a:avLst/>
+          </a:prstGeom>
+          <a:solidFill>
+            <a:srgbClr val="9BB528"/>
+          </a:solidFill>
+        </p:spPr>
+        <p:style>
+          <a:lnRef idx="2">
+            <a:schemeClr val="accent1">
+              <a:shade val="50000"/>
+            </a:schemeClr>
+          </a:lnRef>
+          <a:fillRef idx="1">
+            <a:schemeClr val="accent1"/>
+          </a:fillRef>
+          <a:effectRef idx="0">
+            <a:schemeClr val="accent1"/>
+          </a:effectRef>
+          <a:fontRef idx="minor">
+            <a:schemeClr val="lt1"/>
+          </a:fontRef>
+        </p:style>
+        <p:txBody>
+          <a:bodyPr anchor="ctr" rtlCol="false"/>
+          <a:lstStyle/>
+          <a:p>
+            <a:pPr algn="ctr"/>
+          </a:p>
+        </p:txBody>
+      </p:sp>
+      <p:sp>
+        <p:nvSpPr>
+          <p:cNvPr id="47" name="Rectangle 46"/>
+          <p:cNvSpPr/>
+          <p:nvPr/>
+        </p:nvSpPr>
+        <p:spPr>
+          <a:xfrm>
+            <a:off x="8640000" y="5760000"/>
+            <a:ext cx="720000" cy="252000"/>
+          </a:xfrm>
+          <a:prstGeom prst="rect">
+            <a:avLst/>
+          </a:prstGeom>
+          <a:solidFill>
+            <a:prstClr val="brown"/>
+          </a:solidFill>
+        </p:spPr>
+        <p:style>
+          <a:lnRef idx="2">
+            <a:schemeClr val="accent1">
+              <a:shade val="50000"/>
+            </a:schemeClr>
+          </a:lnRef>
+          <a:fillRef idx="1">
+            <a:schemeClr val="accent1"/>
+          </a:fillRef>
+          <a:effectRef idx="0">
+            <a:schemeClr val="accent1"/>
+          </a:effectRef>
+          <a:fontRef idx="minor">
+            <a:schemeClr val="lt1"/>
+          </a:fontRef>
+        </p:style>
+        <p:txBody>
+          <a:bodyPr anchor="ctr" rtlCol="false"/>
+          <a:lstStyle/>
+          <a:p>
+            <a:pPr algn="ctr"/>
+          </a:p>
+        </p:txBody>
+      </p:sp>
+    </p:spTree>
+  </p:cSld>
+  <p:clrMapOvr>
+    <a:masterClrMapping/>
+  </p:clrMapOvr>
+</p:sld>
+</file>
+
+<file path=ppt/slides/slide4.xml><?xml version="1.0" encoding="utf-8"?>
+<p:sld xmlns:r="http://schemas.openxmlformats.org/officeDocument/2006/relationships" xmlns:a="http://schemas.openxmlformats.org/drawingml/2006/main" xmlns:p="http://schemas.openxmlformats.org/presentationml/2006/main">
+  <p:cSld>
+    <p:spTree>
+      <p:nvGrpSpPr>
+        <p:cNvPr id="1" name=""/>
+        <p:cNvGrpSpPr/>
+        <p:nvPr/>
+      </p:nvGrpSpPr>
+      <p:grpSpPr>
+        <a:xfrm>
+          <a:off x="0" y="0"/>
+          <a:ext cx="0" cy="0"/>
+          <a:chOff x="0" y="0"/>
+          <a:chExt cx="0" cy="0"/>
+        </a:xfrm>
+      </p:grpSpPr>
+      <p:sp>
+        <p:nvSpPr>
+          <p:cNvPr id="2" name="TextBox 1"/>
+          <p:cNvSpPr txBox="true"/>
+          <p:nvPr/>
+        </p:nvSpPr>
+        <p:spPr>
+          <a:xfrm>
+            <a:off x="720000" y="720000"/>
+            <a:ext cx="3600000" cy="1080000"/>
+          </a:xfrm>
+          <a:prstGeom prst="rect">
+            <a:avLst/>
+          </a:prstGeom>
+          <a:noFill/>
+        </p:spPr>
+        <p:txBody>
+          <a:bodyPr wrap="square" rtlCol="false">
+            <a:spAutoFit/>
+          </a:bodyPr>
+          <a:lstStyle/>
+          <a:p>
+            <a:r>
+              <a:t>DEĞİŞİR BURALAR </a:t>
+            </a:r>
+          </a:p>
+        </p:txBody>
+      </p:sp>
+      <p:sp>
+        <p:nvSpPr>
+          <p:cNvPr id="3" name="Rectangle 2"/>
+          <p:cNvSpPr/>
+          <p:nvPr/>
+        </p:nvSpPr>
+        <p:spPr>
+          <a:xfrm>
+            <a:off x="720000" y="3600000"/>
+            <a:ext cx="3600000" cy="252000"/>
+          </a:xfrm>
+          <a:prstGeom prst="rect">
+            <a:avLst/>
+          </a:prstGeom>
+          <a:solidFill>
+            <a:srgbClr val="E8E8E8"/>
+          </a:solidFill>
+        </p:spPr>
+        <p:style>
+          <a:lnRef idx="2">
+            <a:schemeClr val="accent1">
+              <a:shade val="50000"/>
+            </a:schemeClr>
+          </a:lnRef>
+          <a:fillRef idx="1">
+            <a:schemeClr val="accent1"/>
+          </a:fillRef>
+          <a:effectRef idx="0">
+            <a:schemeClr val="accent1"/>
+          </a:effectRef>
+          <a:fontRef idx="minor">
+            <a:schemeClr val="lt1"/>
+          </a:fontRef>
+        </p:style>
+        <p:txBody>
+          <a:bodyPr anchor="ctr" rtlCol="false"/>
+          <a:lstStyle/>
+          <a:p>
+            <a:pPr algn="ctr"/>
+          </a:p>
+        </p:txBody>
+      </p:sp>
+      <p:sp>
+        <p:nvSpPr>
+          <p:cNvPr id="4" name="TextBox 3"/>
+          <p:cNvSpPr txBox="true"/>
+          <p:nvPr/>
+        </p:nvSpPr>
+        <p:spPr>
+          <a:xfrm>
+            <a:off x="720000" y="3240000"/>
+            <a:ext cx="1692000" cy="252000"/>
+          </a:xfrm>
+          <a:prstGeom prst="rect">
+            <a:avLst/>
+          </a:prstGeom>
+          <a:noFill/>
+        </p:spPr>
+        <p:txBody>
+          <a:bodyPr wrap="square" rtlCol="false">
+            <a:spAutoFit/>
+          </a:bodyPr>
+          <a:lstStyle/>
+          <a:p>
+            <a:r>
+              <a:rPr sz="2000"/>
+              <a:t>sentiment adı </a:t>
+            </a:r>
+          </a:p>
+        </p:txBody>
+      </p:sp>
+      <p:sp>
+        <p:nvSpPr>
+          <p:cNvPr id="5" name="TextBox 4"/>
+          <p:cNvSpPr txBox="true"/>
+          <p:nvPr/>
+        </p:nvSpPr>
+        <p:spPr>
+          <a:xfrm>
+            <a:off x="2232000" y="3294000"/>
+            <a:ext cx="1080000" cy="360000"/>
+          </a:xfrm>
+          <a:prstGeom prst="rect">
+            <a:avLst/>
+          </a:prstGeom>
+          <a:noFill/>
+        </p:spPr>
+        <p:txBody>
+          <a:bodyPr wrap="square" rtlCol="false">
+            <a:spAutoFit/>
+          </a:bodyPr>
+          <a:lstStyle/>
+          <a:p>
+            <a:r>
+              <a:rPr sz="1600">
+                <a:solidFill>
+                  <a:prstClr val="gray"/>
+                </a:solidFill>
+              </a:rPr>
+              <a:t>silik yazı </a:t>
+            </a:r>
+          </a:p>
+        </p:txBody>
+      </p:sp>
+      <p:sp>
+        <p:nvSpPr>
+          <p:cNvPr id="6" name="TextBox 5"/>
+          <p:cNvSpPr txBox="true"/>
+          <p:nvPr/>
+        </p:nvSpPr>
+        <p:spPr>
+          <a:xfrm>
+            <a:off x="4320000" y="3546000"/>
+            <a:ext cx="900000" cy="180000"/>
+          </a:xfrm>
+          <a:prstGeom prst="rect">
+            <a:avLst/>
+          </a:prstGeom>
+          <a:noFill/>
+        </p:spPr>
+        <p:txBody>
+          <a:bodyPr wrap="square" rtlCol="false">
+            <a:spAutoFit/>
+          </a:bodyPr>
+          <a:lstStyle/>
+          <a:p>
+            <a:r>
+              <a:rPr sz="1600"/>
+              <a:t>%43 </a:t>
+            </a:r>
+          </a:p>
+        </p:txBody>
+      </p:sp>
+      <p:sp>
+        <p:nvSpPr>
+          <p:cNvPr id="7" name="Rectangle 6"/>
+          <p:cNvSpPr/>
+          <p:nvPr/>
+        </p:nvSpPr>
+        <p:spPr>
+          <a:xfrm>
+            <a:off x="720000" y="3600000"/>
+            <a:ext cx="1440000" cy="252000"/>
+          </a:xfrm>
+          <a:prstGeom prst="rect">
+            <a:avLst/>
+          </a:prstGeom>
+          <a:solidFill>
+            <a:prstClr val="orange"/>
+          </a:solidFill>
+        </p:spPr>
+        <p:style>
+          <a:lnRef idx="2">
+            <a:schemeClr val="accent1">
+              <a:shade val="50000"/>
+            </a:schemeClr>
+          </a:lnRef>
+          <a:fillRef idx="1">
+            <a:schemeClr val="accent1"/>
+          </a:fillRef>
+          <a:effectRef idx="0">
+            <a:schemeClr val="accent1"/>
+          </a:effectRef>
+          <a:fontRef idx="minor">
+            <a:schemeClr val="lt1"/>
+          </a:fontRef>
+        </p:style>
+        <p:txBody>
+          <a:bodyPr anchor="ctr" rtlCol="false"/>
+          <a:lstStyle/>
+          <a:p>
+            <a:pPr algn="ctr"/>
+          </a:p>
+        </p:txBody>
+      </p:sp>
+      <p:sp>
+        <p:nvSpPr>
+          <p:cNvPr id="8" name="Rectangle 7"/>
+          <p:cNvSpPr/>
+          <p:nvPr/>
+        </p:nvSpPr>
+        <p:spPr>
+          <a:xfrm>
+            <a:off x="720000" y="4320000"/>
+            <a:ext cx="3600000" cy="252000"/>
+          </a:xfrm>
+          <a:prstGeom prst="rect">
+            <a:avLst/>
+          </a:prstGeom>
+          <a:solidFill>
+            <a:srgbClr val="E8E8E8"/>
+          </a:solidFill>
+        </p:spPr>
+        <p:style>
+          <a:lnRef idx="2">
+            <a:schemeClr val="accent1">
+              <a:shade val="50000"/>
+            </a:schemeClr>
+          </a:lnRef>
+          <a:fillRef idx="1">
+            <a:schemeClr val="accent1"/>
+          </a:fillRef>
+          <a:effectRef idx="0">
+            <a:schemeClr val="accent1"/>
+          </a:effectRef>
+          <a:fontRef idx="minor">
+            <a:schemeClr val="lt1"/>
+          </a:fontRef>
+        </p:style>
+        <p:txBody>
+          <a:bodyPr anchor="ctr" rtlCol="false"/>
+          <a:lstStyle/>
+          <a:p>
+            <a:pPr algn="ctr"/>
+          </a:p>
+        </p:txBody>
+      </p:sp>
+      <p:sp>
+        <p:nvSpPr>
+          <p:cNvPr id="9" name="TextBox 8"/>
+          <p:cNvSpPr txBox="true"/>
+          <p:nvPr/>
+        </p:nvSpPr>
+        <p:spPr>
+          <a:xfrm>
+            <a:off x="720000" y="3960000"/>
+            <a:ext cx="1692000" cy="252000"/>
+          </a:xfrm>
+          <a:prstGeom prst="rect">
+            <a:avLst/>
+          </a:prstGeom>
+          <a:noFill/>
+        </p:spPr>
+        <p:txBody>
+          <a:bodyPr wrap="square" rtlCol="false">
+            <a:spAutoFit/>
+          </a:bodyPr>
+          <a:lstStyle/>
+          <a:p>
+            <a:r>
+              <a:rPr sz="2000"/>
+              <a:t>sentiment adı </a:t>
+            </a:r>
+          </a:p>
+        </p:txBody>
+      </p:sp>
+      <p:sp>
+        <p:nvSpPr>
+          <p:cNvPr id="10" name="TextBox 9"/>
+          <p:cNvSpPr txBox="true"/>
+          <p:nvPr/>
+        </p:nvSpPr>
+        <p:spPr>
+          <a:xfrm>
+            <a:off x="2232000" y="4014000"/>
+            <a:ext cx="1080000" cy="360000"/>
+          </a:xfrm>
+          <a:prstGeom prst="rect">
+            <a:avLst/>
+          </a:prstGeom>
+          <a:noFill/>
+        </p:spPr>
+        <p:txBody>
+          <a:bodyPr wrap="square" rtlCol="false">
+            <a:spAutoFit/>
+          </a:bodyPr>
+          <a:lstStyle/>
+          <a:p>
+            <a:r>
+              <a:rPr sz="1600">
+                <a:solidFill>
+                  <a:prstClr val="gray"/>
+                </a:solidFill>
+              </a:rPr>
+              <a:t>silik yazı </a:t>
+            </a:r>
+          </a:p>
+        </p:txBody>
+      </p:sp>
+      <p:sp>
+        <p:nvSpPr>
+          <p:cNvPr id="11" name="TextBox 10"/>
+          <p:cNvSpPr txBox="true"/>
+          <p:nvPr/>
+        </p:nvSpPr>
+        <p:spPr>
+          <a:xfrm>
+            <a:off x="4320000" y="4266000"/>
+            <a:ext cx="900000" cy="180000"/>
+          </a:xfrm>
+          <a:prstGeom prst="rect">
+            <a:avLst/>
+          </a:prstGeom>
+          <a:noFill/>
+        </p:spPr>
+        <p:txBody>
+          <a:bodyPr wrap="square" rtlCol="false">
+            <a:spAutoFit/>
+          </a:bodyPr>
+          <a:lstStyle/>
+          <a:p>
+            <a:r>
+              <a:rPr sz="1600"/>
+              <a:t>%43 </a:t>
+            </a:r>
+          </a:p>
+        </p:txBody>
+      </p:sp>
+      <p:sp>
+        <p:nvSpPr>
+          <p:cNvPr id="12" name="Rectangle 11"/>
+          <p:cNvSpPr/>
+          <p:nvPr/>
+        </p:nvSpPr>
+        <p:spPr>
+          <a:xfrm>
+            <a:off x="720000" y="4320000"/>
+            <a:ext cx="1440000" cy="252000"/>
+          </a:xfrm>
+          <a:prstGeom prst="rect">
+            <a:avLst/>
+          </a:prstGeom>
+          <a:solidFill>
+            <a:prstClr val="orange"/>
+          </a:solidFill>
+        </p:spPr>
+        <p:style>
+          <a:lnRef idx="2">
+            <a:schemeClr val="accent1">
+              <a:shade val="50000"/>
+            </a:schemeClr>
+          </a:lnRef>
+          <a:fillRef idx="1">
+            <a:schemeClr val="accent1"/>
+          </a:fillRef>
+          <a:effectRef idx="0">
+            <a:schemeClr val="accent1"/>
+          </a:effectRef>
+          <a:fontRef idx="minor">
+            <a:schemeClr val="lt1"/>
+          </a:fontRef>
+        </p:style>
+        <p:txBody>
+          <a:bodyPr anchor="ctr" rtlCol="false"/>
+          <a:lstStyle/>
+          <a:p>
+            <a:pPr algn="ctr"/>
+          </a:p>
+        </p:txBody>
+      </p:sp>
+      <p:sp>
+        <p:nvSpPr>
+          <p:cNvPr id="13" name="Rectangle 12"/>
+          <p:cNvSpPr/>
+          <p:nvPr/>
+        </p:nvSpPr>
+        <p:spPr>
+          <a:xfrm>
+            <a:off x="720000" y="5040000"/>
+            <a:ext cx="3600000" cy="252000"/>
+          </a:xfrm>
+          <a:prstGeom prst="rect">
+            <a:avLst/>
+          </a:prstGeom>
+          <a:solidFill>
+            <a:srgbClr val="E8E8E8"/>
+          </a:solidFill>
+        </p:spPr>
+        <p:style>
+          <a:lnRef idx="2">
+            <a:schemeClr val="accent1">
+              <a:shade val="50000"/>
+            </a:schemeClr>
+          </a:lnRef>
+          <a:fillRef idx="1">
+            <a:schemeClr val="accent1"/>
+          </a:fillRef>
+          <a:effectRef idx="0">
+            <a:schemeClr val="accent1"/>
+          </a:effectRef>
+          <a:fontRef idx="minor">
+            <a:schemeClr val="lt1"/>
+          </a:fontRef>
+        </p:style>
+        <p:txBody>
+          <a:bodyPr anchor="ctr" rtlCol="false"/>
+          <a:lstStyle/>
+          <a:p>
+            <a:pPr algn="ctr"/>
+          </a:p>
+        </p:txBody>
+      </p:sp>
+      <p:sp>
+        <p:nvSpPr>
+          <p:cNvPr id="14" name="TextBox 13"/>
+          <p:cNvSpPr txBox="true"/>
+          <p:nvPr/>
+        </p:nvSpPr>
+        <p:spPr>
+          <a:xfrm>
+            <a:off x="720000" y="4680000"/>
+            <a:ext cx="1692000" cy="252000"/>
+          </a:xfrm>
+          <a:prstGeom prst="rect">
+            <a:avLst/>
+          </a:prstGeom>
+          <a:noFill/>
+        </p:spPr>
+        <p:txBody>
+          <a:bodyPr wrap="square" rtlCol="false">
+            <a:spAutoFit/>
+          </a:bodyPr>
+          <a:lstStyle/>
+          <a:p>
+            <a:r>
+              <a:rPr sz="2000"/>
+              <a:t>sentiment adı </a:t>
+            </a:r>
+          </a:p>
+        </p:txBody>
+      </p:sp>
+      <p:sp>
+        <p:nvSpPr>
+          <p:cNvPr id="15" name="TextBox 14"/>
+          <p:cNvSpPr txBox="true"/>
+          <p:nvPr/>
+        </p:nvSpPr>
+        <p:spPr>
+          <a:xfrm>
+            <a:off x="2232000" y="4734000"/>
+            <a:ext cx="1080000" cy="360000"/>
+          </a:xfrm>
+          <a:prstGeom prst="rect">
+            <a:avLst/>
+          </a:prstGeom>
+          <a:noFill/>
+        </p:spPr>
+        <p:txBody>
+          <a:bodyPr wrap="square" rtlCol="false">
+            <a:spAutoFit/>
+          </a:bodyPr>
+          <a:lstStyle/>
+          <a:p>
+            <a:r>
+              <a:rPr sz="1600">
+                <a:solidFill>
+                  <a:prstClr val="gray"/>
+                </a:solidFill>
+              </a:rPr>
+              <a:t>silik yazı </a:t>
+            </a:r>
+          </a:p>
+        </p:txBody>
+      </p:sp>
+      <p:sp>
+        <p:nvSpPr>
+          <p:cNvPr id="16" name="TextBox 15"/>
+          <p:cNvSpPr txBox="true"/>
+          <p:nvPr/>
+        </p:nvSpPr>
+        <p:spPr>
+          <a:xfrm>
+            <a:off x="4320000" y="4986000"/>
+            <a:ext cx="900000" cy="180000"/>
+          </a:xfrm>
+          <a:prstGeom prst="rect">
+            <a:avLst/>
+          </a:prstGeom>
+          <a:noFill/>
+        </p:spPr>
+        <p:txBody>
+          <a:bodyPr wrap="square" rtlCol="false">
+            <a:spAutoFit/>
+          </a:bodyPr>
+          <a:lstStyle/>
+          <a:p>
+            <a:r>
+              <a:rPr sz="1600"/>
+              <a:t>%43 </a:t>
+            </a:r>
+          </a:p>
+        </p:txBody>
+      </p:sp>
+      <p:sp>
+        <p:nvSpPr>
+          <p:cNvPr id="17" name="Rectangle 16"/>
+          <p:cNvSpPr/>
+          <p:nvPr/>
+        </p:nvSpPr>
+        <p:spPr>
+          <a:xfrm>
+            <a:off x="720000" y="5040000"/>
+            <a:ext cx="1440000" cy="252000"/>
+          </a:xfrm>
+          <a:prstGeom prst="rect">
+            <a:avLst/>
+          </a:prstGeom>
+          <a:solidFill>
+            <a:prstClr val="orange"/>
+          </a:solidFill>
+        </p:spPr>
+        <p:style>
+          <a:lnRef idx="2">
+            <a:schemeClr val="accent1">
+              <a:shade val="50000"/>
+            </a:schemeClr>
+          </a:lnRef>
+          <a:fillRef idx="1">
+            <a:schemeClr val="accent1"/>
+          </a:fillRef>
+          <a:effectRef idx="0">
+            <a:schemeClr val="accent1"/>
+          </a:effectRef>
+          <a:fontRef idx="minor">
+            <a:schemeClr val="lt1"/>
+          </a:fontRef>
+        </p:style>
+        <p:txBody>
+          <a:bodyPr anchor="ctr" rtlCol="false"/>
+          <a:lstStyle/>
+          <a:p>
+            <a:pPr algn="ctr"/>
+          </a:p>
+        </p:txBody>
+      </p:sp>
+      <p:sp>
+        <p:nvSpPr>
+          <p:cNvPr id="18" name="Rectangle 17"/>
+          <p:cNvSpPr/>
+          <p:nvPr/>
+        </p:nvSpPr>
+        <p:spPr>
+          <a:xfrm>
+            <a:off x="720000" y="5760000"/>
+            <a:ext cx="3600000" cy="252000"/>
+          </a:xfrm>
+          <a:prstGeom prst="rect">
+            <a:avLst/>
+          </a:prstGeom>
+          <a:solidFill>
+            <a:srgbClr val="E8E8E8"/>
+          </a:solidFill>
+        </p:spPr>
+        <p:style>
+          <a:lnRef idx="2">
+            <a:schemeClr val="accent1">
+              <a:shade val="50000"/>
+            </a:schemeClr>
+          </a:lnRef>
+          <a:fillRef idx="1">
+            <a:schemeClr val="accent1"/>
+          </a:fillRef>
+          <a:effectRef idx="0">
+            <a:schemeClr val="accent1"/>
+          </a:effectRef>
+          <a:fontRef idx="minor">
+            <a:schemeClr val="lt1"/>
+          </a:fontRef>
+        </p:style>
+        <p:txBody>
+          <a:bodyPr anchor="ctr" rtlCol="false"/>
+          <a:lstStyle/>
+          <a:p>
+            <a:pPr algn="ctr"/>
+          </a:p>
+        </p:txBody>
+      </p:sp>
+      <p:sp>
+        <p:nvSpPr>
+          <p:cNvPr id="19" name="TextBox 18"/>
+          <p:cNvSpPr txBox="true"/>
+          <p:nvPr/>
+        </p:nvSpPr>
+        <p:spPr>
+          <a:xfrm>
+            <a:off x="720000" y="5400000"/>
+            <a:ext cx="1692000" cy="252000"/>
+          </a:xfrm>
+          <a:prstGeom prst="rect">
+            <a:avLst/>
+          </a:prstGeom>
+          <a:noFill/>
+        </p:spPr>
+        <p:txBody>
+          <a:bodyPr wrap="square" rtlCol="false">
+            <a:spAutoFit/>
+          </a:bodyPr>
+          <a:lstStyle/>
+          <a:p>
+            <a:r>
+              <a:rPr sz="2000"/>
+              <a:t>sentiment adı </a:t>
+            </a:r>
+          </a:p>
+        </p:txBody>
+      </p:sp>
+      <p:sp>
+        <p:nvSpPr>
+          <p:cNvPr id="20" name="TextBox 19"/>
+          <p:cNvSpPr txBox="true"/>
+          <p:nvPr/>
+        </p:nvSpPr>
+        <p:spPr>
+          <a:xfrm>
+            <a:off x="2232000" y="5454000"/>
+            <a:ext cx="1080000" cy="360000"/>
+          </a:xfrm>
+          <a:prstGeom prst="rect">
+            <a:avLst/>
+          </a:prstGeom>
+          <a:noFill/>
+        </p:spPr>
+        <p:txBody>
+          <a:bodyPr wrap="square" rtlCol="false">
+            <a:spAutoFit/>
+          </a:bodyPr>
+          <a:lstStyle/>
+          <a:p>
+            <a:r>
+              <a:rPr sz="1600">
+                <a:solidFill>
+                  <a:prstClr val="gray"/>
+                </a:solidFill>
+              </a:rPr>
+              <a:t>silik yazı </a:t>
+            </a:r>
+          </a:p>
+        </p:txBody>
+      </p:sp>
+      <p:sp>
+        <p:nvSpPr>
+          <p:cNvPr id="21" name="TextBox 20"/>
+          <p:cNvSpPr txBox="true"/>
+          <p:nvPr/>
+        </p:nvSpPr>
+        <p:spPr>
+          <a:xfrm>
+            <a:off x="4320000" y="5706000"/>
+            <a:ext cx="900000" cy="180000"/>
+          </a:xfrm>
+          <a:prstGeom prst="rect">
+            <a:avLst/>
+          </a:prstGeom>
+          <a:noFill/>
+        </p:spPr>
+        <p:txBody>
+          <a:bodyPr wrap="square" rtlCol="false">
+            <a:spAutoFit/>
+          </a:bodyPr>
+          <a:lstStyle/>
+          <a:p>
+            <a:r>
+              <a:rPr sz="1600"/>
+              <a:t>%43 </a:t>
+            </a:r>
+          </a:p>
+        </p:txBody>
+      </p:sp>
+      <p:sp>
+        <p:nvSpPr>
+          <p:cNvPr id="22" name="Rectangle 21"/>
+          <p:cNvSpPr/>
+          <p:nvPr/>
+        </p:nvSpPr>
+        <p:spPr>
+          <a:xfrm>
+            <a:off x="720000" y="5760000"/>
+            <a:ext cx="1440000" cy="252000"/>
+          </a:xfrm>
+          <a:prstGeom prst="rect">
+            <a:avLst/>
+          </a:prstGeom>
+          <a:solidFill>
+            <a:prstClr val="orange"/>
+          </a:solidFill>
+        </p:spPr>
+        <p:style>
+          <a:lnRef idx="2">
+            <a:schemeClr val="accent1">
+              <a:shade val="50000"/>
+            </a:schemeClr>
+          </a:lnRef>
+          <a:fillRef idx="1">
+            <a:schemeClr val="accent1"/>
+          </a:fillRef>
+          <a:effectRef idx="0">
+            <a:schemeClr val="accent1"/>
+          </a:effectRef>
+          <a:fontRef idx="minor">
+            <a:schemeClr val="lt1"/>
+          </a:fontRef>
+        </p:style>
+        <p:txBody>
+          <a:bodyPr anchor="ctr" rtlCol="false"/>
+          <a:lstStyle/>
+          <a:p>
+            <a:pPr algn="ctr"/>
+          </a:p>
+        </p:txBody>
+      </p:sp>
+      <p:sp>
+        <p:nvSpPr>
+          <p:cNvPr id="23" name="Rectangle 22"/>
+          <p:cNvSpPr/>
+          <p:nvPr/>
+        </p:nvSpPr>
+        <p:spPr>
+          <a:xfrm>
+            <a:off x="5940000" y="3240000"/>
+            <a:ext cx="3600" cy="3240000"/>
+          </a:xfrm>
+          <a:prstGeom prst="rect">
+            <a:avLst/>
+          </a:prstGeom>
+          <a:solidFill>
+            <a:prstClr val="ltGrey"/>
+          </a:solidFill>
+        </p:spPr>
+        <p:style>
+          <a:lnRef idx="2">
+            <a:schemeClr val="accent1">
+              <a:shade val="50000"/>
+            </a:schemeClr>
+          </a:lnRef>
+          <a:fillRef idx="1">
+            <a:schemeClr val="accent1"/>
+          </a:fillRef>
+          <a:effectRef idx="0">
+            <a:schemeClr val="accent1"/>
+          </a:effectRef>
+          <a:fontRef idx="minor">
+            <a:schemeClr val="lt1"/>
+          </a:fontRef>
+        </p:style>
+        <p:txBody>
+          <a:bodyPr anchor="ctr" rtlCol="false"/>
+          <a:lstStyle/>
+          <a:p>
+            <a:pPr algn="ctr"/>
+          </a:p>
+        </p:txBody>
+      </p:sp>
+      <p:sp>
+        <p:nvSpPr>
+          <p:cNvPr id="24" name="Rectangle 23"/>
+          <p:cNvSpPr/>
+          <p:nvPr/>
+        </p:nvSpPr>
+        <p:spPr>
+          <a:xfrm>
+            <a:off x="7200000" y="3600000"/>
+            <a:ext cx="3600000" cy="252000"/>
+          </a:xfrm>
+          <a:prstGeom prst="rect">
+            <a:avLst/>
+          </a:prstGeom>
+          <a:solidFill>
+            <a:srgbClr val="807D7E"/>
+          </a:solidFill>
+        </p:spPr>
+        <p:style>
+          <a:lnRef idx="2">
+            <a:schemeClr val="accent1">
+              <a:shade val="50000"/>
+            </a:schemeClr>
+          </a:lnRef>
+          <a:fillRef idx="1">
+            <a:schemeClr val="accent1"/>
+          </a:fillRef>
+          <a:effectRef idx="0">
+            <a:schemeClr val="accent1"/>
+          </a:effectRef>
+          <a:fontRef idx="minor">
+            <a:schemeClr val="lt1"/>
+          </a:fontRef>
+        </p:style>
+        <p:txBody>
+          <a:bodyPr anchor="ctr" rtlCol="false"/>
+          <a:lstStyle/>
+          <a:p>
+            <a:pPr algn="ctr"/>
+          </a:p>
+        </p:txBody>
+      </p:sp>
+      <p:sp>
+        <p:nvSpPr>
+          <p:cNvPr id="25" name="TextBox 24"/>
+          <p:cNvSpPr txBox="true"/>
+          <p:nvPr/>
+        </p:nvSpPr>
+        <p:spPr>
+          <a:xfrm>
+            <a:off x="7200000" y="3240000"/>
+            <a:ext cx="1692000" cy="252000"/>
+          </a:xfrm>
+          <a:prstGeom prst="rect">
+            <a:avLst/>
+          </a:prstGeom>
+          <a:noFill/>
+        </p:spPr>
+        <p:txBody>
+          <a:bodyPr wrap="square" rtlCol="false">
+            <a:spAutoFit/>
+          </a:bodyPr>
+          <a:lstStyle/>
+          <a:p>
+            <a:r>
+              <a:rPr sz="2000"/>
+              <a:t>sentiment adı </a:t>
+            </a:r>
+          </a:p>
+        </p:txBody>
+      </p:sp>
+      <p:sp>
+        <p:nvSpPr>
+          <p:cNvPr id="26" name="TextBox 25"/>
+          <p:cNvSpPr txBox="true"/>
+          <p:nvPr/>
+        </p:nvSpPr>
+        <p:spPr>
+          <a:xfrm>
+            <a:off x="8712000" y="3294000"/>
+            <a:ext cx="1080000" cy="360000"/>
+          </a:xfrm>
+          <a:prstGeom prst="rect">
+            <a:avLst/>
+          </a:prstGeom>
+          <a:noFill/>
+        </p:spPr>
+        <p:txBody>
+          <a:bodyPr wrap="square" rtlCol="false">
+            <a:spAutoFit/>
+          </a:bodyPr>
+          <a:lstStyle/>
+          <a:p>
+            <a:r>
+              <a:rPr sz="1600">
+                <a:solidFill>
+                  <a:prstClr val="gray"/>
+                </a:solidFill>
+              </a:rPr>
+              <a:t>silik yazı </a:t>
+            </a:r>
+          </a:p>
+        </p:txBody>
+      </p:sp>
+      <p:sp>
+        <p:nvSpPr>
+          <p:cNvPr id="27" name="TextBox 26"/>
+          <p:cNvSpPr txBox="true"/>
+          <p:nvPr/>
+        </p:nvSpPr>
+        <p:spPr>
+          <a:xfrm>
+            <a:off x="10800000" y="3546000"/>
+            <a:ext cx="900000" cy="360000"/>
+          </a:xfrm>
+          <a:prstGeom prst="rect">
+            <a:avLst/>
+          </a:prstGeom>
+          <a:noFill/>
+        </p:spPr>
+        <p:txBody>
+          <a:bodyPr wrap="square" rtlCol="false">
+            <a:spAutoFit/>
+          </a:bodyPr>
+          <a:lstStyle/>
+          <a:p>
+            <a:r>
+              <a:rPr sz="1600"/>
+              <a:t>%43 </a:t>
+            </a:r>
+          </a:p>
+        </p:txBody>
+      </p:sp>
+      <p:sp>
+        <p:nvSpPr>
+          <p:cNvPr id="28" name="Rectangle 27"/>
+          <p:cNvSpPr/>
+          <p:nvPr/>
+        </p:nvSpPr>
+        <p:spPr>
+          <a:xfrm>
+            <a:off x="7200000" y="3600000"/>
+            <a:ext cx="1440000" cy="252000"/>
+          </a:xfrm>
+          <a:prstGeom prst="rect">
+            <a:avLst/>
+          </a:prstGeom>
+          <a:solidFill>
+            <a:srgbClr val="9BB528"/>
+          </a:solidFill>
+        </p:spPr>
+        <p:style>
+          <a:lnRef idx="2">
+            <a:schemeClr val="accent1">
+              <a:shade val="50000"/>
+            </a:schemeClr>
+          </a:lnRef>
+          <a:fillRef idx="1">
+            <a:schemeClr val="accent1"/>
+          </a:fillRef>
+          <a:effectRef idx="0">
+            <a:schemeClr val="accent1"/>
+          </a:effectRef>
+          <a:fontRef idx="minor">
+            <a:schemeClr val="lt1"/>
+          </a:fontRef>
+        </p:style>
+        <p:txBody>
+          <a:bodyPr anchor="ctr" rtlCol="false"/>
+          <a:lstStyle/>
+          <a:p>
+            <a:pPr algn="ctr"/>
+          </a:p>
+        </p:txBody>
+      </p:sp>
+      <p:sp>
+        <p:nvSpPr>
+          <p:cNvPr id="29" name="Rectangle 28"/>
+          <p:cNvSpPr/>
+          <p:nvPr/>
+        </p:nvSpPr>
+        <p:spPr>
+          <a:xfrm>
+            <a:off x="8640000" y="3600000"/>
+            <a:ext cx="720000" cy="252000"/>
+          </a:xfrm>
+          <a:prstGeom prst="rect">
+            <a:avLst/>
+          </a:prstGeom>
+          <a:solidFill>
+            <a:prstClr val="brown"/>
+          </a:solidFill>
+        </p:spPr>
+        <p:style>
+          <a:lnRef idx="2">
+            <a:schemeClr val="accent1">
+              <a:shade val="50000"/>
+            </a:schemeClr>
+          </a:lnRef>
+          <a:fillRef idx="1">
+            <a:schemeClr val="accent1"/>
+          </a:fillRef>
+          <a:effectRef idx="0">
+            <a:schemeClr val="accent1"/>
+          </a:effectRef>
+          <a:fontRef idx="minor">
+            <a:schemeClr val="lt1"/>
+          </a:fontRef>
+        </p:style>
+        <p:txBody>
+          <a:bodyPr anchor="ctr" rtlCol="false"/>
+          <a:lstStyle/>
+          <a:p>
+            <a:pPr algn="ctr"/>
+          </a:p>
+        </p:txBody>
+      </p:sp>
+      <p:sp>
+        <p:nvSpPr>
+          <p:cNvPr id="30" name="Rectangle 29"/>
+          <p:cNvSpPr/>
+          <p:nvPr/>
+        </p:nvSpPr>
+        <p:spPr>
+          <a:xfrm>
+            <a:off x="7200000" y="4320000"/>
+            <a:ext cx="3600000" cy="252000"/>
+          </a:xfrm>
+          <a:prstGeom prst="rect">
+            <a:avLst/>
+          </a:prstGeom>
+          <a:solidFill>
+            <a:srgbClr val="807D7E"/>
+          </a:solidFill>
+        </p:spPr>
+        <p:style>
+          <a:lnRef idx="2">
+            <a:schemeClr val="accent1">
+              <a:shade val="50000"/>
+            </a:schemeClr>
+          </a:lnRef>
+          <a:fillRef idx="1">
+            <a:schemeClr val="accent1"/>
+          </a:fillRef>
+          <a:effectRef idx="0">
+            <a:schemeClr val="accent1"/>
+          </a:effectRef>
+          <a:fontRef idx="minor">
+            <a:schemeClr val="lt1"/>
+          </a:fontRef>
+        </p:style>
+        <p:txBody>
+          <a:bodyPr anchor="ctr" rtlCol="false"/>
+          <a:lstStyle/>
+          <a:p>
+            <a:pPr algn="ctr"/>
+          </a:p>
+        </p:txBody>
+      </p:sp>
+      <p:sp>
+        <p:nvSpPr>
+          <p:cNvPr id="31" name="TextBox 30"/>
+          <p:cNvSpPr txBox="true"/>
+          <p:nvPr/>
+        </p:nvSpPr>
+        <p:spPr>
+          <a:xfrm>
+            <a:off x="7200000" y="3960000"/>
+            <a:ext cx="1692000" cy="252000"/>
+          </a:xfrm>
+          <a:prstGeom prst="rect">
+            <a:avLst/>
+          </a:prstGeom>
+          <a:noFill/>
+        </p:spPr>
+        <p:txBody>
+          <a:bodyPr wrap="square" rtlCol="false">
+            <a:spAutoFit/>
+          </a:bodyPr>
+          <a:lstStyle/>
+          <a:p>
+            <a:r>
+              <a:rPr sz="2000"/>
+              <a:t>sentiment adı </a:t>
+            </a:r>
+          </a:p>
+        </p:txBody>
+      </p:sp>
+      <p:sp>
+        <p:nvSpPr>
+          <p:cNvPr id="32" name="TextBox 31"/>
+          <p:cNvSpPr txBox="true"/>
+          <p:nvPr/>
+        </p:nvSpPr>
+        <p:spPr>
+          <a:xfrm>
+            <a:off x="8712000" y="4014000"/>
+            <a:ext cx="1080000" cy="360000"/>
+          </a:xfrm>
+          <a:prstGeom prst="rect">
+            <a:avLst/>
+          </a:prstGeom>
+          <a:noFill/>
+        </p:spPr>
+        <p:txBody>
+          <a:bodyPr wrap="square" rtlCol="false">
+            <a:spAutoFit/>
+          </a:bodyPr>
+          <a:lstStyle/>
+          <a:p>
+            <a:r>
+              <a:rPr sz="1600">
+                <a:solidFill>
+                  <a:prstClr val="gray"/>
+                </a:solidFill>
+              </a:rPr>
+              <a:t>silik yazı </a:t>
+            </a:r>
+          </a:p>
+        </p:txBody>
+      </p:sp>
+      <p:sp>
+        <p:nvSpPr>
+          <p:cNvPr id="33" name="TextBox 32"/>
+          <p:cNvSpPr txBox="true"/>
+          <p:nvPr/>
+        </p:nvSpPr>
+        <p:spPr>
+          <a:xfrm>
+            <a:off x="10800000" y="4266000"/>
+            <a:ext cx="900000" cy="360000"/>
+          </a:xfrm>
+          <a:prstGeom prst="rect">
+            <a:avLst/>
+          </a:prstGeom>
+          <a:noFill/>
+        </p:spPr>
+        <p:txBody>
+          <a:bodyPr wrap="square" rtlCol="false">
+            <a:spAutoFit/>
+          </a:bodyPr>
+          <a:lstStyle/>
+          <a:p>
+            <a:r>
+              <a:rPr sz="1600"/>
+              <a:t>%43 </a:t>
+            </a:r>
+          </a:p>
+        </p:txBody>
+      </p:sp>
+      <p:sp>
+        <p:nvSpPr>
+          <p:cNvPr id="34" name="Rectangle 33"/>
+          <p:cNvSpPr/>
+          <p:nvPr/>
+        </p:nvSpPr>
+        <p:spPr>
+          <a:xfrm>
+            <a:off x="7200000" y="4320000"/>
+            <a:ext cx="1440000" cy="252000"/>
+          </a:xfrm>
+          <a:prstGeom prst="rect">
+            <a:avLst/>
+          </a:prstGeom>
+          <a:solidFill>
+            <a:srgbClr val="9BB528"/>
+          </a:solidFill>
+        </p:spPr>
+        <p:style>
+          <a:lnRef idx="2">
+            <a:schemeClr val="accent1">
+              <a:shade val="50000"/>
+            </a:schemeClr>
+          </a:lnRef>
+          <a:fillRef idx="1">
+            <a:schemeClr val="accent1"/>
+          </a:fillRef>
+          <a:effectRef idx="0">
+            <a:schemeClr val="accent1"/>
+          </a:effectRef>
+          <a:fontRef idx="minor">
+            <a:schemeClr val="lt1"/>
+          </a:fontRef>
+        </p:style>
+        <p:txBody>
+          <a:bodyPr anchor="ctr" rtlCol="false"/>
+          <a:lstStyle/>
+          <a:p>
+            <a:pPr algn="ctr"/>
+          </a:p>
+        </p:txBody>
+      </p:sp>
+      <p:sp>
+        <p:nvSpPr>
+          <p:cNvPr id="35" name="Rectangle 34"/>
+          <p:cNvSpPr/>
+          <p:nvPr/>
+        </p:nvSpPr>
+        <p:spPr>
+          <a:xfrm>
+            <a:off x="8640000" y="4320000"/>
+            <a:ext cx="720000" cy="252000"/>
+          </a:xfrm>
+          <a:prstGeom prst="rect">
+            <a:avLst/>
+          </a:prstGeom>
+          <a:solidFill>
+            <a:prstClr val="brown"/>
+          </a:solidFill>
+        </p:spPr>
+        <p:style>
+          <a:lnRef idx="2">
+            <a:schemeClr val="accent1">
+              <a:shade val="50000"/>
+            </a:schemeClr>
+          </a:lnRef>
+          <a:fillRef idx="1">
+            <a:schemeClr val="accent1"/>
+          </a:fillRef>
+          <a:effectRef idx="0">
+            <a:schemeClr val="accent1"/>
+          </a:effectRef>
+          <a:fontRef idx="minor">
+            <a:schemeClr val="lt1"/>
+          </a:fontRef>
+        </p:style>
+        <p:txBody>
+          <a:bodyPr anchor="ctr" rtlCol="false"/>
+          <a:lstStyle/>
+          <a:p>
+            <a:pPr algn="ctr"/>
+          </a:p>
+        </p:txBody>
+      </p:sp>
+      <p:sp>
+        <p:nvSpPr>
+          <p:cNvPr id="36" name="Rectangle 35"/>
+          <p:cNvSpPr/>
+          <p:nvPr/>
+        </p:nvSpPr>
+        <p:spPr>
+          <a:xfrm>
+            <a:off x="7200000" y="5040000"/>
+            <a:ext cx="3600000" cy="252000"/>
+          </a:xfrm>
+          <a:prstGeom prst="rect">
+            <a:avLst/>
+          </a:prstGeom>
+          <a:solidFill>
+            <a:srgbClr val="807D7E"/>
+          </a:solidFill>
+        </p:spPr>
+        <p:style>
+          <a:lnRef idx="2">
+            <a:schemeClr val="accent1">
+              <a:shade val="50000"/>
+            </a:schemeClr>
+          </a:lnRef>
+          <a:fillRef idx="1">
+            <a:schemeClr val="accent1"/>
+          </a:fillRef>
+          <a:effectRef idx="0">
+            <a:schemeClr val="accent1"/>
+          </a:effectRef>
+          <a:fontRef idx="minor">
+            <a:schemeClr val="lt1"/>
+          </a:fontRef>
+        </p:style>
+        <p:txBody>
+          <a:bodyPr anchor="ctr" rtlCol="false"/>
+          <a:lstStyle/>
+          <a:p>
+            <a:pPr algn="ctr"/>
+          </a:p>
+        </p:txBody>
+      </p:sp>
+      <p:sp>
+        <p:nvSpPr>
+          <p:cNvPr id="37" name="TextBox 36"/>
+          <p:cNvSpPr txBox="true"/>
+          <p:nvPr/>
+        </p:nvSpPr>
+        <p:spPr>
+          <a:xfrm>
+            <a:off x="7200000" y="4680000"/>
+            <a:ext cx="1692000" cy="252000"/>
+          </a:xfrm>
+          <a:prstGeom prst="rect">
+            <a:avLst/>
+          </a:prstGeom>
+          <a:noFill/>
+        </p:spPr>
+        <p:txBody>
+          <a:bodyPr wrap="square" rtlCol="false">
+            <a:spAutoFit/>
+          </a:bodyPr>
+          <a:lstStyle/>
+          <a:p>
+            <a:r>
+              <a:rPr sz="2000"/>
+              <a:t>sentiment adı </a:t>
+            </a:r>
+          </a:p>
+        </p:txBody>
+      </p:sp>
+      <p:sp>
+        <p:nvSpPr>
+          <p:cNvPr id="38" name="TextBox 37"/>
+          <p:cNvSpPr txBox="true"/>
+          <p:nvPr/>
+        </p:nvSpPr>
+        <p:spPr>
+          <a:xfrm>
+            <a:off x="8712000" y="4734000"/>
+            <a:ext cx="1080000" cy="360000"/>
+          </a:xfrm>
+          <a:prstGeom prst="rect">
+            <a:avLst/>
+          </a:prstGeom>
+          <a:noFill/>
+        </p:spPr>
+        <p:txBody>
+          <a:bodyPr wrap="square" rtlCol="false">
+            <a:spAutoFit/>
+          </a:bodyPr>
+          <a:lstStyle/>
+          <a:p>
+            <a:r>
+              <a:rPr sz="1600">
+                <a:solidFill>
+                  <a:prstClr val="gray"/>
+                </a:solidFill>
+              </a:rPr>
+              <a:t>silik yazı </a:t>
+            </a:r>
+          </a:p>
+        </p:txBody>
+      </p:sp>
+      <p:sp>
+        <p:nvSpPr>
+          <p:cNvPr id="39" name="TextBox 38"/>
+          <p:cNvSpPr txBox="true"/>
+          <p:nvPr/>
+        </p:nvSpPr>
+        <p:spPr>
+          <a:xfrm>
+            <a:off x="10800000" y="4986000"/>
+            <a:ext cx="900000" cy="360000"/>
+          </a:xfrm>
+          <a:prstGeom prst="rect">
+            <a:avLst/>
+          </a:prstGeom>
+          <a:noFill/>
+        </p:spPr>
+        <p:txBody>
+          <a:bodyPr wrap="square" rtlCol="false">
+            <a:spAutoFit/>
+          </a:bodyPr>
+          <a:lstStyle/>
+          <a:p>
+            <a:r>
+              <a:rPr sz="1600"/>
+              <a:t>%43 </a:t>
+            </a:r>
+          </a:p>
+        </p:txBody>
+      </p:sp>
+      <p:sp>
+        <p:nvSpPr>
+          <p:cNvPr id="40" name="Rectangle 39"/>
+          <p:cNvSpPr/>
+          <p:nvPr/>
+        </p:nvSpPr>
+        <p:spPr>
+          <a:xfrm>
+            <a:off x="7200000" y="5040000"/>
+            <a:ext cx="1440000" cy="252000"/>
+          </a:xfrm>
+          <a:prstGeom prst="rect">
+            <a:avLst/>
+          </a:prstGeom>
+          <a:solidFill>
+            <a:srgbClr val="9BB528"/>
+          </a:solidFill>
+        </p:spPr>
+        <p:style>
+          <a:lnRef idx="2">
+            <a:schemeClr val="accent1">
+              <a:shade val="50000"/>
+            </a:schemeClr>
+          </a:lnRef>
+          <a:fillRef idx="1">
+            <a:schemeClr val="accent1"/>
+          </a:fillRef>
+          <a:effectRef idx="0">
+            <a:schemeClr val="accent1"/>
+          </a:effectRef>
+          <a:fontRef idx="minor">
+            <a:schemeClr val="lt1"/>
+          </a:fontRef>
+        </p:style>
+        <p:txBody>
+          <a:bodyPr anchor="ctr" rtlCol="false"/>
+          <a:lstStyle/>
+          <a:p>
+            <a:pPr algn="ctr"/>
+          </a:p>
+        </p:txBody>
+      </p:sp>
+      <p:sp>
+        <p:nvSpPr>
+          <p:cNvPr id="41" name="Rectangle 40"/>
+          <p:cNvSpPr/>
+          <p:nvPr/>
+        </p:nvSpPr>
+        <p:spPr>
+          <a:xfrm>
+            <a:off x="8640000" y="5040000"/>
+            <a:ext cx="720000" cy="252000"/>
+          </a:xfrm>
+          <a:prstGeom prst="rect">
+            <a:avLst/>
+          </a:prstGeom>
+          <a:solidFill>
+            <a:prstClr val="brown"/>
+          </a:solidFill>
+        </p:spPr>
+        <p:style>
+          <a:lnRef idx="2">
+            <a:schemeClr val="accent1">
+              <a:shade val="50000"/>
+            </a:schemeClr>
+          </a:lnRef>
+          <a:fillRef idx="1">
+            <a:schemeClr val="accent1"/>
+          </a:fillRef>
+          <a:effectRef idx="0">
+            <a:schemeClr val="accent1"/>
+          </a:effectRef>
+          <a:fontRef idx="minor">
+            <a:schemeClr val="lt1"/>
+          </a:fontRef>
+        </p:style>
+        <p:txBody>
+          <a:bodyPr anchor="ctr" rtlCol="false"/>
+          <a:lstStyle/>
+          <a:p>
+            <a:pPr algn="ctr"/>
+          </a:p>
+        </p:txBody>
+      </p:sp>
+      <p:sp>
+        <p:nvSpPr>
+          <p:cNvPr id="42" name="Rectangle 41"/>
+          <p:cNvSpPr/>
+          <p:nvPr/>
+        </p:nvSpPr>
+        <p:spPr>
+          <a:xfrm>
+            <a:off x="7200000" y="5760000"/>
+            <a:ext cx="3600000" cy="252000"/>
+          </a:xfrm>
+          <a:prstGeom prst="rect">
+            <a:avLst/>
+          </a:prstGeom>
+          <a:solidFill>
+            <a:srgbClr val="807D7E"/>
+          </a:solidFill>
+        </p:spPr>
+        <p:style>
+          <a:lnRef idx="2">
+            <a:schemeClr val="accent1">
+              <a:shade val="50000"/>
+            </a:schemeClr>
+          </a:lnRef>
+          <a:fillRef idx="1">
+            <a:schemeClr val="accent1"/>
+          </a:fillRef>
+          <a:effectRef idx="0">
+            <a:schemeClr val="accent1"/>
+          </a:effectRef>
+          <a:fontRef idx="minor">
+            <a:schemeClr val="lt1"/>
+          </a:fontRef>
+        </p:style>
+        <p:txBody>
+          <a:bodyPr anchor="ctr" rtlCol="false"/>
+          <a:lstStyle/>
+          <a:p>
+            <a:pPr algn="ctr"/>
+          </a:p>
+        </p:txBody>
+      </p:sp>
+      <p:sp>
+        <p:nvSpPr>
+          <p:cNvPr id="43" name="TextBox 42"/>
+          <p:cNvSpPr txBox="true"/>
+          <p:nvPr/>
+        </p:nvSpPr>
+        <p:spPr>
+          <a:xfrm>
+            <a:off x="7200000" y="5400000"/>
+            <a:ext cx="1692000" cy="252000"/>
+          </a:xfrm>
+          <a:prstGeom prst="rect">
+            <a:avLst/>
+          </a:prstGeom>
+          <a:noFill/>
+        </p:spPr>
+        <p:txBody>
+          <a:bodyPr wrap="square" rtlCol="false">
+            <a:spAutoFit/>
+          </a:bodyPr>
+          <a:lstStyle/>
+          <a:p>
+            <a:r>
+              <a:rPr sz="2000"/>
+              <a:t>sentiment adı </a:t>
+            </a:r>
+          </a:p>
+        </p:txBody>
+      </p:sp>
+      <p:sp>
+        <p:nvSpPr>
+          <p:cNvPr id="44" name="TextBox 43"/>
+          <p:cNvSpPr txBox="true"/>
+          <p:nvPr/>
+        </p:nvSpPr>
+        <p:spPr>
+          <a:xfrm>
+            <a:off x="8712000" y="5454000"/>
+            <a:ext cx="1080000" cy="360000"/>
+          </a:xfrm>
+          <a:prstGeom prst="rect">
+            <a:avLst/>
+          </a:prstGeom>
+          <a:noFill/>
+        </p:spPr>
+        <p:txBody>
+          <a:bodyPr wrap="square" rtlCol="false">
+            <a:spAutoFit/>
+          </a:bodyPr>
+          <a:lstStyle/>
+          <a:p>
+            <a:r>
+              <a:rPr sz="1600">
+                <a:solidFill>
+                  <a:prstClr val="gray"/>
+                </a:solidFill>
+              </a:rPr>
+              <a:t>silik yazı </a:t>
+            </a:r>
+          </a:p>
+        </p:txBody>
+      </p:sp>
+      <p:sp>
+        <p:nvSpPr>
+          <p:cNvPr id="45" name="TextBox 44"/>
+          <p:cNvSpPr txBox="true"/>
+          <p:nvPr/>
+        </p:nvSpPr>
+        <p:spPr>
+          <a:xfrm>
+            <a:off x="10800000" y="5706000"/>
+            <a:ext cx="900000" cy="360000"/>
+          </a:xfrm>
+          <a:prstGeom prst="rect">
+            <a:avLst/>
+          </a:prstGeom>
+          <a:noFill/>
+        </p:spPr>
+        <p:txBody>
+          <a:bodyPr wrap="square" rtlCol="false">
+            <a:spAutoFit/>
+          </a:bodyPr>
+          <a:lstStyle/>
+          <a:p>
+            <a:r>
+              <a:rPr sz="1600"/>
+              <a:t>%43 </a:t>
+            </a:r>
+          </a:p>
+        </p:txBody>
+      </p:sp>
+      <p:sp>
+        <p:nvSpPr>
+          <p:cNvPr id="46" name="Rectangle 45"/>
+          <p:cNvSpPr/>
+          <p:nvPr/>
+        </p:nvSpPr>
+        <p:spPr>
+          <a:xfrm>
+            <a:off x="7200000" y="5760000"/>
+            <a:ext cx="1440000" cy="252000"/>
+          </a:xfrm>
+          <a:prstGeom prst="rect">
+            <a:avLst/>
+          </a:prstGeom>
+          <a:solidFill>
+            <a:srgbClr val="9BB528"/>
+          </a:solidFill>
+        </p:spPr>
+        <p:style>
+          <a:lnRef idx="2">
+            <a:schemeClr val="accent1">
+              <a:shade val="50000"/>
+            </a:schemeClr>
+          </a:lnRef>
+          <a:fillRef idx="1">
+            <a:schemeClr val="accent1"/>
+          </a:fillRef>
+          <a:effectRef idx="0">
+            <a:schemeClr val="accent1"/>
+          </a:effectRef>
+          <a:fontRef idx="minor">
+            <a:schemeClr val="lt1"/>
+          </a:fontRef>
+        </p:style>
+        <p:txBody>
+          <a:bodyPr anchor="ctr" rtlCol="false"/>
+          <a:lstStyle/>
+          <a:p>
+            <a:pPr algn="ctr"/>
+          </a:p>
+        </p:txBody>
+      </p:sp>
+      <p:sp>
+        <p:nvSpPr>
+          <p:cNvPr id="47" name="Rectangle 46"/>
+          <p:cNvSpPr/>
+          <p:nvPr/>
+        </p:nvSpPr>
+        <p:spPr>
+          <a:xfrm>
+            <a:off x="8640000" y="5760000"/>
+            <a:ext cx="720000" cy="252000"/>
+          </a:xfrm>
+          <a:prstGeom prst="rect">
+            <a:avLst/>
+          </a:prstGeom>
+          <a:solidFill>
+            <a:prstClr val="brown"/>
+          </a:solidFill>
+        </p:spPr>
+        <p:style>
+          <a:lnRef idx="2">
+            <a:schemeClr val="accent1">
+              <a:shade val="50000"/>
+            </a:schemeClr>
+          </a:lnRef>
+          <a:fillRef idx="1">
+            <a:schemeClr val="accent1"/>
+          </a:fillRef>
+          <a:effectRef idx="0">
+            <a:schemeClr val="accent1"/>
+          </a:effectRef>
+          <a:fontRef idx="minor">
+            <a:schemeClr val="lt1"/>
+          </a:fontRef>
+        </p:style>
+        <p:txBody>
+          <a:bodyPr anchor="ctr" rtlCol="false"/>
+          <a:lstStyle/>
+          <a:p>
+            <a:pPr algn="ctr"/>
+          </a:p>
+        </p:txBody>
+      </p:sp>
+    </p:spTree>
+  </p:cSld>
+  <p:clrMapOvr>
+    <a:masterClrMapping/>
+  </p:clrMapOvr>
+</p:sld>
+</file>
+
+<file path=ppt/slides/slide5.xml><?xml version="1.0" encoding="utf-8"?>
+<p:sld xmlns:r="http://schemas.openxmlformats.org/officeDocument/2006/relationships" xmlns:a="http://schemas.openxmlformats.org/drawingml/2006/main" xmlns:p="http://schemas.openxmlformats.org/presentationml/2006/main">
+  <p:cSld>
+    <p:spTree>
+      <p:nvGrpSpPr>
+        <p:cNvPr id="1" name=""/>
+        <p:cNvGrpSpPr/>
+        <p:nvPr/>
+      </p:nvGrpSpPr>
+      <p:grpSpPr>
+        <a:xfrm>
+          <a:off x="0" y="0"/>
+          <a:ext cx="0" cy="0"/>
+          <a:chOff x="0" y="0"/>
+          <a:chExt cx="0" cy="0"/>
+        </a:xfrm>
+      </p:grpSpPr>
+      <p:sp>
+        <p:nvSpPr>
+          <p:cNvPr id="2" name="TextBox 1"/>
+          <p:cNvSpPr txBox="true"/>
+          <p:nvPr/>
+        </p:nvSpPr>
+        <p:spPr>
+          <a:xfrm>
+            <a:off x="720000" y="720000"/>
+            <a:ext cx="3600000" cy="1080000"/>
+          </a:xfrm>
+          <a:prstGeom prst="rect">
+            <a:avLst/>
+          </a:prstGeom>
+          <a:noFill/>
+        </p:spPr>
+        <p:txBody>
+          <a:bodyPr wrap="square" rtlCol="false">
+            <a:spAutoFit/>
+          </a:bodyPr>
+          <a:lstStyle/>
+          <a:p>
+            <a:r>
+              <a:t>DEĞİŞİR BURALAR </a:t>
+            </a:r>
+          </a:p>
+        </p:txBody>
+      </p:sp>
+      <p:sp>
+        <p:nvSpPr>
+          <p:cNvPr id="3" name="Rectangle 2"/>
+          <p:cNvSpPr/>
+          <p:nvPr/>
+        </p:nvSpPr>
+        <p:spPr>
+          <a:xfrm>
+            <a:off x="720000" y="3600000"/>
+            <a:ext cx="3600000" cy="252000"/>
+          </a:xfrm>
+          <a:prstGeom prst="rect">
+            <a:avLst/>
+          </a:prstGeom>
+          <a:solidFill>
+            <a:srgbClr val="E8E8E8"/>
+          </a:solidFill>
+        </p:spPr>
+        <p:style>
+          <a:lnRef idx="2">
+            <a:schemeClr val="accent1">
+              <a:shade val="50000"/>
+            </a:schemeClr>
+          </a:lnRef>
+          <a:fillRef idx="1">
+            <a:schemeClr val="accent1"/>
+          </a:fillRef>
+          <a:effectRef idx="0">
+            <a:schemeClr val="accent1"/>
+          </a:effectRef>
+          <a:fontRef idx="minor">
+            <a:schemeClr val="lt1"/>
+          </a:fontRef>
+        </p:style>
+        <p:txBody>
+          <a:bodyPr anchor="ctr" rtlCol="false"/>
+          <a:lstStyle/>
+          <a:p>
+            <a:pPr algn="ctr"/>
+          </a:p>
+        </p:txBody>
+      </p:sp>
+      <p:sp>
+        <p:nvSpPr>
+          <p:cNvPr id="4" name="TextBox 3"/>
+          <p:cNvSpPr txBox="true"/>
+          <p:nvPr/>
+        </p:nvSpPr>
+        <p:spPr>
+          <a:xfrm>
+            <a:off x="720000" y="3240000"/>
+            <a:ext cx="1692000" cy="252000"/>
+          </a:xfrm>
+          <a:prstGeom prst="rect">
+            <a:avLst/>
+          </a:prstGeom>
+          <a:noFill/>
+        </p:spPr>
+        <p:txBody>
+          <a:bodyPr wrap="square" rtlCol="false">
+            <a:spAutoFit/>
+          </a:bodyPr>
+          <a:lstStyle/>
+          <a:p>
+            <a:r>
+              <a:rPr sz="2000"/>
+              <a:t>sentiment adı </a:t>
+            </a:r>
+          </a:p>
+        </p:txBody>
+      </p:sp>
+      <p:sp>
+        <p:nvSpPr>
+          <p:cNvPr id="5" name="TextBox 4"/>
+          <p:cNvSpPr txBox="true"/>
+          <p:nvPr/>
+        </p:nvSpPr>
+        <p:spPr>
+          <a:xfrm>
+            <a:off x="2232000" y="3294000"/>
+            <a:ext cx="1080000" cy="360000"/>
+          </a:xfrm>
+          <a:prstGeom prst="rect">
+            <a:avLst/>
+          </a:prstGeom>
+          <a:noFill/>
+        </p:spPr>
+        <p:txBody>
+          <a:bodyPr wrap="square" rtlCol="false">
+            <a:spAutoFit/>
+          </a:bodyPr>
+          <a:lstStyle/>
+          <a:p>
+            <a:r>
+              <a:rPr sz="1600">
+                <a:solidFill>
+                  <a:prstClr val="gray"/>
+                </a:solidFill>
+              </a:rPr>
+              <a:t>silik yazı </a:t>
+            </a:r>
+          </a:p>
+        </p:txBody>
+      </p:sp>
+      <p:sp>
+        <p:nvSpPr>
+          <p:cNvPr id="6" name="TextBox 5"/>
+          <p:cNvSpPr txBox="true"/>
+          <p:nvPr/>
+        </p:nvSpPr>
+        <p:spPr>
+          <a:xfrm>
+            <a:off x="4320000" y="3546000"/>
+            <a:ext cx="900000" cy="180000"/>
+          </a:xfrm>
+          <a:prstGeom prst="rect">
+            <a:avLst/>
+          </a:prstGeom>
+          <a:noFill/>
+        </p:spPr>
+        <p:txBody>
+          <a:bodyPr wrap="square" rtlCol="false">
+            <a:spAutoFit/>
+          </a:bodyPr>
+          <a:lstStyle/>
+          <a:p>
+            <a:r>
+              <a:rPr sz="1600"/>
+              <a:t>%43 </a:t>
+            </a:r>
+          </a:p>
+        </p:txBody>
+      </p:sp>
+      <p:sp>
+        <p:nvSpPr>
+          <p:cNvPr id="7" name="Rectangle 6"/>
+          <p:cNvSpPr/>
+          <p:nvPr/>
+        </p:nvSpPr>
+        <p:spPr>
+          <a:xfrm>
+            <a:off x="720000" y="3600000"/>
+            <a:ext cx="1440000" cy="252000"/>
+          </a:xfrm>
+          <a:prstGeom prst="rect">
+            <a:avLst/>
+          </a:prstGeom>
+          <a:solidFill>
+            <a:prstClr val="orange"/>
+          </a:solidFill>
+        </p:spPr>
+        <p:style>
+          <a:lnRef idx="2">
+            <a:schemeClr val="accent1">
+              <a:shade val="50000"/>
+            </a:schemeClr>
+          </a:lnRef>
+          <a:fillRef idx="1">
+            <a:schemeClr val="accent1"/>
+          </a:fillRef>
+          <a:effectRef idx="0">
+            <a:schemeClr val="accent1"/>
+          </a:effectRef>
+          <a:fontRef idx="minor">
+            <a:schemeClr val="lt1"/>
+          </a:fontRef>
+        </p:style>
+        <p:txBody>
+          <a:bodyPr anchor="ctr" rtlCol="false"/>
+          <a:lstStyle/>
+          <a:p>
+            <a:pPr algn="ctr"/>
+          </a:p>
+        </p:txBody>
+      </p:sp>
+      <p:sp>
+        <p:nvSpPr>
+          <p:cNvPr id="8" name="Rectangle 7"/>
+          <p:cNvSpPr/>
+          <p:nvPr/>
+        </p:nvSpPr>
+        <p:spPr>
+          <a:xfrm>
+            <a:off x="720000" y="4320000"/>
+            <a:ext cx="3600000" cy="252000"/>
+          </a:xfrm>
+          <a:prstGeom prst="rect">
+            <a:avLst/>
+          </a:prstGeom>
+          <a:solidFill>
+            <a:srgbClr val="E8E8E8"/>
+          </a:solidFill>
+        </p:spPr>
+        <p:style>
+          <a:lnRef idx="2">
+            <a:schemeClr val="accent1">
+              <a:shade val="50000"/>
+            </a:schemeClr>
+          </a:lnRef>
+          <a:fillRef idx="1">
+            <a:schemeClr val="accent1"/>
+          </a:fillRef>
+          <a:effectRef idx="0">
+            <a:schemeClr val="accent1"/>
+          </a:effectRef>
+          <a:fontRef idx="minor">
+            <a:schemeClr val="lt1"/>
+          </a:fontRef>
+        </p:style>
+        <p:txBody>
+          <a:bodyPr anchor="ctr" rtlCol="false"/>
+          <a:lstStyle/>
+          <a:p>
+            <a:pPr algn="ctr"/>
+          </a:p>
+        </p:txBody>
+      </p:sp>
+      <p:sp>
+        <p:nvSpPr>
+          <p:cNvPr id="9" name="TextBox 8"/>
+          <p:cNvSpPr txBox="true"/>
+          <p:nvPr/>
+        </p:nvSpPr>
+        <p:spPr>
+          <a:xfrm>
+            <a:off x="720000" y="3960000"/>
+            <a:ext cx="1692000" cy="252000"/>
+          </a:xfrm>
+          <a:prstGeom prst="rect">
+            <a:avLst/>
+          </a:prstGeom>
+          <a:noFill/>
+        </p:spPr>
+        <p:txBody>
+          <a:bodyPr wrap="square" rtlCol="false">
+            <a:spAutoFit/>
+          </a:bodyPr>
+          <a:lstStyle/>
+          <a:p>
+            <a:r>
+              <a:rPr sz="2000"/>
+              <a:t>sentiment adı </a:t>
+            </a:r>
+          </a:p>
+        </p:txBody>
+      </p:sp>
+      <p:sp>
+        <p:nvSpPr>
+          <p:cNvPr id="10" name="TextBox 9"/>
+          <p:cNvSpPr txBox="true"/>
+          <p:nvPr/>
+        </p:nvSpPr>
+        <p:spPr>
+          <a:xfrm>
+            <a:off x="2232000" y="4014000"/>
+            <a:ext cx="1080000" cy="360000"/>
+          </a:xfrm>
+          <a:prstGeom prst="rect">
+            <a:avLst/>
+          </a:prstGeom>
+          <a:noFill/>
+        </p:spPr>
+        <p:txBody>
+          <a:bodyPr wrap="square" rtlCol="false">
+            <a:spAutoFit/>
+          </a:bodyPr>
+          <a:lstStyle/>
+          <a:p>
+            <a:r>
+              <a:rPr sz="1600">
+                <a:solidFill>
+                  <a:prstClr val="gray"/>
+                </a:solidFill>
+              </a:rPr>
+              <a:t>silik yazı </a:t>
+            </a:r>
+          </a:p>
+        </p:txBody>
+      </p:sp>
+      <p:sp>
+        <p:nvSpPr>
+          <p:cNvPr id="11" name="TextBox 10"/>
+          <p:cNvSpPr txBox="true"/>
+          <p:nvPr/>
+        </p:nvSpPr>
+        <p:spPr>
+          <a:xfrm>
+            <a:off x="4320000" y="4266000"/>
+            <a:ext cx="900000" cy="180000"/>
+          </a:xfrm>
+          <a:prstGeom prst="rect">
+            <a:avLst/>
+          </a:prstGeom>
+          <a:noFill/>
+        </p:spPr>
+        <p:txBody>
+          <a:bodyPr wrap="square" rtlCol="false">
+            <a:spAutoFit/>
+          </a:bodyPr>
+          <a:lstStyle/>
+          <a:p>
+            <a:r>
+              <a:rPr sz="1600"/>
+              <a:t>%43 </a:t>
+            </a:r>
+          </a:p>
+        </p:txBody>
+      </p:sp>
+      <p:sp>
+        <p:nvSpPr>
+          <p:cNvPr id="12" name="Rectangle 11"/>
+          <p:cNvSpPr/>
+          <p:nvPr/>
+        </p:nvSpPr>
+        <p:spPr>
+          <a:xfrm>
+            <a:off x="720000" y="4320000"/>
+            <a:ext cx="1440000" cy="252000"/>
+          </a:xfrm>
+          <a:prstGeom prst="rect">
+            <a:avLst/>
+          </a:prstGeom>
+          <a:solidFill>
+            <a:prstClr val="orange"/>
+          </a:solidFill>
+        </p:spPr>
+        <p:style>
+          <a:lnRef idx="2">
+            <a:schemeClr val="accent1">
+              <a:shade val="50000"/>
+            </a:schemeClr>
+          </a:lnRef>
+          <a:fillRef idx="1">
+            <a:schemeClr val="accent1"/>
+          </a:fillRef>
+          <a:effectRef idx="0">
+            <a:schemeClr val="accent1"/>
+          </a:effectRef>
+          <a:fontRef idx="minor">
+            <a:schemeClr val="lt1"/>
+          </a:fontRef>
+        </p:style>
+        <p:txBody>
+          <a:bodyPr anchor="ctr" rtlCol="false"/>
+          <a:lstStyle/>
+          <a:p>
+            <a:pPr algn="ctr"/>
+          </a:p>
+        </p:txBody>
+      </p:sp>
+      <p:sp>
+        <p:nvSpPr>
+          <p:cNvPr id="13" name="Rectangle 12"/>
+          <p:cNvSpPr/>
+          <p:nvPr/>
+        </p:nvSpPr>
+        <p:spPr>
+          <a:xfrm>
+            <a:off x="720000" y="5040000"/>
+            <a:ext cx="3600000" cy="252000"/>
+          </a:xfrm>
+          <a:prstGeom prst="rect">
+            <a:avLst/>
+          </a:prstGeom>
+          <a:solidFill>
+            <a:srgbClr val="E8E8E8"/>
+          </a:solidFill>
+        </p:spPr>
+        <p:style>
+          <a:lnRef idx="2">
+            <a:schemeClr val="accent1">
+              <a:shade val="50000"/>
+            </a:schemeClr>
+          </a:lnRef>
+          <a:fillRef idx="1">
+            <a:schemeClr val="accent1"/>
+          </a:fillRef>
+          <a:effectRef idx="0">
+            <a:schemeClr val="accent1"/>
+          </a:effectRef>
+          <a:fontRef idx="minor">
+            <a:schemeClr val="lt1"/>
+          </a:fontRef>
+        </p:style>
+        <p:txBody>
+          <a:bodyPr anchor="ctr" rtlCol="false"/>
+          <a:lstStyle/>
+          <a:p>
+            <a:pPr algn="ctr"/>
+          </a:p>
+        </p:txBody>
+      </p:sp>
+      <p:sp>
+        <p:nvSpPr>
+          <p:cNvPr id="14" name="TextBox 13"/>
+          <p:cNvSpPr txBox="true"/>
+          <p:nvPr/>
+        </p:nvSpPr>
+        <p:spPr>
+          <a:xfrm>
+            <a:off x="720000" y="4680000"/>
+            <a:ext cx="1692000" cy="252000"/>
+          </a:xfrm>
+          <a:prstGeom prst="rect">
+            <a:avLst/>
+          </a:prstGeom>
+          <a:noFill/>
+        </p:spPr>
+        <p:txBody>
+          <a:bodyPr wrap="square" rtlCol="false">
+            <a:spAutoFit/>
+          </a:bodyPr>
+          <a:lstStyle/>
+          <a:p>
+            <a:r>
+              <a:rPr sz="2000"/>
+              <a:t>sentiment adı </a:t>
+            </a:r>
+          </a:p>
+        </p:txBody>
+      </p:sp>
+      <p:sp>
+        <p:nvSpPr>
+          <p:cNvPr id="15" name="TextBox 14"/>
+          <p:cNvSpPr txBox="true"/>
+          <p:nvPr/>
+        </p:nvSpPr>
+        <p:spPr>
+          <a:xfrm>
+            <a:off x="2232000" y="4734000"/>
+            <a:ext cx="1080000" cy="360000"/>
+          </a:xfrm>
+          <a:prstGeom prst="rect">
+            <a:avLst/>
+          </a:prstGeom>
+          <a:noFill/>
+        </p:spPr>
+        <p:txBody>
+          <a:bodyPr wrap="square" rtlCol="false">
+            <a:spAutoFit/>
+          </a:bodyPr>
+          <a:lstStyle/>
+          <a:p>
+            <a:r>
+              <a:rPr sz="1600">
+                <a:solidFill>
+                  <a:prstClr val="gray"/>
+                </a:solidFill>
+              </a:rPr>
+              <a:t>silik yazı </a:t>
+            </a:r>
+          </a:p>
+        </p:txBody>
+      </p:sp>
+      <p:sp>
+        <p:nvSpPr>
+          <p:cNvPr id="16" name="TextBox 15"/>
+          <p:cNvSpPr txBox="true"/>
+          <p:nvPr/>
+        </p:nvSpPr>
+        <p:spPr>
+          <a:xfrm>
+            <a:off x="4320000" y="4986000"/>
+            <a:ext cx="900000" cy="180000"/>
+          </a:xfrm>
+          <a:prstGeom prst="rect">
+            <a:avLst/>
+          </a:prstGeom>
+          <a:noFill/>
+        </p:spPr>
+        <p:txBody>
+          <a:bodyPr wrap="square" rtlCol="false">
+            <a:spAutoFit/>
+          </a:bodyPr>
+          <a:lstStyle/>
+          <a:p>
+            <a:r>
+              <a:rPr sz="1600"/>
+              <a:t>%43 </a:t>
+            </a:r>
+          </a:p>
+        </p:txBody>
+      </p:sp>
+      <p:sp>
+        <p:nvSpPr>
+          <p:cNvPr id="17" name="Rectangle 16"/>
+          <p:cNvSpPr/>
+          <p:nvPr/>
+        </p:nvSpPr>
+        <p:spPr>
+          <a:xfrm>
+            <a:off x="720000" y="5040000"/>
+            <a:ext cx="1440000" cy="252000"/>
+          </a:xfrm>
+          <a:prstGeom prst="rect">
+            <a:avLst/>
+          </a:prstGeom>
+          <a:solidFill>
+            <a:prstClr val="orange"/>
+          </a:solidFill>
+        </p:spPr>
+        <p:style>
+          <a:lnRef idx="2">
+            <a:schemeClr val="accent1">
+              <a:shade val="50000"/>
+            </a:schemeClr>
+          </a:lnRef>
+          <a:fillRef idx="1">
+            <a:schemeClr val="accent1"/>
+          </a:fillRef>
+          <a:effectRef idx="0">
+            <a:schemeClr val="accent1"/>
+          </a:effectRef>
+          <a:fontRef idx="minor">
+            <a:schemeClr val="lt1"/>
+          </a:fontRef>
+        </p:style>
+        <p:txBody>
+          <a:bodyPr anchor="ctr" rtlCol="false"/>
+          <a:lstStyle/>
+          <a:p>
+            <a:pPr algn="ctr"/>
+          </a:p>
+        </p:txBody>
+      </p:sp>
+      <p:sp>
+        <p:nvSpPr>
+          <p:cNvPr id="18" name="Rectangle 17"/>
+          <p:cNvSpPr/>
+          <p:nvPr/>
+        </p:nvSpPr>
+        <p:spPr>
+          <a:xfrm>
+            <a:off x="720000" y="5760000"/>
+            <a:ext cx="3600000" cy="252000"/>
+          </a:xfrm>
+          <a:prstGeom prst="rect">
+            <a:avLst/>
+          </a:prstGeom>
+          <a:solidFill>
+            <a:srgbClr val="E8E8E8"/>
+          </a:solidFill>
+        </p:spPr>
+        <p:style>
+          <a:lnRef idx="2">
+            <a:schemeClr val="accent1">
+              <a:shade val="50000"/>
+            </a:schemeClr>
+          </a:lnRef>
+          <a:fillRef idx="1">
+            <a:schemeClr val="accent1"/>
+          </a:fillRef>
+          <a:effectRef idx="0">
+            <a:schemeClr val="accent1"/>
+          </a:effectRef>
+          <a:fontRef idx="minor">
+            <a:schemeClr val="lt1"/>
+          </a:fontRef>
+        </p:style>
+        <p:txBody>
+          <a:bodyPr anchor="ctr" rtlCol="false"/>
+          <a:lstStyle/>
+          <a:p>
+            <a:pPr algn="ctr"/>
+          </a:p>
+        </p:txBody>
+      </p:sp>
+      <p:sp>
+        <p:nvSpPr>
+          <p:cNvPr id="19" name="TextBox 18"/>
+          <p:cNvSpPr txBox="true"/>
+          <p:nvPr/>
+        </p:nvSpPr>
+        <p:spPr>
+          <a:xfrm>
+            <a:off x="720000" y="5400000"/>
+            <a:ext cx="1692000" cy="252000"/>
+          </a:xfrm>
+          <a:prstGeom prst="rect">
+            <a:avLst/>
+          </a:prstGeom>
+          <a:noFill/>
+        </p:spPr>
+        <p:txBody>
+          <a:bodyPr wrap="square" rtlCol="false">
+            <a:spAutoFit/>
+          </a:bodyPr>
+          <a:lstStyle/>
+          <a:p>
+            <a:r>
+              <a:rPr sz="2000"/>
+              <a:t>sentiment adı </a:t>
+            </a:r>
+          </a:p>
+        </p:txBody>
+      </p:sp>
+      <p:sp>
+        <p:nvSpPr>
+          <p:cNvPr id="20" name="TextBox 19"/>
+          <p:cNvSpPr txBox="true"/>
+          <p:nvPr/>
+        </p:nvSpPr>
+        <p:spPr>
+          <a:xfrm>
+            <a:off x="2232000" y="5454000"/>
+            <a:ext cx="1080000" cy="360000"/>
+          </a:xfrm>
+          <a:prstGeom prst="rect">
+            <a:avLst/>
+          </a:prstGeom>
+          <a:noFill/>
+        </p:spPr>
+        <p:txBody>
+          <a:bodyPr wrap="square" rtlCol="false">
+            <a:spAutoFit/>
+          </a:bodyPr>
+          <a:lstStyle/>
+          <a:p>
+            <a:r>
+              <a:rPr sz="1600">
+                <a:solidFill>
+                  <a:prstClr val="gray"/>
+                </a:solidFill>
+              </a:rPr>
+              <a:t>silik yazı </a:t>
+            </a:r>
+          </a:p>
+        </p:txBody>
+      </p:sp>
+      <p:sp>
+        <p:nvSpPr>
+          <p:cNvPr id="21" name="TextBox 20"/>
+          <p:cNvSpPr txBox="true"/>
+          <p:nvPr/>
+        </p:nvSpPr>
+        <p:spPr>
+          <a:xfrm>
+            <a:off x="4320000" y="5706000"/>
+            <a:ext cx="900000" cy="180000"/>
+          </a:xfrm>
+          <a:prstGeom prst="rect">
+            <a:avLst/>
+          </a:prstGeom>
+          <a:noFill/>
+        </p:spPr>
+        <p:txBody>
+          <a:bodyPr wrap="square" rtlCol="false">
+            <a:spAutoFit/>
+          </a:bodyPr>
+          <a:lstStyle/>
+          <a:p>
+            <a:r>
+              <a:rPr sz="1600"/>
+              <a:t>%43 </a:t>
+            </a:r>
+          </a:p>
+        </p:txBody>
+      </p:sp>
+      <p:sp>
+        <p:nvSpPr>
+          <p:cNvPr id="22" name="Rectangle 21"/>
+          <p:cNvSpPr/>
+          <p:nvPr/>
+        </p:nvSpPr>
+        <p:spPr>
+          <a:xfrm>
+            <a:off x="720000" y="5760000"/>
+            <a:ext cx="1440000" cy="252000"/>
+          </a:xfrm>
+          <a:prstGeom prst="rect">
+            <a:avLst/>
+          </a:prstGeom>
+          <a:solidFill>
+            <a:prstClr val="orange"/>
+          </a:solidFill>
+        </p:spPr>
+        <p:style>
+          <a:lnRef idx="2">
+            <a:schemeClr val="accent1">
+              <a:shade val="50000"/>
+            </a:schemeClr>
+          </a:lnRef>
+          <a:fillRef idx="1">
+            <a:schemeClr val="accent1"/>
+          </a:fillRef>
+          <a:effectRef idx="0">
+            <a:schemeClr val="accent1"/>
+          </a:effectRef>
+          <a:fontRef idx="minor">
+            <a:schemeClr val="lt1"/>
+          </a:fontRef>
+        </p:style>
+        <p:txBody>
+          <a:bodyPr anchor="ctr" rtlCol="false"/>
+          <a:lstStyle/>
+          <a:p>
+            <a:pPr algn="ctr"/>
+          </a:p>
+        </p:txBody>
+      </p:sp>
+      <p:sp>
+        <p:nvSpPr>
+          <p:cNvPr id="23" name="Rectangle 22"/>
+          <p:cNvSpPr/>
+          <p:nvPr/>
+        </p:nvSpPr>
+        <p:spPr>
+          <a:xfrm>
+            <a:off x="5940000" y="3240000"/>
+            <a:ext cx="3600" cy="3240000"/>
+          </a:xfrm>
+          <a:prstGeom prst="rect">
+            <a:avLst/>
+          </a:prstGeom>
+          <a:solidFill>
+            <a:prstClr val="ltGrey"/>
+          </a:solidFill>
+        </p:spPr>
+        <p:style>
+          <a:lnRef idx="2">
+            <a:schemeClr val="accent1">
+              <a:shade val="50000"/>
+            </a:schemeClr>
+          </a:lnRef>
+          <a:fillRef idx="1">
+            <a:schemeClr val="accent1"/>
+          </a:fillRef>
+          <a:effectRef idx="0">
+            <a:schemeClr val="accent1"/>
+          </a:effectRef>
+          <a:fontRef idx="minor">
+            <a:schemeClr val="lt1"/>
+          </a:fontRef>
+        </p:style>
+        <p:txBody>
+          <a:bodyPr anchor="ctr" rtlCol="false"/>
+          <a:lstStyle/>
+          <a:p>
+            <a:pPr algn="ctr"/>
+          </a:p>
+        </p:txBody>
+      </p:sp>
+      <p:sp>
+        <p:nvSpPr>
+          <p:cNvPr id="24" name="Rectangle 23"/>
+          <p:cNvSpPr/>
+          <p:nvPr/>
+        </p:nvSpPr>
+        <p:spPr>
+          <a:xfrm>
+            <a:off x="7200000" y="3600000"/>
+            <a:ext cx="3600000" cy="252000"/>
+          </a:xfrm>
+          <a:prstGeom prst="rect">
+            <a:avLst/>
+          </a:prstGeom>
+          <a:solidFill>
+            <a:srgbClr val="807D7E"/>
+          </a:solidFill>
+        </p:spPr>
+        <p:style>
+          <a:lnRef idx="2">
+            <a:schemeClr val="accent1">
+              <a:shade val="50000"/>
+            </a:schemeClr>
+          </a:lnRef>
+          <a:fillRef idx="1">
+            <a:schemeClr val="accent1"/>
+          </a:fillRef>
+          <a:effectRef idx="0">
+            <a:schemeClr val="accent1"/>
+          </a:effectRef>
+          <a:fontRef idx="minor">
+            <a:schemeClr val="lt1"/>
+          </a:fontRef>
+        </p:style>
+        <p:txBody>
+          <a:bodyPr anchor="ctr" rtlCol="false"/>
+          <a:lstStyle/>
+          <a:p>
+            <a:pPr algn="ctr"/>
+          </a:p>
+        </p:txBody>
+      </p:sp>
+      <p:sp>
+        <p:nvSpPr>
+          <p:cNvPr id="25" name="TextBox 24"/>
+          <p:cNvSpPr txBox="true"/>
+          <p:nvPr/>
+        </p:nvSpPr>
+        <p:spPr>
+          <a:xfrm>
+            <a:off x="7200000" y="3240000"/>
+            <a:ext cx="1692000" cy="252000"/>
+          </a:xfrm>
+          <a:prstGeom prst="rect">
+            <a:avLst/>
+          </a:prstGeom>
+          <a:noFill/>
+        </p:spPr>
+        <p:txBody>
+          <a:bodyPr wrap="square" rtlCol="false">
+            <a:spAutoFit/>
+          </a:bodyPr>
+          <a:lstStyle/>
+          <a:p>
+            <a:r>
+              <a:rPr sz="2000"/>
+              <a:t>sentiment adı </a:t>
+            </a:r>
+          </a:p>
+        </p:txBody>
+      </p:sp>
+      <p:sp>
+        <p:nvSpPr>
+          <p:cNvPr id="26" name="TextBox 25"/>
+          <p:cNvSpPr txBox="true"/>
+          <p:nvPr/>
+        </p:nvSpPr>
+        <p:spPr>
+          <a:xfrm>
+            <a:off x="8712000" y="3294000"/>
+            <a:ext cx="1080000" cy="360000"/>
+          </a:xfrm>
+          <a:prstGeom prst="rect">
+            <a:avLst/>
+          </a:prstGeom>
+          <a:noFill/>
+        </p:spPr>
+        <p:txBody>
+          <a:bodyPr wrap="square" rtlCol="false">
+            <a:spAutoFit/>
+          </a:bodyPr>
+          <a:lstStyle/>
+          <a:p>
+            <a:r>
+              <a:rPr sz="1600">
+                <a:solidFill>
+                  <a:prstClr val="gray"/>
+                </a:solidFill>
+              </a:rPr>
+              <a:t>silik yazı </a:t>
+            </a:r>
+          </a:p>
+        </p:txBody>
+      </p:sp>
+      <p:sp>
+        <p:nvSpPr>
+          <p:cNvPr id="27" name="TextBox 26"/>
+          <p:cNvSpPr txBox="true"/>
+          <p:nvPr/>
+        </p:nvSpPr>
+        <p:spPr>
+          <a:xfrm>
+            <a:off x="10800000" y="3546000"/>
+            <a:ext cx="900000" cy="360000"/>
+          </a:xfrm>
+          <a:prstGeom prst="rect">
+            <a:avLst/>
+          </a:prstGeom>
+          <a:noFill/>
+        </p:spPr>
+        <p:txBody>
+          <a:bodyPr wrap="square" rtlCol="false">
+            <a:spAutoFit/>
+          </a:bodyPr>
+          <a:lstStyle/>
+          <a:p>
+            <a:r>
+              <a:rPr sz="1600"/>
+              <a:t>%43 </a:t>
+            </a:r>
+          </a:p>
+        </p:txBody>
+      </p:sp>
+      <p:sp>
+        <p:nvSpPr>
+          <p:cNvPr id="28" name="Rectangle 27"/>
+          <p:cNvSpPr/>
+          <p:nvPr/>
+        </p:nvSpPr>
+        <p:spPr>
+          <a:xfrm>
+            <a:off x="7200000" y="3600000"/>
+            <a:ext cx="1440000" cy="252000"/>
+          </a:xfrm>
+          <a:prstGeom prst="rect">
+            <a:avLst/>
+          </a:prstGeom>
+          <a:solidFill>
+            <a:srgbClr val="9BB528"/>
+          </a:solidFill>
+        </p:spPr>
+        <p:style>
+          <a:lnRef idx="2">
+            <a:schemeClr val="accent1">
+              <a:shade val="50000"/>
+            </a:schemeClr>
+          </a:lnRef>
+          <a:fillRef idx="1">
+            <a:schemeClr val="accent1"/>
+          </a:fillRef>
+          <a:effectRef idx="0">
+            <a:schemeClr val="accent1"/>
+          </a:effectRef>
+          <a:fontRef idx="minor">
+            <a:schemeClr val="lt1"/>
+          </a:fontRef>
+        </p:style>
+        <p:txBody>
+          <a:bodyPr anchor="ctr" rtlCol="false"/>
+          <a:lstStyle/>
+          <a:p>
+            <a:pPr algn="ctr"/>
+          </a:p>
+        </p:txBody>
+      </p:sp>
+      <p:sp>
+        <p:nvSpPr>
+          <p:cNvPr id="29" name="Rectangle 28"/>
+          <p:cNvSpPr/>
+          <p:nvPr/>
+        </p:nvSpPr>
+        <p:spPr>
+          <a:xfrm>
+            <a:off x="8640000" y="3600000"/>
+            <a:ext cx="720000" cy="252000"/>
+          </a:xfrm>
+          <a:prstGeom prst="rect">
+            <a:avLst/>
+          </a:prstGeom>
+          <a:solidFill>
+            <a:prstClr val="brown"/>
+          </a:solidFill>
+        </p:spPr>
+        <p:style>
+          <a:lnRef idx="2">
+            <a:schemeClr val="accent1">
+              <a:shade val="50000"/>
+            </a:schemeClr>
+          </a:lnRef>
+          <a:fillRef idx="1">
+            <a:schemeClr val="accent1"/>
+          </a:fillRef>
+          <a:effectRef idx="0">
+            <a:schemeClr val="accent1"/>
+          </a:effectRef>
+          <a:fontRef idx="minor">
+            <a:schemeClr val="lt1"/>
+          </a:fontRef>
+        </p:style>
+        <p:txBody>
+          <a:bodyPr anchor="ctr" rtlCol="false"/>
+          <a:lstStyle/>
+          <a:p>
+            <a:pPr algn="ctr"/>
+          </a:p>
+        </p:txBody>
+      </p:sp>
+      <p:sp>
+        <p:nvSpPr>
+          <p:cNvPr id="30" name="Rectangle 29"/>
+          <p:cNvSpPr/>
+          <p:nvPr/>
+        </p:nvSpPr>
+        <p:spPr>
+          <a:xfrm>
+            <a:off x="7200000" y="4320000"/>
+            <a:ext cx="3600000" cy="252000"/>
+          </a:xfrm>
+          <a:prstGeom prst="rect">
+            <a:avLst/>
+          </a:prstGeom>
+          <a:solidFill>
+            <a:srgbClr val="807D7E"/>
+          </a:solidFill>
+        </p:spPr>
+        <p:style>
+          <a:lnRef idx="2">
+            <a:schemeClr val="accent1">
+              <a:shade val="50000"/>
+            </a:schemeClr>
+          </a:lnRef>
+          <a:fillRef idx="1">
+            <a:schemeClr val="accent1"/>
+          </a:fillRef>
+          <a:effectRef idx="0">
+            <a:schemeClr val="accent1"/>
+          </a:effectRef>
+          <a:fontRef idx="minor">
+            <a:schemeClr val="lt1"/>
+          </a:fontRef>
+        </p:style>
+        <p:txBody>
+          <a:bodyPr anchor="ctr" rtlCol="false"/>
+          <a:lstStyle/>
+          <a:p>
+            <a:pPr algn="ctr"/>
+          </a:p>
+        </p:txBody>
+      </p:sp>
+      <p:sp>
+        <p:nvSpPr>
+          <p:cNvPr id="31" name="TextBox 30"/>
+          <p:cNvSpPr txBox="true"/>
+          <p:nvPr/>
+        </p:nvSpPr>
+        <p:spPr>
+          <a:xfrm>
+            <a:off x="7200000" y="3960000"/>
+            <a:ext cx="1692000" cy="252000"/>
+          </a:xfrm>
+          <a:prstGeom prst="rect">
+            <a:avLst/>
+          </a:prstGeom>
+          <a:noFill/>
+        </p:spPr>
+        <p:txBody>
+          <a:bodyPr wrap="square" rtlCol="false">
+            <a:spAutoFit/>
+          </a:bodyPr>
+          <a:lstStyle/>
+          <a:p>
+            <a:r>
+              <a:rPr sz="2000"/>
+              <a:t>sentiment adı </a:t>
+            </a:r>
+          </a:p>
+        </p:txBody>
+      </p:sp>
+      <p:sp>
+        <p:nvSpPr>
+          <p:cNvPr id="32" name="TextBox 31"/>
+          <p:cNvSpPr txBox="true"/>
+          <p:nvPr/>
+        </p:nvSpPr>
+        <p:spPr>
+          <a:xfrm>
+            <a:off x="8712000" y="4014000"/>
+            <a:ext cx="1080000" cy="360000"/>
+          </a:xfrm>
+          <a:prstGeom prst="rect">
+            <a:avLst/>
+          </a:prstGeom>
+          <a:noFill/>
+        </p:spPr>
+        <p:txBody>
+          <a:bodyPr wrap="square" rtlCol="false">
+            <a:spAutoFit/>
+          </a:bodyPr>
+          <a:lstStyle/>
+          <a:p>
+            <a:r>
+              <a:rPr sz="1600">
+                <a:solidFill>
+                  <a:prstClr val="gray"/>
+                </a:solidFill>
+              </a:rPr>
+              <a:t>silik yazı </a:t>
+            </a:r>
+          </a:p>
+        </p:txBody>
+      </p:sp>
+      <p:sp>
+        <p:nvSpPr>
+          <p:cNvPr id="33" name="TextBox 32"/>
+          <p:cNvSpPr txBox="true"/>
+          <p:nvPr/>
+        </p:nvSpPr>
+        <p:spPr>
+          <a:xfrm>
+            <a:off x="10800000" y="4266000"/>
+            <a:ext cx="900000" cy="360000"/>
+          </a:xfrm>
+          <a:prstGeom prst="rect">
+            <a:avLst/>
+          </a:prstGeom>
+          <a:noFill/>
+        </p:spPr>
+        <p:txBody>
+          <a:bodyPr wrap="square" rtlCol="false">
+            <a:spAutoFit/>
+          </a:bodyPr>
+          <a:lstStyle/>
+          <a:p>
+            <a:r>
+              <a:rPr sz="1600"/>
+              <a:t>%43 </a:t>
+            </a:r>
+          </a:p>
+        </p:txBody>
+      </p:sp>
+      <p:sp>
+        <p:nvSpPr>
+          <p:cNvPr id="34" name="Rectangle 33"/>
+          <p:cNvSpPr/>
+          <p:nvPr/>
+        </p:nvSpPr>
+        <p:spPr>
+          <a:xfrm>
+            <a:off x="7200000" y="4320000"/>
+            <a:ext cx="1440000" cy="252000"/>
+          </a:xfrm>
+          <a:prstGeom prst="rect">
+            <a:avLst/>
+          </a:prstGeom>
+          <a:solidFill>
+            <a:srgbClr val="9BB528"/>
+          </a:solidFill>
+        </p:spPr>
+        <p:style>
+          <a:lnRef idx="2">
+            <a:schemeClr val="accent1">
+              <a:shade val="50000"/>
+            </a:schemeClr>
+          </a:lnRef>
+          <a:fillRef idx="1">
+            <a:schemeClr val="accent1"/>
+          </a:fillRef>
+          <a:effectRef idx="0">
+            <a:schemeClr val="accent1"/>
+          </a:effectRef>
+          <a:fontRef idx="minor">
+            <a:schemeClr val="lt1"/>
+          </a:fontRef>
+        </p:style>
+        <p:txBody>
+          <a:bodyPr anchor="ctr" rtlCol="false"/>
+          <a:lstStyle/>
+          <a:p>
+            <a:pPr algn="ctr"/>
+          </a:p>
+        </p:txBody>
+      </p:sp>
+      <p:sp>
+        <p:nvSpPr>
+          <p:cNvPr id="35" name="Rectangle 34"/>
+          <p:cNvSpPr/>
+          <p:nvPr/>
+        </p:nvSpPr>
+        <p:spPr>
+          <a:xfrm>
+            <a:off x="8640000" y="4320000"/>
+            <a:ext cx="720000" cy="252000"/>
+          </a:xfrm>
+          <a:prstGeom prst="rect">
+            <a:avLst/>
+          </a:prstGeom>
+          <a:solidFill>
+            <a:prstClr val="brown"/>
+          </a:solidFill>
+        </p:spPr>
+        <p:style>
+          <a:lnRef idx="2">
+            <a:schemeClr val="accent1">
+              <a:shade val="50000"/>
+            </a:schemeClr>
+          </a:lnRef>
+          <a:fillRef idx="1">
+            <a:schemeClr val="accent1"/>
+          </a:fillRef>
+          <a:effectRef idx="0">
+            <a:schemeClr val="accent1"/>
+          </a:effectRef>
+          <a:fontRef idx="minor">
+            <a:schemeClr val="lt1"/>
+          </a:fontRef>
+        </p:style>
+        <p:txBody>
+          <a:bodyPr anchor="ctr" rtlCol="false"/>
+          <a:lstStyle/>
+          <a:p>
+            <a:pPr algn="ctr"/>
+          </a:p>
+        </p:txBody>
+      </p:sp>
+      <p:sp>
+        <p:nvSpPr>
+          <p:cNvPr id="36" name="Rectangle 35"/>
+          <p:cNvSpPr/>
+          <p:nvPr/>
+        </p:nvSpPr>
+        <p:spPr>
+          <a:xfrm>
+            <a:off x="7200000" y="5040000"/>
+            <a:ext cx="3600000" cy="252000"/>
+          </a:xfrm>
+          <a:prstGeom prst="rect">
+            <a:avLst/>
+          </a:prstGeom>
+          <a:solidFill>
+            <a:srgbClr val="807D7E"/>
+          </a:solidFill>
+        </p:spPr>
+        <p:style>
+          <a:lnRef idx="2">
+            <a:schemeClr val="accent1">
+              <a:shade val="50000"/>
+            </a:schemeClr>
+          </a:lnRef>
+          <a:fillRef idx="1">
+            <a:schemeClr val="accent1"/>
+          </a:fillRef>
+          <a:effectRef idx="0">
+            <a:schemeClr val="accent1"/>
+          </a:effectRef>
+          <a:fontRef idx="minor">
+            <a:schemeClr val="lt1"/>
+          </a:fontRef>
+        </p:style>
+        <p:txBody>
+          <a:bodyPr anchor="ctr" rtlCol="false"/>
+          <a:lstStyle/>
+          <a:p>
+            <a:pPr algn="ctr"/>
+          </a:p>
+        </p:txBody>
+      </p:sp>
+      <p:sp>
+        <p:nvSpPr>
+          <p:cNvPr id="37" name="TextBox 36"/>
+          <p:cNvSpPr txBox="true"/>
+          <p:nvPr/>
+        </p:nvSpPr>
+        <p:spPr>
+          <a:xfrm>
+            <a:off x="7200000" y="4680000"/>
+            <a:ext cx="1692000" cy="252000"/>
+          </a:xfrm>
+          <a:prstGeom prst="rect">
+            <a:avLst/>
+          </a:prstGeom>
+          <a:noFill/>
+        </p:spPr>
+        <p:txBody>
+          <a:bodyPr wrap="square" rtlCol="false">
+            <a:spAutoFit/>
+          </a:bodyPr>
+          <a:lstStyle/>
+          <a:p>
+            <a:r>
+              <a:rPr sz="2000"/>
+              <a:t>sentiment adı </a:t>
+            </a:r>
+          </a:p>
+        </p:txBody>
+      </p:sp>
+      <p:sp>
+        <p:nvSpPr>
+          <p:cNvPr id="38" name="TextBox 37"/>
+          <p:cNvSpPr txBox="true"/>
+          <p:nvPr/>
+        </p:nvSpPr>
+        <p:spPr>
+          <a:xfrm>
+            <a:off x="8712000" y="4734000"/>
+            <a:ext cx="1080000" cy="360000"/>
+          </a:xfrm>
+          <a:prstGeom prst="rect">
+            <a:avLst/>
+          </a:prstGeom>
+          <a:noFill/>
+        </p:spPr>
+        <p:txBody>
+          <a:bodyPr wrap="square" rtlCol="false">
+            <a:spAutoFit/>
+          </a:bodyPr>
+          <a:lstStyle/>
+          <a:p>
+            <a:r>
+              <a:rPr sz="1600">
+                <a:solidFill>
+                  <a:prstClr val="gray"/>
+                </a:solidFill>
+              </a:rPr>
+              <a:t>silik yazı </a:t>
+            </a:r>
+          </a:p>
+        </p:txBody>
+      </p:sp>
+      <p:sp>
+        <p:nvSpPr>
+          <p:cNvPr id="39" name="TextBox 38"/>
+          <p:cNvSpPr txBox="true"/>
+          <p:nvPr/>
+        </p:nvSpPr>
+        <p:spPr>
+          <a:xfrm>
+            <a:off x="10800000" y="4986000"/>
+            <a:ext cx="900000" cy="360000"/>
+          </a:xfrm>
+          <a:prstGeom prst="rect">
+            <a:avLst/>
+          </a:prstGeom>
+          <a:noFill/>
+        </p:spPr>
+        <p:txBody>
+          <a:bodyPr wrap="square" rtlCol="false">
+            <a:spAutoFit/>
+          </a:bodyPr>
+          <a:lstStyle/>
+          <a:p>
+            <a:r>
+              <a:rPr sz="1600"/>
+              <a:t>%43 </a:t>
+            </a:r>
+          </a:p>
+        </p:txBody>
+      </p:sp>
+      <p:sp>
+        <p:nvSpPr>
+          <p:cNvPr id="40" name="Rectangle 39"/>
+          <p:cNvSpPr/>
+          <p:nvPr/>
+        </p:nvSpPr>
+        <p:spPr>
+          <a:xfrm>
+            <a:off x="7200000" y="5040000"/>
+            <a:ext cx="1440000" cy="252000"/>
+          </a:xfrm>
+          <a:prstGeom prst="rect">
+            <a:avLst/>
+          </a:prstGeom>
+          <a:solidFill>
+            <a:srgbClr val="9BB528"/>
+          </a:solidFill>
+        </p:spPr>
+        <p:style>
+          <a:lnRef idx="2">
+            <a:schemeClr val="accent1">
+              <a:shade val="50000"/>
+            </a:schemeClr>
+          </a:lnRef>
+          <a:fillRef idx="1">
+            <a:schemeClr val="accent1"/>
+          </a:fillRef>
+          <a:effectRef idx="0">
+            <a:schemeClr val="accent1"/>
+          </a:effectRef>
+          <a:fontRef idx="minor">
+            <a:schemeClr val="lt1"/>
+          </a:fontRef>
+        </p:style>
+        <p:txBody>
+          <a:bodyPr anchor="ctr" rtlCol="false"/>
+          <a:lstStyle/>
+          <a:p>
+            <a:pPr algn="ctr"/>
+          </a:p>
+        </p:txBody>
+      </p:sp>
+      <p:sp>
+        <p:nvSpPr>
+          <p:cNvPr id="41" name="Rectangle 40"/>
+          <p:cNvSpPr/>
+          <p:nvPr/>
+        </p:nvSpPr>
+        <p:spPr>
+          <a:xfrm>
+            <a:off x="8640000" y="5040000"/>
+            <a:ext cx="720000" cy="252000"/>
+          </a:xfrm>
+          <a:prstGeom prst="rect">
+            <a:avLst/>
+          </a:prstGeom>
+          <a:solidFill>
+            <a:prstClr val="brown"/>
+          </a:solidFill>
+        </p:spPr>
+        <p:style>
+          <a:lnRef idx="2">
+            <a:schemeClr val="accent1">
+              <a:shade val="50000"/>
+            </a:schemeClr>
+          </a:lnRef>
+          <a:fillRef idx="1">
+            <a:schemeClr val="accent1"/>
+          </a:fillRef>
+          <a:effectRef idx="0">
+            <a:schemeClr val="accent1"/>
+          </a:effectRef>
+          <a:fontRef idx="minor">
+            <a:schemeClr val="lt1"/>
+          </a:fontRef>
+        </p:style>
+        <p:txBody>
+          <a:bodyPr anchor="ctr" rtlCol="false"/>
+          <a:lstStyle/>
+          <a:p>
+            <a:pPr algn="ctr"/>
+          </a:p>
+        </p:txBody>
+      </p:sp>
+      <p:sp>
+        <p:nvSpPr>
+          <p:cNvPr id="42" name="Rectangle 41"/>
+          <p:cNvSpPr/>
+          <p:nvPr/>
+        </p:nvSpPr>
+        <p:spPr>
+          <a:xfrm>
+            <a:off x="7200000" y="5760000"/>
+            <a:ext cx="3600000" cy="252000"/>
+          </a:xfrm>
+          <a:prstGeom prst="rect">
+            <a:avLst/>
+          </a:prstGeom>
+          <a:solidFill>
+            <a:srgbClr val="807D7E"/>
+          </a:solidFill>
+        </p:spPr>
+        <p:style>
+          <a:lnRef idx="2">
+            <a:schemeClr val="accent1">
+              <a:shade val="50000"/>
+            </a:schemeClr>
+          </a:lnRef>
+          <a:fillRef idx="1">
+            <a:schemeClr val="accent1"/>
+          </a:fillRef>
+          <a:effectRef idx="0">
+            <a:schemeClr val="accent1"/>
+          </a:effectRef>
+          <a:fontRef idx="minor">
+            <a:schemeClr val="lt1"/>
+          </a:fontRef>
+        </p:style>
+        <p:txBody>
+          <a:bodyPr anchor="ctr" rtlCol="false"/>
+          <a:lstStyle/>
+          <a:p>
+            <a:pPr algn="ctr"/>
+          </a:p>
+        </p:txBody>
+      </p:sp>
+      <p:sp>
+        <p:nvSpPr>
+          <p:cNvPr id="43" name="TextBox 42"/>
+          <p:cNvSpPr txBox="true"/>
+          <p:nvPr/>
+        </p:nvSpPr>
+        <p:spPr>
+          <a:xfrm>
+            <a:off x="7200000" y="5400000"/>
+            <a:ext cx="1692000" cy="252000"/>
+          </a:xfrm>
+          <a:prstGeom prst="rect">
+            <a:avLst/>
+          </a:prstGeom>
+          <a:noFill/>
+        </p:spPr>
+        <p:txBody>
+          <a:bodyPr wrap="square" rtlCol="false">
+            <a:spAutoFit/>
+          </a:bodyPr>
+          <a:lstStyle/>
+          <a:p>
+            <a:r>
+              <a:rPr sz="2000"/>
+              <a:t>sentiment adı </a:t>
+            </a:r>
+          </a:p>
+        </p:txBody>
+      </p:sp>
+      <p:sp>
+        <p:nvSpPr>
+          <p:cNvPr id="44" name="TextBox 43"/>
+          <p:cNvSpPr txBox="true"/>
+          <p:nvPr/>
+        </p:nvSpPr>
+        <p:spPr>
+          <a:xfrm>
+            <a:off x="8712000" y="5454000"/>
+            <a:ext cx="1080000" cy="360000"/>
+          </a:xfrm>
+          <a:prstGeom prst="rect">
+            <a:avLst/>
+          </a:prstGeom>
+          <a:noFill/>
+        </p:spPr>
+        <p:txBody>
+          <a:bodyPr wrap="square" rtlCol="false">
+            <a:spAutoFit/>
+          </a:bodyPr>
+          <a:lstStyle/>
+          <a:p>
+            <a:r>
+              <a:rPr sz="1600">
+                <a:solidFill>
+                  <a:prstClr val="gray"/>
+                </a:solidFill>
+              </a:rPr>
+              <a:t>silik yazı </a:t>
+            </a:r>
+          </a:p>
+        </p:txBody>
+      </p:sp>
+      <p:sp>
+        <p:nvSpPr>
+          <p:cNvPr id="45" name="TextBox 44"/>
+          <p:cNvSpPr txBox="true"/>
+          <p:nvPr/>
+        </p:nvSpPr>
+        <p:spPr>
+          <a:xfrm>
+            <a:off x="10800000" y="5706000"/>
+            <a:ext cx="900000" cy="360000"/>
+          </a:xfrm>
+          <a:prstGeom prst="rect">
+            <a:avLst/>
+          </a:prstGeom>
+          <a:noFill/>
+        </p:spPr>
+        <p:txBody>
+          <a:bodyPr wrap="square" rtlCol="false">
+            <a:spAutoFit/>
+          </a:bodyPr>
+          <a:lstStyle/>
+          <a:p>
+            <a:r>
+              <a:rPr sz="1600"/>
+              <a:t>%43 </a:t>
+            </a:r>
+          </a:p>
+        </p:txBody>
+      </p:sp>
+      <p:sp>
+        <p:nvSpPr>
+          <p:cNvPr id="46" name="Rectangle 45"/>
+          <p:cNvSpPr/>
+          <p:nvPr/>
+        </p:nvSpPr>
+        <p:spPr>
+          <a:xfrm>
+            <a:off x="7200000" y="5760000"/>
+            <a:ext cx="1440000" cy="252000"/>
+          </a:xfrm>
+          <a:prstGeom prst="rect">
+            <a:avLst/>
+          </a:prstGeom>
+          <a:solidFill>
+            <a:srgbClr val="9BB528"/>
+          </a:solidFill>
+        </p:spPr>
+        <p:style>
+          <a:lnRef idx="2">
+            <a:schemeClr val="accent1">
+              <a:shade val="50000"/>
+            </a:schemeClr>
+          </a:lnRef>
+          <a:fillRef idx="1">
+            <a:schemeClr val="accent1"/>
+          </a:fillRef>
+          <a:effectRef idx="0">
+            <a:schemeClr val="accent1"/>
+          </a:effectRef>
+          <a:fontRef idx="minor">
+            <a:schemeClr val="lt1"/>
+          </a:fontRef>
+        </p:style>
+        <p:txBody>
+          <a:bodyPr anchor="ctr" rtlCol="false"/>
+          <a:lstStyle/>
+          <a:p>
+            <a:pPr algn="ctr"/>
+          </a:p>
+        </p:txBody>
+      </p:sp>
+      <p:sp>
+        <p:nvSpPr>
+          <p:cNvPr id="47" name="Rectangle 46"/>
+          <p:cNvSpPr/>
+          <p:nvPr/>
+        </p:nvSpPr>
+        <p:spPr>
+          <a:xfrm>
+            <a:off x="8640000" y="5760000"/>
+            <a:ext cx="720000" cy="252000"/>
+          </a:xfrm>
+          <a:prstGeom prst="rect">
+            <a:avLst/>
+          </a:prstGeom>
+          <a:solidFill>
+            <a:prstClr val="brown"/>
+          </a:solidFill>
+        </p:spPr>
+        <p:style>
+          <a:lnRef idx="2">
+            <a:schemeClr val="accent1">
+              <a:shade val="50000"/>
+            </a:schemeClr>
+          </a:lnRef>
+          <a:fillRef idx="1">
+            <a:schemeClr val="accent1"/>
+          </a:fillRef>
+          <a:effectRef idx="0">
+            <a:schemeClr val="accent1"/>
+          </a:effectRef>
+          <a:fontRef idx="minor">
+            <a:schemeClr val="lt1"/>
+          </a:fontRef>
+        </p:style>
+        <p:txBody>
+          <a:bodyPr anchor="ctr" rtlCol="false"/>
+          <a:lstStyle/>
+          <a:p>
+            <a:pPr algn="ctr"/>
+          </a:p>
+        </p:txBody>
+      </p:sp>
+    </p:spTree>
+  </p:cSld>
+  <p:clrMapOvr>
+    <a:masterClrMapping/>
+  </p:clrMapOvr>
+</p:sld>
+</file>
+
 <file path=ppt/theme/theme1.xml><?xml version="1.0" encoding="utf-8"?>
 <a:theme xmlns:a="http://schemas.openxmlformats.org/drawingml/2006/main" name="Office Theme">
   <a:themeElements>

--- a/gemPpt/gemPpt/Created Chart.pptx
+++ b/gemPpt/gemPpt/Created Chart.pptx
@@ -466,7 +466,7 @@
         <p:spPr>
           <a:xfrm>
             <a:off x="360000" y="4320000"/>
-            <a:ext cx="720000" cy="540000"/>
+            <a:ext cx="720000" cy="360000"/>
           </a:xfrm>
           <a:prstGeom prst="roundRect">
             <a:avLst/>
@@ -506,7 +506,7 @@
         <p:spPr>
           <a:xfrm>
             <a:off x="1440000" y="4320000"/>
-            <a:ext cx="1484317" cy="540000"/>
+            <a:ext cx="1484317" cy="360000"/>
           </a:xfrm>
           <a:prstGeom prst="roundRect">
             <a:avLst/>
@@ -546,7 +546,7 @@
         <p:spPr>
           <a:xfrm>
             <a:off x="3284317" y="4320000"/>
-            <a:ext cx="1425319" cy="540000"/>
+            <a:ext cx="1425319" cy="360000"/>
           </a:xfrm>
           <a:prstGeom prst="roundRect">
             <a:avLst/>
@@ -586,7 +586,7 @@
         <p:spPr>
           <a:xfrm>
             <a:off x="5069636" y="4320000"/>
-            <a:ext cx="1538178" cy="540000"/>
+            <a:ext cx="1538178" cy="360000"/>
           </a:xfrm>
           <a:prstGeom prst="roundRect">
             <a:avLst/>
@@ -626,7 +626,7 @@
         <p:spPr>
           <a:xfrm>
             <a:off x="6967814" y="4320000"/>
-            <a:ext cx="3693084" cy="540000"/>
+            <a:ext cx="3693084" cy="360000"/>
           </a:xfrm>
           <a:prstGeom prst="roundRect">
             <a:avLst/>
@@ -665,8 +665,8 @@
         </p:nvSpPr>
         <p:spPr>
           <a:xfrm>
-            <a:off x="540000" y="5040000"/>
-            <a:ext cx="1425319" cy="540000"/>
+            <a:off x="540000" y="4860000"/>
+            <a:ext cx="1425319" cy="360000"/>
           </a:xfrm>
           <a:prstGeom prst="roundRect">
             <a:avLst/>
@@ -705,8 +705,8 @@
         </p:nvSpPr>
         <p:spPr>
           <a:xfrm>
-            <a:off x="2325319" y="5040000"/>
-            <a:ext cx="1484317" cy="540000"/>
+            <a:off x="2325319" y="4860000"/>
+            <a:ext cx="1484317" cy="360000"/>
           </a:xfrm>
           <a:prstGeom prst="roundRect">
             <a:avLst/>
@@ -745,8 +745,8 @@
         </p:nvSpPr>
         <p:spPr>
           <a:xfrm>
-            <a:off x="4169636" y="5040000"/>
-            <a:ext cx="1425319" cy="540000"/>
+            <a:off x="4169636" y="4860000"/>
+            <a:ext cx="1425319" cy="360000"/>
           </a:xfrm>
           <a:prstGeom prst="roundRect">
             <a:avLst/>
@@ -785,8 +785,8 @@
         </p:nvSpPr>
         <p:spPr>
           <a:xfrm>
-            <a:off x="5954956" y="5040000"/>
-            <a:ext cx="1538178" cy="540000"/>
+            <a:off x="5954956" y="4860000"/>
+            <a:ext cx="1538178" cy="360000"/>
           </a:xfrm>
           <a:prstGeom prst="roundRect">
             <a:avLst/>
@@ -825,8 +825,8 @@
         </p:nvSpPr>
         <p:spPr>
           <a:xfrm>
-            <a:off x="7853133" y="5040000"/>
-            <a:ext cx="1484317" cy="540000"/>
+            <a:off x="7853133" y="4860000"/>
+            <a:ext cx="1484317" cy="360000"/>
           </a:xfrm>
           <a:prstGeom prst="roundRect">
             <a:avLst/>
@@ -865,8 +865,8 @@
         </p:nvSpPr>
         <p:spPr>
           <a:xfrm>
-            <a:off x="9697451" y="5040000"/>
-            <a:ext cx="1425319" cy="540000"/>
+            <a:off x="9697451" y="4860000"/>
+            <a:ext cx="1425319" cy="360000"/>
           </a:xfrm>
           <a:prstGeom prst="roundRect">
             <a:avLst/>
@@ -905,8 +905,8 @@
         </p:nvSpPr>
         <p:spPr>
           <a:xfrm>
-            <a:off x="180000" y="5760000"/>
-            <a:ext cx="1538178" cy="540000"/>
+            <a:off x="180000" y="5400000"/>
+            <a:ext cx="1538178" cy="360000"/>
           </a:xfrm>
           <a:prstGeom prst="roundRect">
             <a:avLst/>
@@ -945,8 +945,8 @@
         </p:nvSpPr>
         <p:spPr>
           <a:xfrm>
-            <a:off x="2078178" y="5760000"/>
-            <a:ext cx="1484317" cy="540000"/>
+            <a:off x="2078178" y="5400000"/>
+            <a:ext cx="1484317" cy="360000"/>
           </a:xfrm>
           <a:prstGeom prst="roundRect">
             <a:avLst/>
@@ -985,8 +985,8 @@
         </p:nvSpPr>
         <p:spPr>
           <a:xfrm>
-            <a:off x="3922495" y="5760000"/>
-            <a:ext cx="1425319" cy="540000"/>
+            <a:off x="3922495" y="5400000"/>
+            <a:ext cx="1425319" cy="360000"/>
           </a:xfrm>
           <a:prstGeom prst="roundRect">
             <a:avLst/>
@@ -1025,8 +1025,8 @@
         </p:nvSpPr>
         <p:spPr>
           <a:xfrm>
-            <a:off x="5707814" y="5760000"/>
-            <a:ext cx="1538178" cy="540000"/>
+            <a:off x="5707814" y="5400000"/>
+            <a:ext cx="1538178" cy="360000"/>
           </a:xfrm>
           <a:prstGeom prst="roundRect">
             <a:avLst/>

--- a/gemPpt/gemPpt/Created Chart.pptx
+++ b/gemPpt/gemPpt/Created Chart.pptx
@@ -472,12 +472,10 @@
             <a:avLst/>
           </a:prstGeom>
           <a:solidFill>
-            <a:srgbClr val="737070"/>
+            <a:srgbClr val="7F7F7F"/>
           </a:solidFill>
           <a:ln w="12700">
-            <a:solidFill>
-              <a:prstClr val="black"/>
-            </a:solidFill>
+            <a:noFill/>
           </a:ln>
         </p:spPr>
         <p:txBody>
@@ -512,12 +510,10 @@
             <a:avLst/>
           </a:prstGeom>
           <a:solidFill>
-            <a:srgbClr val="737070"/>
+            <a:srgbClr val="7F7F7F"/>
           </a:solidFill>
           <a:ln w="12700">
-            <a:solidFill>
-              <a:prstClr val="black"/>
-            </a:solidFill>
+            <a:noFill/>
           </a:ln>
         </p:spPr>
         <p:txBody>
@@ -552,12 +548,10 @@
             <a:avLst/>
           </a:prstGeom>
           <a:solidFill>
-            <a:srgbClr val="737070"/>
+            <a:srgbClr val="7F7F7F"/>
           </a:solidFill>
           <a:ln w="12700">
-            <a:solidFill>
-              <a:prstClr val="black"/>
-            </a:solidFill>
+            <a:noFill/>
           </a:ln>
         </p:spPr>
         <p:txBody>
@@ -592,12 +586,10 @@
             <a:avLst/>
           </a:prstGeom>
           <a:solidFill>
-            <a:srgbClr val="737070"/>
+            <a:srgbClr val="7F7F7F"/>
           </a:solidFill>
           <a:ln w="12700">
-            <a:solidFill>
-              <a:prstClr val="black"/>
-            </a:solidFill>
+            <a:noFill/>
           </a:ln>
         </p:spPr>
         <p:txBody>
@@ -632,12 +624,10 @@
             <a:avLst/>
           </a:prstGeom>
           <a:solidFill>
-            <a:srgbClr val="737070"/>
+            <a:srgbClr val="7F7F7F"/>
           </a:solidFill>
           <a:ln w="12700">
-            <a:solidFill>
-              <a:prstClr val="black"/>
-            </a:solidFill>
+            <a:noFill/>
           </a:ln>
         </p:spPr>
         <p:txBody>
@@ -672,12 +662,10 @@
             <a:avLst/>
           </a:prstGeom>
           <a:solidFill>
-            <a:srgbClr val="737070"/>
+            <a:srgbClr val="7F7F7F"/>
           </a:solidFill>
           <a:ln w="12700">
-            <a:solidFill>
-              <a:prstClr val="black"/>
-            </a:solidFill>
+            <a:noFill/>
           </a:ln>
         </p:spPr>
         <p:txBody>
@@ -712,12 +700,10 @@
             <a:avLst/>
           </a:prstGeom>
           <a:solidFill>
-            <a:srgbClr val="737070"/>
+            <a:srgbClr val="7F7F7F"/>
           </a:solidFill>
           <a:ln w="12700">
-            <a:solidFill>
-              <a:prstClr val="black"/>
-            </a:solidFill>
+            <a:noFill/>
           </a:ln>
         </p:spPr>
         <p:txBody>
@@ -752,12 +738,10 @@
             <a:avLst/>
           </a:prstGeom>
           <a:solidFill>
-            <a:srgbClr val="737070"/>
+            <a:srgbClr val="7F7F7F"/>
           </a:solidFill>
           <a:ln w="12700">
-            <a:solidFill>
-              <a:prstClr val="black"/>
-            </a:solidFill>
+            <a:noFill/>
           </a:ln>
         </p:spPr>
         <p:txBody>
@@ -792,12 +776,10 @@
             <a:avLst/>
           </a:prstGeom>
           <a:solidFill>
-            <a:srgbClr val="737070"/>
+            <a:srgbClr val="7F7F7F"/>
           </a:solidFill>
           <a:ln w="12700">
-            <a:solidFill>
-              <a:prstClr val="black"/>
-            </a:solidFill>
+            <a:noFill/>
           </a:ln>
         </p:spPr>
         <p:txBody>
@@ -832,12 +814,10 @@
             <a:avLst/>
           </a:prstGeom>
           <a:solidFill>
-            <a:srgbClr val="737070"/>
+            <a:srgbClr val="7F7F7F"/>
           </a:solidFill>
           <a:ln w="12700">
-            <a:solidFill>
-              <a:prstClr val="black"/>
-            </a:solidFill>
+            <a:noFill/>
           </a:ln>
         </p:spPr>
         <p:txBody>
@@ -872,12 +852,10 @@
             <a:avLst/>
           </a:prstGeom>
           <a:solidFill>
-            <a:srgbClr val="737070"/>
+            <a:srgbClr val="7F7F7F"/>
           </a:solidFill>
           <a:ln w="12700">
-            <a:solidFill>
-              <a:prstClr val="black"/>
-            </a:solidFill>
+            <a:noFill/>
           </a:ln>
         </p:spPr>
         <p:txBody>
@@ -912,12 +890,10 @@
             <a:avLst/>
           </a:prstGeom>
           <a:solidFill>
-            <a:srgbClr val="737070"/>
+            <a:srgbClr val="7F7F7F"/>
           </a:solidFill>
           <a:ln w="12700">
-            <a:solidFill>
-              <a:prstClr val="black"/>
-            </a:solidFill>
+            <a:noFill/>
           </a:ln>
         </p:spPr>
         <p:txBody>
@@ -952,12 +928,10 @@
             <a:avLst/>
           </a:prstGeom>
           <a:solidFill>
-            <a:srgbClr val="737070"/>
+            <a:srgbClr val="7F7F7F"/>
           </a:solidFill>
           <a:ln w="12700">
-            <a:solidFill>
-              <a:prstClr val="black"/>
-            </a:solidFill>
+            <a:noFill/>
           </a:ln>
         </p:spPr>
         <p:txBody>
@@ -992,12 +966,10 @@
             <a:avLst/>
           </a:prstGeom>
           <a:solidFill>
-            <a:srgbClr val="737070"/>
+            <a:srgbClr val="7F7F7F"/>
           </a:solidFill>
           <a:ln w="12700">
-            <a:solidFill>
-              <a:prstClr val="black"/>
-            </a:solidFill>
+            <a:noFill/>
           </a:ln>
         </p:spPr>
         <p:txBody>
@@ -1032,12 +1004,10 @@
             <a:avLst/>
           </a:prstGeom>
           <a:solidFill>
-            <a:srgbClr val="737070"/>
+            <a:srgbClr val="7F7F7F"/>
           </a:solidFill>
           <a:ln w="12700">
-            <a:solidFill>
-              <a:prstClr val="black"/>
-            </a:solidFill>
+            <a:noFill/>
           </a:ln>
         </p:spPr>
         <p:txBody>
@@ -1105,7 +1075,7 @@
           <a:lstStyle/>
           <a:p>
             <a:r>
-              <a:t>DEĞİŞİR BURALAR </a:t>
+              <a:t/>
             </a:r>
           </a:p>
         </p:txBody>
@@ -1125,8 +1095,11 @@
             <a:avLst/>
           </a:prstGeom>
           <a:solidFill>
-            <a:srgbClr val="E8E8E8"/>
-          </a:solidFill>
+            <a:srgbClr val="F2F2F2"/>
+          </a:solidFill>
+          <a:ln>
+            <a:noFill/>
+          </a:ln>
         </p:spPr>
         <p:style>
           <a:lnRef idx="2">
@@ -1258,8 +1231,11 @@
             <a:avLst/>
           </a:prstGeom>
           <a:solidFill>
-            <a:prstClr val="orange"/>
-          </a:solidFill>
+            <a:srgbClr val="FFC000"/>
+          </a:solidFill>
+          <a:ln>
+            <a:noFill/>
+          </a:ln>
         </p:spPr>
         <p:style>
           <a:lnRef idx="2">
@@ -1300,8 +1276,11 @@
             <a:avLst/>
           </a:prstGeom>
           <a:solidFill>
-            <a:srgbClr val="E8E8E8"/>
-          </a:solidFill>
+            <a:srgbClr val="F2F2F2"/>
+          </a:solidFill>
+          <a:ln>
+            <a:noFill/>
+          </a:ln>
         </p:spPr>
         <p:style>
           <a:lnRef idx="2">
@@ -1433,8 +1412,11 @@
             <a:avLst/>
           </a:prstGeom>
           <a:solidFill>
-            <a:prstClr val="orange"/>
-          </a:solidFill>
+            <a:srgbClr val="FFC000"/>
+          </a:solidFill>
+          <a:ln>
+            <a:noFill/>
+          </a:ln>
         </p:spPr>
         <p:style>
           <a:lnRef idx="2">
@@ -1475,8 +1457,11 @@
             <a:avLst/>
           </a:prstGeom>
           <a:solidFill>
-            <a:srgbClr val="E8E8E8"/>
-          </a:solidFill>
+            <a:srgbClr val="F2F2F2"/>
+          </a:solidFill>
+          <a:ln>
+            <a:noFill/>
+          </a:ln>
         </p:spPr>
         <p:style>
           <a:lnRef idx="2">
@@ -1608,8 +1593,11 @@
             <a:avLst/>
           </a:prstGeom>
           <a:solidFill>
-            <a:prstClr val="orange"/>
-          </a:solidFill>
+            <a:srgbClr val="FFC000"/>
+          </a:solidFill>
+          <a:ln>
+            <a:noFill/>
+          </a:ln>
         </p:spPr>
         <p:style>
           <a:lnRef idx="2">
@@ -1650,8 +1638,11 @@
             <a:avLst/>
           </a:prstGeom>
           <a:solidFill>
-            <a:srgbClr val="E8E8E8"/>
-          </a:solidFill>
+            <a:srgbClr val="F2F2F2"/>
+          </a:solidFill>
+          <a:ln>
+            <a:noFill/>
+          </a:ln>
         </p:spPr>
         <p:style>
           <a:lnRef idx="2">
@@ -1783,8 +1774,11 @@
             <a:avLst/>
           </a:prstGeom>
           <a:solidFill>
-            <a:prstClr val="orange"/>
-          </a:solidFill>
+            <a:srgbClr val="FFC000"/>
+          </a:solidFill>
+          <a:ln>
+            <a:noFill/>
+          </a:ln>
         </p:spPr>
         <p:style>
           <a:lnRef idx="2">
@@ -1824,9 +1818,7 @@
           <a:prstGeom prst="rect">
             <a:avLst/>
           </a:prstGeom>
-          <a:solidFill>
-            <a:prstClr val="ltGrey"/>
-          </a:solidFill>
+          <a:noFill/>
         </p:spPr>
         <p:style>
           <a:lnRef idx="2">
@@ -1867,8 +1859,11 @@
             <a:avLst/>
           </a:prstGeom>
           <a:solidFill>
-            <a:srgbClr val="807D7E"/>
-          </a:solidFill>
+            <a:srgbClr val="7F7F7F"/>
+          </a:solidFill>
+          <a:ln>
+            <a:noFill/>
+          </a:ln>
         </p:spPr>
         <p:style>
           <a:lnRef idx="2">
@@ -2000,8 +1995,11 @@
             <a:avLst/>
           </a:prstGeom>
           <a:solidFill>
-            <a:srgbClr val="9BB528"/>
-          </a:solidFill>
+            <a:srgbClr val="9BBB59"/>
+          </a:solidFill>
+          <a:ln>
+            <a:noFill/>
+          </a:ln>
         </p:spPr>
         <p:style>
           <a:lnRef idx="2">
@@ -2042,8 +2040,11 @@
             <a:avLst/>
           </a:prstGeom>
           <a:solidFill>
-            <a:prstClr val="brown"/>
-          </a:solidFill>
+            <a:srgbClr val="953735"/>
+          </a:solidFill>
+          <a:ln>
+            <a:noFill/>
+          </a:ln>
         </p:spPr>
         <p:style>
           <a:lnRef idx="2">
@@ -2084,8 +2085,11 @@
             <a:avLst/>
           </a:prstGeom>
           <a:solidFill>
-            <a:srgbClr val="807D7E"/>
-          </a:solidFill>
+            <a:srgbClr val="7F7F7F"/>
+          </a:solidFill>
+          <a:ln>
+            <a:noFill/>
+          </a:ln>
         </p:spPr>
         <p:style>
           <a:lnRef idx="2">
@@ -2217,8 +2221,11 @@
             <a:avLst/>
           </a:prstGeom>
           <a:solidFill>
-            <a:srgbClr val="9BB528"/>
-          </a:solidFill>
+            <a:srgbClr val="9BBB59"/>
+          </a:solidFill>
+          <a:ln>
+            <a:noFill/>
+          </a:ln>
         </p:spPr>
         <p:style>
           <a:lnRef idx="2">
@@ -2259,8 +2266,11 @@
             <a:avLst/>
           </a:prstGeom>
           <a:solidFill>
-            <a:prstClr val="brown"/>
-          </a:solidFill>
+            <a:srgbClr val="953735"/>
+          </a:solidFill>
+          <a:ln>
+            <a:noFill/>
+          </a:ln>
         </p:spPr>
         <p:style>
           <a:lnRef idx="2">
@@ -2301,8 +2311,11 @@
             <a:avLst/>
           </a:prstGeom>
           <a:solidFill>
-            <a:srgbClr val="807D7E"/>
-          </a:solidFill>
+            <a:srgbClr val="7F7F7F"/>
+          </a:solidFill>
+          <a:ln>
+            <a:noFill/>
+          </a:ln>
         </p:spPr>
         <p:style>
           <a:lnRef idx="2">
@@ -2434,8 +2447,11 @@
             <a:avLst/>
           </a:prstGeom>
           <a:solidFill>
-            <a:srgbClr val="9BB528"/>
-          </a:solidFill>
+            <a:srgbClr val="9BBB59"/>
+          </a:solidFill>
+          <a:ln>
+            <a:noFill/>
+          </a:ln>
         </p:spPr>
         <p:style>
           <a:lnRef idx="2">
@@ -2476,8 +2492,11 @@
             <a:avLst/>
           </a:prstGeom>
           <a:solidFill>
-            <a:prstClr val="brown"/>
-          </a:solidFill>
+            <a:srgbClr val="953735"/>
+          </a:solidFill>
+          <a:ln>
+            <a:noFill/>
+          </a:ln>
         </p:spPr>
         <p:style>
           <a:lnRef idx="2">
@@ -2518,8 +2537,11 @@
             <a:avLst/>
           </a:prstGeom>
           <a:solidFill>
-            <a:srgbClr val="807D7E"/>
-          </a:solidFill>
+            <a:srgbClr val="7F7F7F"/>
+          </a:solidFill>
+          <a:ln>
+            <a:noFill/>
+          </a:ln>
         </p:spPr>
         <p:style>
           <a:lnRef idx="2">
@@ -2651,8 +2673,11 @@
             <a:avLst/>
           </a:prstGeom>
           <a:solidFill>
-            <a:srgbClr val="9BB528"/>
-          </a:solidFill>
+            <a:srgbClr val="9BBB59"/>
+          </a:solidFill>
+          <a:ln>
+            <a:noFill/>
+          </a:ln>
         </p:spPr>
         <p:style>
           <a:lnRef idx="2">
@@ -2693,8 +2718,11 @@
             <a:avLst/>
           </a:prstGeom>
           <a:solidFill>
-            <a:prstClr val="brown"/>
-          </a:solidFill>
+            <a:srgbClr val="953735"/>
+          </a:solidFill>
+          <a:ln>
+            <a:noFill/>
+          </a:ln>
         </p:spPr>
         <p:style>
           <a:lnRef idx="2">
@@ -2768,7 +2796,7 @@
           <a:lstStyle/>
           <a:p>
             <a:r>
-              <a:t>DEĞİŞİR BURALAR </a:t>
+              <a:t/>
             </a:r>
           </a:p>
         </p:txBody>
@@ -2788,8 +2816,11 @@
             <a:avLst/>
           </a:prstGeom>
           <a:solidFill>
-            <a:srgbClr val="E8E8E8"/>
-          </a:solidFill>
+            <a:srgbClr val="F2F2F2"/>
+          </a:solidFill>
+          <a:ln>
+            <a:noFill/>
+          </a:ln>
         </p:spPr>
         <p:style>
           <a:lnRef idx="2">
@@ -2921,8 +2952,11 @@
             <a:avLst/>
           </a:prstGeom>
           <a:solidFill>
-            <a:prstClr val="orange"/>
-          </a:solidFill>
+            <a:srgbClr val="FFC000"/>
+          </a:solidFill>
+          <a:ln>
+            <a:noFill/>
+          </a:ln>
         </p:spPr>
         <p:style>
           <a:lnRef idx="2">
@@ -2963,8 +2997,11 @@
             <a:avLst/>
           </a:prstGeom>
           <a:solidFill>
-            <a:srgbClr val="E8E8E8"/>
-          </a:solidFill>
+            <a:srgbClr val="F2F2F2"/>
+          </a:solidFill>
+          <a:ln>
+            <a:noFill/>
+          </a:ln>
         </p:spPr>
         <p:style>
           <a:lnRef idx="2">
@@ -3096,8 +3133,11 @@
             <a:avLst/>
           </a:prstGeom>
           <a:solidFill>
-            <a:prstClr val="orange"/>
-          </a:solidFill>
+            <a:srgbClr val="FFC000"/>
+          </a:solidFill>
+          <a:ln>
+            <a:noFill/>
+          </a:ln>
         </p:spPr>
         <p:style>
           <a:lnRef idx="2">
@@ -3138,8 +3178,11 @@
             <a:avLst/>
           </a:prstGeom>
           <a:solidFill>
-            <a:srgbClr val="E8E8E8"/>
-          </a:solidFill>
+            <a:srgbClr val="F2F2F2"/>
+          </a:solidFill>
+          <a:ln>
+            <a:noFill/>
+          </a:ln>
         </p:spPr>
         <p:style>
           <a:lnRef idx="2">
@@ -3271,8 +3314,11 @@
             <a:avLst/>
           </a:prstGeom>
           <a:solidFill>
-            <a:prstClr val="orange"/>
-          </a:solidFill>
+            <a:srgbClr val="FFC000"/>
+          </a:solidFill>
+          <a:ln>
+            <a:noFill/>
+          </a:ln>
         </p:spPr>
         <p:style>
           <a:lnRef idx="2">
@@ -3313,8 +3359,11 @@
             <a:avLst/>
           </a:prstGeom>
           <a:solidFill>
-            <a:srgbClr val="E8E8E8"/>
-          </a:solidFill>
+            <a:srgbClr val="F2F2F2"/>
+          </a:solidFill>
+          <a:ln>
+            <a:noFill/>
+          </a:ln>
         </p:spPr>
         <p:style>
           <a:lnRef idx="2">
@@ -3446,8 +3495,11 @@
             <a:avLst/>
           </a:prstGeom>
           <a:solidFill>
-            <a:prstClr val="orange"/>
-          </a:solidFill>
+            <a:srgbClr val="FFC000"/>
+          </a:solidFill>
+          <a:ln>
+            <a:noFill/>
+          </a:ln>
         </p:spPr>
         <p:style>
           <a:lnRef idx="2">
@@ -3487,9 +3539,7 @@
           <a:prstGeom prst="rect">
             <a:avLst/>
           </a:prstGeom>
-          <a:solidFill>
-            <a:prstClr val="ltGrey"/>
-          </a:solidFill>
+          <a:noFill/>
         </p:spPr>
         <p:style>
           <a:lnRef idx="2">
@@ -3530,8 +3580,11 @@
             <a:avLst/>
           </a:prstGeom>
           <a:solidFill>
-            <a:srgbClr val="807D7E"/>
-          </a:solidFill>
+            <a:srgbClr val="7F7F7F"/>
+          </a:solidFill>
+          <a:ln>
+            <a:noFill/>
+          </a:ln>
         </p:spPr>
         <p:style>
           <a:lnRef idx="2">
@@ -3663,8 +3716,11 @@
             <a:avLst/>
           </a:prstGeom>
           <a:solidFill>
-            <a:srgbClr val="9BB528"/>
-          </a:solidFill>
+            <a:srgbClr val="9BBB59"/>
+          </a:solidFill>
+          <a:ln>
+            <a:noFill/>
+          </a:ln>
         </p:spPr>
         <p:style>
           <a:lnRef idx="2">
@@ -3705,8 +3761,11 @@
             <a:avLst/>
           </a:prstGeom>
           <a:solidFill>
-            <a:prstClr val="brown"/>
-          </a:solidFill>
+            <a:srgbClr val="953735"/>
+          </a:solidFill>
+          <a:ln>
+            <a:noFill/>
+          </a:ln>
         </p:spPr>
         <p:style>
           <a:lnRef idx="2">
@@ -3747,8 +3806,11 @@
             <a:avLst/>
           </a:prstGeom>
           <a:solidFill>
-            <a:srgbClr val="807D7E"/>
-          </a:solidFill>
+            <a:srgbClr val="7F7F7F"/>
+          </a:solidFill>
+          <a:ln>
+            <a:noFill/>
+          </a:ln>
         </p:spPr>
         <p:style>
           <a:lnRef idx="2">
@@ -3880,8 +3942,11 @@
             <a:avLst/>
           </a:prstGeom>
           <a:solidFill>
-            <a:srgbClr val="9BB528"/>
-          </a:solidFill>
+            <a:srgbClr val="9BBB59"/>
+          </a:solidFill>
+          <a:ln>
+            <a:noFill/>
+          </a:ln>
         </p:spPr>
         <p:style>
           <a:lnRef idx="2">
@@ -3922,8 +3987,11 @@
             <a:avLst/>
           </a:prstGeom>
           <a:solidFill>
-            <a:prstClr val="brown"/>
-          </a:solidFill>
+            <a:srgbClr val="953735"/>
+          </a:solidFill>
+          <a:ln>
+            <a:noFill/>
+          </a:ln>
         </p:spPr>
         <p:style>
           <a:lnRef idx="2">
@@ -3964,8 +4032,11 @@
             <a:avLst/>
           </a:prstGeom>
           <a:solidFill>
-            <a:srgbClr val="807D7E"/>
-          </a:solidFill>
+            <a:srgbClr val="7F7F7F"/>
+          </a:solidFill>
+          <a:ln>
+            <a:noFill/>
+          </a:ln>
         </p:spPr>
         <p:style>
           <a:lnRef idx="2">
@@ -4097,8 +4168,11 @@
             <a:avLst/>
           </a:prstGeom>
           <a:solidFill>
-            <a:srgbClr val="9BB528"/>
-          </a:solidFill>
+            <a:srgbClr val="9BBB59"/>
+          </a:solidFill>
+          <a:ln>
+            <a:noFill/>
+          </a:ln>
         </p:spPr>
         <p:style>
           <a:lnRef idx="2">
@@ -4139,8 +4213,11 @@
             <a:avLst/>
           </a:prstGeom>
           <a:solidFill>
-            <a:prstClr val="brown"/>
-          </a:solidFill>
+            <a:srgbClr val="953735"/>
+          </a:solidFill>
+          <a:ln>
+            <a:noFill/>
+          </a:ln>
         </p:spPr>
         <p:style>
           <a:lnRef idx="2">
@@ -4181,8 +4258,11 @@
             <a:avLst/>
           </a:prstGeom>
           <a:solidFill>
-            <a:srgbClr val="807D7E"/>
-          </a:solidFill>
+            <a:srgbClr val="7F7F7F"/>
+          </a:solidFill>
+          <a:ln>
+            <a:noFill/>
+          </a:ln>
         </p:spPr>
         <p:style>
           <a:lnRef idx="2">
@@ -4314,8 +4394,11 @@
             <a:avLst/>
           </a:prstGeom>
           <a:solidFill>
-            <a:srgbClr val="9BB528"/>
-          </a:solidFill>
+            <a:srgbClr val="9BBB59"/>
+          </a:solidFill>
+          <a:ln>
+            <a:noFill/>
+          </a:ln>
         </p:spPr>
         <p:style>
           <a:lnRef idx="2">
@@ -4356,8 +4439,11 @@
             <a:avLst/>
           </a:prstGeom>
           <a:solidFill>
-            <a:prstClr val="brown"/>
-          </a:solidFill>
+            <a:srgbClr val="953735"/>
+          </a:solidFill>
+          <a:ln>
+            <a:noFill/>
+          </a:ln>
         </p:spPr>
         <p:style>
           <a:lnRef idx="2">
@@ -4431,7 +4517,7 @@
           <a:lstStyle/>
           <a:p>
             <a:r>
-              <a:t>DEĞİŞİR BURALAR </a:t>
+              <a:t/>
             </a:r>
           </a:p>
         </p:txBody>
@@ -4451,8 +4537,11 @@
             <a:avLst/>
           </a:prstGeom>
           <a:solidFill>
-            <a:srgbClr val="E8E8E8"/>
-          </a:solidFill>
+            <a:srgbClr val="F2F2F2"/>
+          </a:solidFill>
+          <a:ln>
+            <a:noFill/>
+          </a:ln>
         </p:spPr>
         <p:style>
           <a:lnRef idx="2">
@@ -4584,8 +4673,11 @@
             <a:avLst/>
           </a:prstGeom>
           <a:solidFill>
-            <a:prstClr val="orange"/>
-          </a:solidFill>
+            <a:srgbClr val="FFC000"/>
+          </a:solidFill>
+          <a:ln>
+            <a:noFill/>
+          </a:ln>
         </p:spPr>
         <p:style>
           <a:lnRef idx="2">
@@ -4626,8 +4718,11 @@
             <a:avLst/>
           </a:prstGeom>
           <a:solidFill>
-            <a:srgbClr val="E8E8E8"/>
-          </a:solidFill>
+            <a:srgbClr val="F2F2F2"/>
+          </a:solidFill>
+          <a:ln>
+            <a:noFill/>
+          </a:ln>
         </p:spPr>
         <p:style>
           <a:lnRef idx="2">
@@ -4759,8 +4854,11 @@
             <a:avLst/>
           </a:prstGeom>
           <a:solidFill>
-            <a:prstClr val="orange"/>
-          </a:solidFill>
+            <a:srgbClr val="FFC000"/>
+          </a:solidFill>
+          <a:ln>
+            <a:noFill/>
+          </a:ln>
         </p:spPr>
         <p:style>
           <a:lnRef idx="2">
@@ -4801,8 +4899,11 @@
             <a:avLst/>
           </a:prstGeom>
           <a:solidFill>
-            <a:srgbClr val="E8E8E8"/>
-          </a:solidFill>
+            <a:srgbClr val="F2F2F2"/>
+          </a:solidFill>
+          <a:ln>
+            <a:noFill/>
+          </a:ln>
         </p:spPr>
         <p:style>
           <a:lnRef idx="2">
@@ -4934,8 +5035,11 @@
             <a:avLst/>
           </a:prstGeom>
           <a:solidFill>
-            <a:prstClr val="orange"/>
-          </a:solidFill>
+            <a:srgbClr val="FFC000"/>
+          </a:solidFill>
+          <a:ln>
+            <a:noFill/>
+          </a:ln>
         </p:spPr>
         <p:style>
           <a:lnRef idx="2">
@@ -4976,8 +5080,11 @@
             <a:avLst/>
           </a:prstGeom>
           <a:solidFill>
-            <a:srgbClr val="E8E8E8"/>
-          </a:solidFill>
+            <a:srgbClr val="F2F2F2"/>
+          </a:solidFill>
+          <a:ln>
+            <a:noFill/>
+          </a:ln>
         </p:spPr>
         <p:style>
           <a:lnRef idx="2">
@@ -5109,8 +5216,11 @@
             <a:avLst/>
           </a:prstGeom>
           <a:solidFill>
-            <a:prstClr val="orange"/>
-          </a:solidFill>
+            <a:srgbClr val="FFC000"/>
+          </a:solidFill>
+          <a:ln>
+            <a:noFill/>
+          </a:ln>
         </p:spPr>
         <p:style>
           <a:lnRef idx="2">
@@ -5150,9 +5260,7 @@
           <a:prstGeom prst="rect">
             <a:avLst/>
           </a:prstGeom>
-          <a:solidFill>
-            <a:prstClr val="ltGrey"/>
-          </a:solidFill>
+          <a:noFill/>
         </p:spPr>
         <p:style>
           <a:lnRef idx="2">
@@ -5193,8 +5301,11 @@
             <a:avLst/>
           </a:prstGeom>
           <a:solidFill>
-            <a:srgbClr val="807D7E"/>
-          </a:solidFill>
+            <a:srgbClr val="7F7F7F"/>
+          </a:solidFill>
+          <a:ln>
+            <a:noFill/>
+          </a:ln>
         </p:spPr>
         <p:style>
           <a:lnRef idx="2">
@@ -5326,8 +5437,11 @@
             <a:avLst/>
           </a:prstGeom>
           <a:solidFill>
-            <a:srgbClr val="9BB528"/>
-          </a:solidFill>
+            <a:srgbClr val="9BBB59"/>
+          </a:solidFill>
+          <a:ln>
+            <a:noFill/>
+          </a:ln>
         </p:spPr>
         <p:style>
           <a:lnRef idx="2">
@@ -5368,8 +5482,11 @@
             <a:avLst/>
           </a:prstGeom>
           <a:solidFill>
-            <a:prstClr val="brown"/>
-          </a:solidFill>
+            <a:srgbClr val="953735"/>
+          </a:solidFill>
+          <a:ln>
+            <a:noFill/>
+          </a:ln>
         </p:spPr>
         <p:style>
           <a:lnRef idx="2">
@@ -5410,8 +5527,11 @@
             <a:avLst/>
           </a:prstGeom>
           <a:solidFill>
-            <a:srgbClr val="807D7E"/>
-          </a:solidFill>
+            <a:srgbClr val="7F7F7F"/>
+          </a:solidFill>
+          <a:ln>
+            <a:noFill/>
+          </a:ln>
         </p:spPr>
         <p:style>
           <a:lnRef idx="2">
@@ -5543,8 +5663,11 @@
             <a:avLst/>
           </a:prstGeom>
           <a:solidFill>
-            <a:srgbClr val="9BB528"/>
-          </a:solidFill>
+            <a:srgbClr val="9BBB59"/>
+          </a:solidFill>
+          <a:ln>
+            <a:noFill/>
+          </a:ln>
         </p:spPr>
         <p:style>
           <a:lnRef idx="2">
@@ -5585,8 +5708,11 @@
             <a:avLst/>
           </a:prstGeom>
           <a:solidFill>
-            <a:prstClr val="brown"/>
-          </a:solidFill>
+            <a:srgbClr val="953735"/>
+          </a:solidFill>
+          <a:ln>
+            <a:noFill/>
+          </a:ln>
         </p:spPr>
         <p:style>
           <a:lnRef idx="2">
@@ -5627,8 +5753,11 @@
             <a:avLst/>
           </a:prstGeom>
           <a:solidFill>
-            <a:srgbClr val="807D7E"/>
-          </a:solidFill>
+            <a:srgbClr val="7F7F7F"/>
+          </a:solidFill>
+          <a:ln>
+            <a:noFill/>
+          </a:ln>
         </p:spPr>
         <p:style>
           <a:lnRef idx="2">
@@ -5760,8 +5889,11 @@
             <a:avLst/>
           </a:prstGeom>
           <a:solidFill>
-            <a:srgbClr val="9BB528"/>
-          </a:solidFill>
+            <a:srgbClr val="9BBB59"/>
+          </a:solidFill>
+          <a:ln>
+            <a:noFill/>
+          </a:ln>
         </p:spPr>
         <p:style>
           <a:lnRef idx="2">
@@ -5802,8 +5934,11 @@
             <a:avLst/>
           </a:prstGeom>
           <a:solidFill>
-            <a:prstClr val="brown"/>
-          </a:solidFill>
+            <a:srgbClr val="953735"/>
+          </a:solidFill>
+          <a:ln>
+            <a:noFill/>
+          </a:ln>
         </p:spPr>
         <p:style>
           <a:lnRef idx="2">
@@ -5844,8 +5979,11 @@
             <a:avLst/>
           </a:prstGeom>
           <a:solidFill>
-            <a:srgbClr val="807D7E"/>
-          </a:solidFill>
+            <a:srgbClr val="7F7F7F"/>
+          </a:solidFill>
+          <a:ln>
+            <a:noFill/>
+          </a:ln>
         </p:spPr>
         <p:style>
           <a:lnRef idx="2">
@@ -5977,8 +6115,11 @@
             <a:avLst/>
           </a:prstGeom>
           <a:solidFill>
-            <a:srgbClr val="9BB528"/>
-          </a:solidFill>
+            <a:srgbClr val="9BBB59"/>
+          </a:solidFill>
+          <a:ln>
+            <a:noFill/>
+          </a:ln>
         </p:spPr>
         <p:style>
           <a:lnRef idx="2">
@@ -6019,8 +6160,11 @@
             <a:avLst/>
           </a:prstGeom>
           <a:solidFill>
-            <a:prstClr val="brown"/>
-          </a:solidFill>
+            <a:srgbClr val="953735"/>
+          </a:solidFill>
+          <a:ln>
+            <a:noFill/>
+          </a:ln>
         </p:spPr>
         <p:style>
           <a:lnRef idx="2">
@@ -6094,7 +6238,7 @@
           <a:lstStyle/>
           <a:p>
             <a:r>
-              <a:t>DEĞİŞİR BURALAR </a:t>
+              <a:t/>
             </a:r>
           </a:p>
         </p:txBody>
@@ -6114,8 +6258,11 @@
             <a:avLst/>
           </a:prstGeom>
           <a:solidFill>
-            <a:srgbClr val="E8E8E8"/>
-          </a:solidFill>
+            <a:srgbClr val="F2F2F2"/>
+          </a:solidFill>
+          <a:ln>
+            <a:noFill/>
+          </a:ln>
         </p:spPr>
         <p:style>
           <a:lnRef idx="2">
@@ -6247,8 +6394,11 @@
             <a:avLst/>
           </a:prstGeom>
           <a:solidFill>
-            <a:prstClr val="orange"/>
-          </a:solidFill>
+            <a:srgbClr val="FFC000"/>
+          </a:solidFill>
+          <a:ln>
+            <a:noFill/>
+          </a:ln>
         </p:spPr>
         <p:style>
           <a:lnRef idx="2">
@@ -6289,8 +6439,11 @@
             <a:avLst/>
           </a:prstGeom>
           <a:solidFill>
-            <a:srgbClr val="E8E8E8"/>
-          </a:solidFill>
+            <a:srgbClr val="F2F2F2"/>
+          </a:solidFill>
+          <a:ln>
+            <a:noFill/>
+          </a:ln>
         </p:spPr>
         <p:style>
           <a:lnRef idx="2">
@@ -6422,8 +6575,11 @@
             <a:avLst/>
           </a:prstGeom>
           <a:solidFill>
-            <a:prstClr val="orange"/>
-          </a:solidFill>
+            <a:srgbClr val="FFC000"/>
+          </a:solidFill>
+          <a:ln>
+            <a:noFill/>
+          </a:ln>
         </p:spPr>
         <p:style>
           <a:lnRef idx="2">
@@ -6464,8 +6620,11 @@
             <a:avLst/>
           </a:prstGeom>
           <a:solidFill>
-            <a:srgbClr val="E8E8E8"/>
-          </a:solidFill>
+            <a:srgbClr val="F2F2F2"/>
+          </a:solidFill>
+          <a:ln>
+            <a:noFill/>
+          </a:ln>
         </p:spPr>
         <p:style>
           <a:lnRef idx="2">
@@ -6597,8 +6756,11 @@
             <a:avLst/>
           </a:prstGeom>
           <a:solidFill>
-            <a:prstClr val="orange"/>
-          </a:solidFill>
+            <a:srgbClr val="FFC000"/>
+          </a:solidFill>
+          <a:ln>
+            <a:noFill/>
+          </a:ln>
         </p:spPr>
         <p:style>
           <a:lnRef idx="2">
@@ -6639,8 +6801,11 @@
             <a:avLst/>
           </a:prstGeom>
           <a:solidFill>
-            <a:srgbClr val="E8E8E8"/>
-          </a:solidFill>
+            <a:srgbClr val="F2F2F2"/>
+          </a:solidFill>
+          <a:ln>
+            <a:noFill/>
+          </a:ln>
         </p:spPr>
         <p:style>
           <a:lnRef idx="2">
@@ -6772,8 +6937,11 @@
             <a:avLst/>
           </a:prstGeom>
           <a:solidFill>
-            <a:prstClr val="orange"/>
-          </a:solidFill>
+            <a:srgbClr val="FFC000"/>
+          </a:solidFill>
+          <a:ln>
+            <a:noFill/>
+          </a:ln>
         </p:spPr>
         <p:style>
           <a:lnRef idx="2">
@@ -6813,9 +6981,7 @@
           <a:prstGeom prst="rect">
             <a:avLst/>
           </a:prstGeom>
-          <a:solidFill>
-            <a:prstClr val="ltGrey"/>
-          </a:solidFill>
+          <a:noFill/>
         </p:spPr>
         <p:style>
           <a:lnRef idx="2">
@@ -6856,8 +7022,11 @@
             <a:avLst/>
           </a:prstGeom>
           <a:solidFill>
-            <a:srgbClr val="807D7E"/>
-          </a:solidFill>
+            <a:srgbClr val="7F7F7F"/>
+          </a:solidFill>
+          <a:ln>
+            <a:noFill/>
+          </a:ln>
         </p:spPr>
         <p:style>
           <a:lnRef idx="2">
@@ -6989,8 +7158,11 @@
             <a:avLst/>
           </a:prstGeom>
           <a:solidFill>
-            <a:srgbClr val="9BB528"/>
-          </a:solidFill>
+            <a:srgbClr val="9BBB59"/>
+          </a:solidFill>
+          <a:ln>
+            <a:noFill/>
+          </a:ln>
         </p:spPr>
         <p:style>
           <a:lnRef idx="2">
@@ -7031,8 +7203,11 @@
             <a:avLst/>
           </a:prstGeom>
           <a:solidFill>
-            <a:prstClr val="brown"/>
-          </a:solidFill>
+            <a:srgbClr val="953735"/>
+          </a:solidFill>
+          <a:ln>
+            <a:noFill/>
+          </a:ln>
         </p:spPr>
         <p:style>
           <a:lnRef idx="2">
@@ -7073,8 +7248,11 @@
             <a:avLst/>
           </a:prstGeom>
           <a:solidFill>
-            <a:srgbClr val="807D7E"/>
-          </a:solidFill>
+            <a:srgbClr val="7F7F7F"/>
+          </a:solidFill>
+          <a:ln>
+            <a:noFill/>
+          </a:ln>
         </p:spPr>
         <p:style>
           <a:lnRef idx="2">
@@ -7206,8 +7384,11 @@
             <a:avLst/>
           </a:prstGeom>
           <a:solidFill>
-            <a:srgbClr val="9BB528"/>
-          </a:solidFill>
+            <a:srgbClr val="9BBB59"/>
+          </a:solidFill>
+          <a:ln>
+            <a:noFill/>
+          </a:ln>
         </p:spPr>
         <p:style>
           <a:lnRef idx="2">
@@ -7248,8 +7429,11 @@
             <a:avLst/>
           </a:prstGeom>
           <a:solidFill>
-            <a:prstClr val="brown"/>
-          </a:solidFill>
+            <a:srgbClr val="953735"/>
+          </a:solidFill>
+          <a:ln>
+            <a:noFill/>
+          </a:ln>
         </p:spPr>
         <p:style>
           <a:lnRef idx="2">
@@ -7290,8 +7474,11 @@
             <a:avLst/>
           </a:prstGeom>
           <a:solidFill>
-            <a:srgbClr val="807D7E"/>
-          </a:solidFill>
+            <a:srgbClr val="7F7F7F"/>
+          </a:solidFill>
+          <a:ln>
+            <a:noFill/>
+          </a:ln>
         </p:spPr>
         <p:style>
           <a:lnRef idx="2">
@@ -7423,8 +7610,11 @@
             <a:avLst/>
           </a:prstGeom>
           <a:solidFill>
-            <a:srgbClr val="9BB528"/>
-          </a:solidFill>
+            <a:srgbClr val="9BBB59"/>
+          </a:solidFill>
+          <a:ln>
+            <a:noFill/>
+          </a:ln>
         </p:spPr>
         <p:style>
           <a:lnRef idx="2">
@@ -7465,8 +7655,11 @@
             <a:avLst/>
           </a:prstGeom>
           <a:solidFill>
-            <a:prstClr val="brown"/>
-          </a:solidFill>
+            <a:srgbClr val="953735"/>
+          </a:solidFill>
+          <a:ln>
+            <a:noFill/>
+          </a:ln>
         </p:spPr>
         <p:style>
           <a:lnRef idx="2">
@@ -7507,8 +7700,11 @@
             <a:avLst/>
           </a:prstGeom>
           <a:solidFill>
-            <a:srgbClr val="807D7E"/>
-          </a:solidFill>
+            <a:srgbClr val="7F7F7F"/>
+          </a:solidFill>
+          <a:ln>
+            <a:noFill/>
+          </a:ln>
         </p:spPr>
         <p:style>
           <a:lnRef idx="2">
@@ -7640,8 +7836,11 @@
             <a:avLst/>
           </a:prstGeom>
           <a:solidFill>
-            <a:srgbClr val="9BB528"/>
-          </a:solidFill>
+            <a:srgbClr val="9BBB59"/>
+          </a:solidFill>
+          <a:ln>
+            <a:noFill/>
+          </a:ln>
         </p:spPr>
         <p:style>
           <a:lnRef idx="2">
@@ -7682,8 +7881,11 @@
             <a:avLst/>
           </a:prstGeom>
           <a:solidFill>
-            <a:prstClr val="brown"/>
-          </a:solidFill>
+            <a:srgbClr val="953735"/>
+          </a:solidFill>
+          <a:ln>
+            <a:noFill/>
+          </a:ln>
         </p:spPr>
         <p:style>
           <a:lnRef idx="2">
